--- a/1. CICD/2. LG전자_NERP대응/[정리] NERP전자유관대응-CICD.pptx
+++ b/1. CICD/2. LG전자_NERP대응/[정리] NERP전자유관대응-CICD.pptx
@@ -8,13 +8,14 @@
     <p:sldId id="264" r:id="rId2"/>
     <p:sldId id="263" r:id="rId3"/>
     <p:sldId id="265" r:id="rId4"/>
-    <p:sldId id="256" r:id="rId5"/>
-    <p:sldId id="259" r:id="rId6"/>
-    <p:sldId id="260" r:id="rId7"/>
-    <p:sldId id="261" r:id="rId8"/>
-    <p:sldId id="257" r:id="rId9"/>
-    <p:sldId id="258" r:id="rId10"/>
-    <p:sldId id="262" r:id="rId11"/>
+    <p:sldId id="266" r:id="rId5"/>
+    <p:sldId id="256" r:id="rId6"/>
+    <p:sldId id="259" r:id="rId7"/>
+    <p:sldId id="260" r:id="rId8"/>
+    <p:sldId id="261" r:id="rId9"/>
+    <p:sldId id="257" r:id="rId10"/>
+    <p:sldId id="258" r:id="rId11"/>
+    <p:sldId id="262" r:id="rId12"/>
   </p:sldIdLst>
   <p:sldSz cx="12601575" cy="9361488"/>
   <p:notesSz cx="6858000" cy="9144000"/>
@@ -298,7 +299,7 @@
             <a:fld id="{9B5A239A-F04F-41DB-A2FF-E556D45AD87B}" type="datetimeFigureOut">
               <a:rPr lang="ko-KR" altLang="en-US" smtClean="0"/>
               <a:pPr/>
-              <a:t>2024-06-08</a:t>
+              <a:t>2024-06-14</a:t>
             </a:fld>
             <a:endParaRPr lang="ko-KR" altLang="en-US"/>
           </a:p>
@@ -465,7 +466,7 @@
             <a:fld id="{9B5A239A-F04F-41DB-A2FF-E556D45AD87B}" type="datetimeFigureOut">
               <a:rPr lang="ko-KR" altLang="en-US" smtClean="0"/>
               <a:pPr/>
-              <a:t>2024-06-08</a:t>
+              <a:t>2024-06-14</a:t>
             </a:fld>
             <a:endParaRPr lang="ko-KR" altLang="en-US"/>
           </a:p>
@@ -642,7 +643,7 @@
             <a:fld id="{9B5A239A-F04F-41DB-A2FF-E556D45AD87B}" type="datetimeFigureOut">
               <a:rPr lang="ko-KR" altLang="en-US" smtClean="0"/>
               <a:pPr/>
-              <a:t>2024-06-08</a:t>
+              <a:t>2024-06-14</a:t>
             </a:fld>
             <a:endParaRPr lang="ko-KR" altLang="en-US"/>
           </a:p>
@@ -809,7 +810,7 @@
             <a:fld id="{9B5A239A-F04F-41DB-A2FF-E556D45AD87B}" type="datetimeFigureOut">
               <a:rPr lang="ko-KR" altLang="en-US" smtClean="0"/>
               <a:pPr/>
-              <a:t>2024-06-08</a:t>
+              <a:t>2024-06-14</a:t>
             </a:fld>
             <a:endParaRPr lang="ko-KR" altLang="en-US"/>
           </a:p>
@@ -1052,7 +1053,7 @@
             <a:fld id="{9B5A239A-F04F-41DB-A2FF-E556D45AD87B}" type="datetimeFigureOut">
               <a:rPr lang="ko-KR" altLang="en-US" smtClean="0"/>
               <a:pPr/>
-              <a:t>2024-06-08</a:t>
+              <a:t>2024-06-14</a:t>
             </a:fld>
             <a:endParaRPr lang="ko-KR" altLang="en-US"/>
           </a:p>
@@ -1337,7 +1338,7 @@
             <a:fld id="{9B5A239A-F04F-41DB-A2FF-E556D45AD87B}" type="datetimeFigureOut">
               <a:rPr lang="ko-KR" altLang="en-US" smtClean="0"/>
               <a:pPr/>
-              <a:t>2024-06-08</a:t>
+              <a:t>2024-06-14</a:t>
             </a:fld>
             <a:endParaRPr lang="ko-KR" altLang="en-US"/>
           </a:p>
@@ -1756,7 +1757,7 @@
             <a:fld id="{9B5A239A-F04F-41DB-A2FF-E556D45AD87B}" type="datetimeFigureOut">
               <a:rPr lang="ko-KR" altLang="en-US" smtClean="0"/>
               <a:pPr/>
-              <a:t>2024-06-08</a:t>
+              <a:t>2024-06-14</a:t>
             </a:fld>
             <a:endParaRPr lang="ko-KR" altLang="en-US"/>
           </a:p>
@@ -1871,7 +1872,7 @@
             <a:fld id="{9B5A239A-F04F-41DB-A2FF-E556D45AD87B}" type="datetimeFigureOut">
               <a:rPr lang="ko-KR" altLang="en-US" smtClean="0"/>
               <a:pPr/>
-              <a:t>2024-06-08</a:t>
+              <a:t>2024-06-14</a:t>
             </a:fld>
             <a:endParaRPr lang="ko-KR" altLang="en-US"/>
           </a:p>
@@ -1963,7 +1964,7 @@
             <a:fld id="{9B5A239A-F04F-41DB-A2FF-E556D45AD87B}" type="datetimeFigureOut">
               <a:rPr lang="ko-KR" altLang="en-US" smtClean="0"/>
               <a:pPr/>
-              <a:t>2024-06-08</a:t>
+              <a:t>2024-06-14</a:t>
             </a:fld>
             <a:endParaRPr lang="ko-KR" altLang="en-US"/>
           </a:p>
@@ -2237,7 +2238,7 @@
             <a:fld id="{9B5A239A-F04F-41DB-A2FF-E556D45AD87B}" type="datetimeFigureOut">
               <a:rPr lang="ko-KR" altLang="en-US" smtClean="0"/>
               <a:pPr/>
-              <a:t>2024-06-08</a:t>
+              <a:t>2024-06-14</a:t>
             </a:fld>
             <a:endParaRPr lang="ko-KR" altLang="en-US"/>
           </a:p>
@@ -2487,7 +2488,7 @@
             <a:fld id="{9B5A239A-F04F-41DB-A2FF-E556D45AD87B}" type="datetimeFigureOut">
               <a:rPr lang="ko-KR" altLang="en-US" smtClean="0"/>
               <a:pPr/>
-              <a:t>2024-06-08</a:t>
+              <a:t>2024-06-14</a:t>
             </a:fld>
             <a:endParaRPr lang="ko-KR" altLang="en-US"/>
           </a:p>
@@ -2697,7 +2698,7 @@
             <a:fld id="{9B5A239A-F04F-41DB-A2FF-E556D45AD87B}" type="datetimeFigureOut">
               <a:rPr lang="ko-KR" altLang="en-US" smtClean="0"/>
               <a:pPr/>
-              <a:t>2024-06-08</a:t>
+              <a:t>2024-06-14</a:t>
             </a:fld>
             <a:endParaRPr lang="ko-KR" altLang="en-US"/>
           </a:p>
@@ -4070,17 +4071,7 @@
                 <a:latin typeface="LG Smart UI Regular" pitchFamily="50" charset="-127"/>
                 <a:ea typeface="LG Smart UI Regular" pitchFamily="50" charset="-127"/>
               </a:rPr>
-              <a:t>Quality Profiles &gt; Default : </a:t>
-            </a:r>
-            <a:r>
-              <a:rPr lang="en-US" altLang="ko-KR" sz="1700" smtClean="0">
-                <a:solidFill>
-                  <a:srgbClr val="3C10F6"/>
-                </a:solidFill>
-                <a:latin typeface="LG Smart UI Regular" pitchFamily="50" charset="-127"/>
-                <a:ea typeface="LG Smart UI Regular" pitchFamily="50" charset="-127"/>
-              </a:rPr>
-              <a:t>LGCNS_SonarQube_RuleSet-V1.1</a:t>
+              <a:t>Quality Profiles &gt; Default : LGCNS_SonarQube_RuleSet-V1.1</a:t>
             </a:r>
             <a:endParaRPr lang="ko-KR" altLang="en-US" sz="1700">
               <a:solidFill>
@@ -4483,6 +4474,252 @@
           <a:chExt cx="0" cy="0"/>
         </a:xfrm>
       </p:grpSpPr>
+      <p:pic>
+        <p:nvPicPr>
+          <p:cNvPr id="2050" name="Picture 2"/>
+          <p:cNvPicPr>
+            <a:picLocks noChangeAspect="1" noChangeArrowheads="1"/>
+          </p:cNvPicPr>
+          <p:nvPr/>
+        </p:nvPicPr>
+        <p:blipFill>
+          <a:blip r:embed="rId2"/>
+          <a:srcRect/>
+          <a:stretch>
+            <a:fillRect/>
+          </a:stretch>
+        </p:blipFill>
+        <p:spPr bwMode="auto">
+          <a:xfrm>
+            <a:off x="167210" y="1136053"/>
+            <a:ext cx="9053171" cy="5398691"/>
+          </a:xfrm>
+          <a:prstGeom prst="rect">
+            <a:avLst/>
+          </a:prstGeom>
+          <a:noFill/>
+          <a:ln w="9525">
+            <a:noFill/>
+            <a:miter lim="800000"/>
+            <a:headEnd/>
+            <a:tailEnd/>
+          </a:ln>
+          <a:effectLst/>
+        </p:spPr>
+      </p:pic>
+      <p:sp>
+        <p:nvSpPr>
+          <p:cNvPr id="5" name="TextBox 4"/>
+          <p:cNvSpPr txBox="1"/>
+          <p:nvPr/>
+        </p:nvSpPr>
+        <p:spPr>
+          <a:xfrm>
+            <a:off x="167210" y="655386"/>
+            <a:ext cx="3117007" cy="369332"/>
+          </a:xfrm>
+          <a:prstGeom prst="rect">
+            <a:avLst/>
+          </a:prstGeom>
+          <a:noFill/>
+        </p:spPr>
+        <p:txBody>
+          <a:bodyPr wrap="none" rtlCol="0">
+            <a:spAutoFit/>
+          </a:bodyPr>
+          <a:lstStyle/>
+          <a:p>
+            <a:r>
+              <a:rPr lang="ko-KR" altLang="en-US" sz="1800" smtClean="0">
+                <a:latin typeface="LG Smart UI Regular" pitchFamily="50" charset="-127"/>
+                <a:ea typeface="LG Smart UI Regular" pitchFamily="50" charset="-127"/>
+              </a:rPr>
+              <a:t>◆ </a:t>
+            </a:r>
+            <a:r>
+              <a:rPr lang="en-US" altLang="ko-KR" sz="1800" smtClean="0">
+                <a:latin typeface="LG Smart UI Regular" pitchFamily="50" charset="-127"/>
+                <a:ea typeface="LG Smart UI Regular" pitchFamily="50" charset="-127"/>
+              </a:rPr>
+              <a:t>gradle</a:t>
+            </a:r>
+            <a:r>
+              <a:rPr lang="ko-KR" altLang="en-US" sz="1800" smtClean="0">
+                <a:latin typeface="LG Smart UI Regular" pitchFamily="50" charset="-127"/>
+                <a:ea typeface="LG Smart UI Regular" pitchFamily="50" charset="-127"/>
+              </a:rPr>
+              <a:t>프로젝트 디렉토리 구조 </a:t>
+            </a:r>
+            <a:endParaRPr lang="ko-KR" altLang="en-US" sz="1800">
+              <a:latin typeface="LG Smart UI Regular" pitchFamily="50" charset="-127"/>
+              <a:ea typeface="LG Smart UI Regular" pitchFamily="50" charset="-127"/>
+            </a:endParaRPr>
+          </a:p>
+        </p:txBody>
+      </p:sp>
+      <p:sp>
+        <p:nvSpPr>
+          <p:cNvPr id="6" name="직사각형 5"/>
+          <p:cNvSpPr/>
+          <p:nvPr/>
+        </p:nvSpPr>
+        <p:spPr>
+          <a:xfrm>
+            <a:off x="1135353" y="2620744"/>
+            <a:ext cx="3518484" cy="480667"/>
+          </a:xfrm>
+          <a:prstGeom prst="rect">
+            <a:avLst/>
+          </a:prstGeom>
+          <a:noFill/>
+          <a:ln>
+            <a:solidFill>
+              <a:srgbClr val="FF0000"/>
+            </a:solidFill>
+          </a:ln>
+        </p:spPr>
+        <p:style>
+          <a:lnRef idx="2">
+            <a:schemeClr val="accent1">
+              <a:shade val="50000"/>
+            </a:schemeClr>
+          </a:lnRef>
+          <a:fillRef idx="1">
+            <a:schemeClr val="accent1"/>
+          </a:fillRef>
+          <a:effectRef idx="0">
+            <a:schemeClr val="accent1"/>
+          </a:effectRef>
+          <a:fontRef idx="minor">
+            <a:schemeClr val="lt1"/>
+          </a:fontRef>
+        </p:style>
+        <p:txBody>
+          <a:bodyPr rtlCol="0" anchor="ctr"/>
+          <a:lstStyle/>
+          <a:p>
+            <a:pPr algn="ctr"/>
+            <a:endParaRPr lang="ko-KR" altLang="en-US"/>
+          </a:p>
+        </p:txBody>
+      </p:sp>
+      <p:sp>
+        <p:nvSpPr>
+          <p:cNvPr id="7" name="직사각형 6"/>
+          <p:cNvSpPr/>
+          <p:nvPr/>
+        </p:nvSpPr>
+        <p:spPr>
+          <a:xfrm>
+            <a:off x="1135353" y="3238744"/>
+            <a:ext cx="3518484" cy="274666"/>
+          </a:xfrm>
+          <a:prstGeom prst="rect">
+            <a:avLst/>
+          </a:prstGeom>
+          <a:noFill/>
+          <a:ln>
+            <a:solidFill>
+              <a:srgbClr val="00B0F0"/>
+            </a:solidFill>
+          </a:ln>
+        </p:spPr>
+        <p:style>
+          <a:lnRef idx="2">
+            <a:schemeClr val="accent1">
+              <a:shade val="50000"/>
+            </a:schemeClr>
+          </a:lnRef>
+          <a:fillRef idx="1">
+            <a:schemeClr val="accent1"/>
+          </a:fillRef>
+          <a:effectRef idx="0">
+            <a:schemeClr val="accent1"/>
+          </a:effectRef>
+          <a:fontRef idx="minor">
+            <a:schemeClr val="lt1"/>
+          </a:fontRef>
+        </p:style>
+        <p:txBody>
+          <a:bodyPr rtlCol="0" anchor="ctr"/>
+          <a:lstStyle/>
+          <a:p>
+            <a:pPr algn="ctr"/>
+            <a:endParaRPr lang="ko-KR" altLang="en-US"/>
+          </a:p>
+        </p:txBody>
+      </p:sp>
+      <p:sp>
+        <p:nvSpPr>
+          <p:cNvPr id="8" name="직사각형 7"/>
+          <p:cNvSpPr/>
+          <p:nvPr/>
+        </p:nvSpPr>
+        <p:spPr>
+          <a:xfrm>
+            <a:off x="1135353" y="3513411"/>
+            <a:ext cx="3518484" cy="1030000"/>
+          </a:xfrm>
+          <a:prstGeom prst="rect">
+            <a:avLst/>
+          </a:prstGeom>
+          <a:noFill/>
+          <a:ln>
+            <a:solidFill>
+              <a:srgbClr val="FFFF00"/>
+            </a:solidFill>
+          </a:ln>
+        </p:spPr>
+        <p:style>
+          <a:lnRef idx="2">
+            <a:schemeClr val="accent1">
+              <a:shade val="50000"/>
+            </a:schemeClr>
+          </a:lnRef>
+          <a:fillRef idx="1">
+            <a:schemeClr val="accent1"/>
+          </a:fillRef>
+          <a:effectRef idx="0">
+            <a:schemeClr val="accent1"/>
+          </a:effectRef>
+          <a:fontRef idx="minor">
+            <a:schemeClr val="lt1"/>
+          </a:fontRef>
+        </p:style>
+        <p:txBody>
+          <a:bodyPr rtlCol="0" anchor="ctr"/>
+          <a:lstStyle/>
+          <a:p>
+            <a:pPr algn="ctr"/>
+            <a:endParaRPr lang="ko-KR" altLang="en-US"/>
+          </a:p>
+        </p:txBody>
+      </p:sp>
+    </p:spTree>
+  </p:cSld>
+  <p:clrMapOvr>
+    <a:masterClrMapping/>
+  </p:clrMapOvr>
+</p:sld>
+</file>
+
+<file path=ppt/slides/slide11.xml><?xml version="1.0" encoding="utf-8"?>
+<p:sld xmlns:a="http://schemas.openxmlformats.org/drawingml/2006/main" xmlns:r="http://schemas.openxmlformats.org/officeDocument/2006/relationships" xmlns:p="http://schemas.openxmlformats.org/presentationml/2006/main">
+  <p:cSld>
+    <p:spTree>
+      <p:nvGrpSpPr>
+        <p:cNvPr id="1" name=""/>
+        <p:cNvGrpSpPr/>
+        <p:nvPr/>
+      </p:nvGrpSpPr>
+      <p:grpSpPr>
+        <a:xfrm>
+          <a:off x="0" y="0"/>
+          <a:ext cx="0" cy="0"/>
+          <a:chOff x="0" y="0"/>
+          <a:chExt cx="0" cy="0"/>
+        </a:xfrm>
+      </p:grpSpPr>
       <p:sp>
         <p:nvSpPr>
           <p:cNvPr id="5" name="TextBox 4"/>
@@ -4918,14 +5155,7 @@
                 <a:latin typeface="HY궁서B" pitchFamily="18" charset="-127"/>
                 <a:ea typeface="HY궁서B" pitchFamily="18" charset="-127"/>
               </a:rPr>
-              <a:t> </a:t>
-            </a:r>
-            <a:r>
-              <a:rPr lang="en-US" sz="1200" smtClean="0">
-                <a:latin typeface="HY궁서B" pitchFamily="18" charset="-127"/>
-                <a:ea typeface="HY궁서B" pitchFamily="18" charset="-127"/>
-              </a:rPr>
-              <a:t>└ </a:t>
+              <a:t> └ </a:t>
             </a:r>
             <a:r>
               <a:rPr lang="en-US" sz="1200" smtClean="0">
@@ -4953,7 +5183,7 @@
           <a:blip r:embed="rId2">
             <a:extLst>
               <a:ext uri="{28A0092B-C50C-407E-A947-70E740481C1C}">
-                <a14:useLocalDpi xmlns="" xmlns:a14="http://schemas.microsoft.com/office/drawing/2010/main" val="0"/>
+                <a14:useLocalDpi xmlns:a14="http://schemas.microsoft.com/office/drawing/2010/main" xmlns="" val="0"/>
               </a:ext>
             </a:extLst>
           </a:blip>
@@ -4973,7 +5203,7 @@
           <a:noFill/>
           <a:extLst>
             <a:ext uri="{909E8E84-426E-40DD-AFC4-6F175D3DCCD1}">
-              <a14:hiddenFill xmlns="" xmlns:a14="http://schemas.microsoft.com/office/drawing/2010/main">
+              <a14:hiddenFill xmlns:a14="http://schemas.microsoft.com/office/drawing/2010/main" xmlns="">
                 <a:solidFill>
                   <a:srgbClr val="FFFFFF"/>
                 </a:solidFill>
@@ -5087,14 +5317,7 @@
                 <a:latin typeface="LG Smart UI Regular" pitchFamily="50" charset="-127"/>
                 <a:ea typeface="LG Smart UI Regular" pitchFamily="50" charset="-127"/>
               </a:rPr>
-              <a:t> : </a:t>
-            </a:r>
-            <a:r>
-              <a:rPr lang="en-US" sz="1500" smtClean="0">
-                <a:latin typeface="LG Smart UI Regular" pitchFamily="50" charset="-127"/>
-                <a:ea typeface="LG Smart UI Regular" pitchFamily="50" charset="-127"/>
-              </a:rPr>
-              <a:t>New_GDMi_dev </a:t>
+              <a:t> : New_GDMi_dev </a:t>
             </a:r>
             <a:r>
               <a:rPr lang="ko-KR" altLang="en-US" sz="1500" smtClean="0">
@@ -5177,14 +5400,7 @@
                 <a:latin typeface="LG Smart UI Regular" pitchFamily="50" charset="-127"/>
                 <a:ea typeface="LG Smart UI Regular" pitchFamily="50" charset="-127"/>
               </a:rPr>
-              <a:t>.</a:t>
-            </a:r>
-            <a:r>
-              <a:rPr lang="en-US" sz="1500" smtClean="0">
-                <a:latin typeface="LG Smart UI Regular" pitchFamily="50" charset="-127"/>
-                <a:ea typeface="LG Smart UI Regular" pitchFamily="50" charset="-127"/>
-              </a:rPr>
-              <a:t>m2/repository</a:t>
+              <a:t>.m2/repository</a:t>
             </a:r>
             <a:endParaRPr lang="en-US" sz="1500">
               <a:latin typeface="LG Smart UI Regular" pitchFamily="50" charset="-127"/>
@@ -5235,14 +5451,7 @@
                 <a:latin typeface="LG Smart UI Regular" pitchFamily="50" charset="-127"/>
                 <a:ea typeface="LG Smart UI Regular" pitchFamily="50" charset="-127"/>
               </a:rPr>
-              <a:t>체크아</a:t>
-            </a:r>
-            <a:r>
-              <a:rPr lang="ko-KR" altLang="en-US" sz="1500" smtClean="0">
-                <a:latin typeface="LG Smart UI Regular" pitchFamily="50" charset="-127"/>
-                <a:ea typeface="LG Smart UI Regular" pitchFamily="50" charset="-127"/>
-              </a:rPr>
-              <a:t>웃</a:t>
+              <a:t>체크아웃</a:t>
             </a:r>
             <a:endParaRPr lang="en-US" sz="1500">
               <a:latin typeface="LG Smart UI Regular" pitchFamily="50" charset="-127"/>
@@ -5478,14 +5687,7 @@
                 <a:latin typeface="HY궁서B" pitchFamily="18" charset="-127"/>
                 <a:ea typeface="HY궁서B" pitchFamily="18" charset="-127"/>
               </a:rPr>
-              <a:t> </a:t>
-            </a:r>
-            <a:r>
-              <a:rPr lang="en-US" sz="1200" smtClean="0">
-                <a:latin typeface="HY궁서B" pitchFamily="18" charset="-127"/>
-                <a:ea typeface="HY궁서B" pitchFamily="18" charset="-127"/>
-              </a:rPr>
-              <a:t>└ </a:t>
+              <a:t> └ </a:t>
             </a:r>
             <a:r>
               <a:rPr lang="en-US" sz="1200" smtClean="0">
@@ -5807,33 +6009,8 @@
                 <a:latin typeface="LG PC" pitchFamily="18" charset="-127"/>
                 <a:ea typeface="LG PC" pitchFamily="18" charset="-127"/>
               </a:rPr>
-              <a:t> </a:t>
-            </a:r>
-            <a:r>
-              <a:rPr lang="en-US" sz="1200" smtClean="0">
-                <a:latin typeface="LG PC" pitchFamily="18" charset="-127"/>
-                <a:ea typeface="LG PC" pitchFamily="18" charset="-127"/>
-              </a:rPr>
-              <a:t>└ </a:t>
-            </a:r>
-            <a:r>
-              <a:rPr lang="en-US" sz="1200" smtClean="0">
-                <a:latin typeface="LG PC" pitchFamily="18" charset="-127"/>
-                <a:ea typeface="LG PC" pitchFamily="18" charset="-127"/>
-              </a:rPr>
-              <a:t>/</a:t>
-            </a:r>
-            <a:r>
-              <a:rPr lang="en-US" sz="1200" smtClean="0">
-                <a:latin typeface="LG PC" pitchFamily="18" charset="-127"/>
-                <a:ea typeface="LG PC" pitchFamily="18" charset="-127"/>
-              </a:rPr>
-              <a:t>sorc001/gdmiadm/ciserv/hudson/jobs/NERP_GDMi_dev/restart_dev.sh</a:t>
-            </a:r>
-            <a:endParaRPr lang="en-US" sz="1200" smtClean="0">
-              <a:latin typeface="LG PC" pitchFamily="18" charset="-127"/>
-              <a:ea typeface="LG PC" pitchFamily="18" charset="-127"/>
-            </a:endParaRPr>
+              <a:t> └ /sorc001/gdmiadm/ciserv/hudson/jobs/NERP_GDMi_dev/restart_dev.sh</a:t>
+            </a:r>
           </a:p>
           <a:p>
             <a:endParaRPr lang="en-US" sz="1200">
@@ -6458,14 +6635,7 @@
                 <a:latin typeface="LG Smart UI Regular" pitchFamily="50" charset="-127"/>
                 <a:ea typeface="LG Smart UI Regular" pitchFamily="50" charset="-127"/>
               </a:rPr>
-              <a:t> : </a:t>
-            </a:r>
-            <a:r>
-              <a:rPr lang="en-US" sz="1500" smtClean="0">
-                <a:latin typeface="LG Smart UI Regular" pitchFamily="50" charset="-127"/>
-                <a:ea typeface="LG Smart UI Regular" pitchFamily="50" charset="-127"/>
-              </a:rPr>
-              <a:t>New_GDMi_web_dev </a:t>
+              <a:t> : New_GDMi_web_dev </a:t>
             </a:r>
             <a:r>
               <a:rPr lang="ko-KR" altLang="en-US" sz="1500" smtClean="0">
@@ -6522,10 +6692,6 @@
               </a:rPr>
               <a:t>,</a:t>
             </a:r>
-            <a:endParaRPr lang="en-US" altLang="ko-KR" sz="1100" smtClean="0">
-              <a:latin typeface="HY궁서B" pitchFamily="18" charset="-127"/>
-              <a:ea typeface="HY궁서B" pitchFamily="18" charset="-127"/>
-            </a:endParaRPr>
           </a:p>
           <a:p>
             <a:pPr algn="ctr"/>
@@ -6581,14 +6747,7 @@
                 <a:latin typeface="LG Smart UI Regular" pitchFamily="50" charset="-127"/>
                 <a:ea typeface="LG Smart UI Regular" pitchFamily="50" charset="-127"/>
               </a:rPr>
-              <a:t>체크아</a:t>
-            </a:r>
-            <a:r>
-              <a:rPr lang="ko-KR" altLang="en-US" sz="1500" smtClean="0">
-                <a:latin typeface="LG Smart UI Regular" pitchFamily="50" charset="-127"/>
-                <a:ea typeface="LG Smart UI Regular" pitchFamily="50" charset="-127"/>
-              </a:rPr>
-              <a:t>웃</a:t>
+              <a:t>체크아웃</a:t>
             </a:r>
             <a:endParaRPr lang="en-US" sz="1500">
               <a:latin typeface="LG Smart UI Regular" pitchFamily="50" charset="-127"/>
@@ -6818,14 +6977,7 @@
                 <a:latin typeface="HY궁서B" pitchFamily="18" charset="-127"/>
                 <a:ea typeface="HY궁서B" pitchFamily="18" charset="-127"/>
               </a:rPr>
-              <a:t> </a:t>
-            </a:r>
-            <a:r>
-              <a:rPr lang="en-US" sz="1200" smtClean="0">
-                <a:latin typeface="HY궁서B" pitchFamily="18" charset="-127"/>
-                <a:ea typeface="HY궁서B" pitchFamily="18" charset="-127"/>
-              </a:rPr>
-              <a:t>└ </a:t>
+              <a:t> └ </a:t>
             </a:r>
             <a:r>
               <a:rPr lang="en-US" sz="1200" smtClean="0">
@@ -6971,10 +7123,6 @@
               </a:rPr>
               <a:t> </a:t>
             </a:r>
-            <a:endParaRPr lang="en-US" sz="1200" smtClean="0">
-              <a:latin typeface="LG Smart UI Regular" pitchFamily="50" charset="-127"/>
-              <a:ea typeface="LG Smart UI Regular" pitchFamily="50" charset="-127"/>
-            </a:endParaRPr>
           </a:p>
           <a:p>
             <a:r>
@@ -7156,15 +7304,7 @@
                   <a:ea typeface="HY궁서B" pitchFamily="18" charset="-127"/>
                   <a:cs typeface="맑은 고딕 Semilight" pitchFamily="50" charset="-127"/>
                 </a:rPr>
-                <a:t> </a:t>
-              </a:r>
-              <a:r>
-                <a:rPr lang="en-US" altLang="ko-KR" sz="1300" u="sng" smtClean="0">
-                  <a:latin typeface="HY궁서B" pitchFamily="18" charset="-127"/>
-                  <a:ea typeface="HY궁서B" pitchFamily="18" charset="-127"/>
-                  <a:cs typeface="맑은 고딕 Semilight" pitchFamily="50" charset="-127"/>
-                </a:rPr>
-                <a:t>trunk</a:t>
+                <a:t> trunk</a:t>
               </a:r>
             </a:p>
             <a:p>
@@ -7182,14 +7322,7 @@
                   <a:latin typeface="HY궁서B" pitchFamily="18" charset="-127"/>
                   <a:ea typeface="HY궁서B" pitchFamily="18" charset="-127"/>
                 </a:rPr>
-                <a:t> </a:t>
-              </a:r>
-              <a:r>
-                <a:rPr lang="en-US" altLang="ko-KR" sz="1000" smtClean="0">
-                  <a:latin typeface="HY궁서B" pitchFamily="18" charset="-127"/>
-                  <a:ea typeface="HY궁서B" pitchFamily="18" charset="-127"/>
-                </a:rPr>
-                <a:t>  gdmi/</a:t>
+                <a:t>   gdmi/</a:t>
               </a:r>
               <a:endParaRPr lang="ko-KR" altLang="en-US" sz="1000" smtClean="0">
                 <a:latin typeface="HY궁서B" pitchFamily="18" charset="-127"/>
@@ -7216,35 +7349,14 @@
                   <a:latin typeface="HY궁서B" pitchFamily="18" charset="-127"/>
                   <a:ea typeface="HY궁서B" pitchFamily="18" charset="-127"/>
                 </a:rPr>
-                <a:t> </a:t>
-              </a:r>
-              <a:r>
-                <a:rPr lang="ko-KR" altLang="en-US" sz="1000" smtClean="0">
-                  <a:latin typeface="HY궁서B" pitchFamily="18" charset="-127"/>
-                  <a:ea typeface="HY궁서B" pitchFamily="18" charset="-127"/>
-                </a:rPr>
-                <a:t> </a:t>
-              </a:r>
-              <a:r>
-                <a:rPr lang="ko-KR" altLang="en-US" sz="1000" smtClean="0">
-                  <a:latin typeface="HY궁서B" pitchFamily="18" charset="-127"/>
-                  <a:ea typeface="HY궁서B" pitchFamily="18" charset="-127"/>
-                </a:rPr>
-                <a:t>  </a:t>
+                <a:t>    </a:t>
               </a:r>
               <a:r>
                 <a:rPr lang="en-US" altLang="ko-KR" sz="1000" smtClean="0">
                   <a:latin typeface="HY궁서B" pitchFamily="18" charset="-127"/>
                   <a:ea typeface="HY궁서B" pitchFamily="18" charset="-127"/>
                 </a:rPr>
-                <a:t>("</a:t>
-              </a:r>
-              <a:r>
-                <a:rPr lang="en-US" altLang="ko-KR" sz="1000" smtClean="0">
-                  <a:latin typeface="HY궁서B" pitchFamily="18" charset="-127"/>
-                  <a:ea typeface="HY궁서B" pitchFamily="18" charset="-127"/>
-                </a:rPr>
-                <a:t>maven </a:t>
+                <a:t>("maven </a:t>
               </a:r>
               <a:r>
                 <a:rPr lang="ko-KR" altLang="en-US" sz="1000" smtClean="0">
@@ -7294,14 +7406,7 @@
                   <a:latin typeface="HY궁서B" pitchFamily="18" charset="-127"/>
                   <a:ea typeface="HY궁서B" pitchFamily="18" charset="-127"/>
                 </a:rPr>
-                <a:t>(“</a:t>
-              </a:r>
-              <a:r>
-                <a:rPr lang="en-US" sz="1000" smtClean="0">
-                  <a:latin typeface="HY궁서B" pitchFamily="18" charset="-127"/>
-                  <a:ea typeface="HY궁서B" pitchFamily="18" charset="-127"/>
-                </a:rPr>
-                <a:t>ant </a:t>
+                <a:t>(“ant </a:t>
               </a:r>
               <a:r>
                 <a:rPr lang="ko-KR" altLang="en-US" sz="1000" smtClean="0">
@@ -7317,10 +7422,6 @@
                 </a:rPr>
                 <a:t>")</a:t>
               </a:r>
-              <a:endParaRPr lang="en-US" altLang="ko-KR" sz="1000" smtClean="0">
-                <a:latin typeface="HY궁서B" pitchFamily="18" charset="-127"/>
-                <a:ea typeface="HY궁서B" pitchFamily="18" charset="-127"/>
-              </a:endParaRPr>
             </a:p>
             <a:p>
               <a:r>
@@ -7490,7 +7591,7 @@
             </a:duotone>
             <a:extLst>
               <a:ext uri="{28A0092B-C50C-407E-A947-70E740481C1C}">
-                <a14:useLocalDpi xmlns="" xmlns:a14="http://schemas.microsoft.com/office/drawing/2010/main" val="0"/>
+                <a14:useLocalDpi xmlns:a14="http://schemas.microsoft.com/office/drawing/2010/main" xmlns="" val="0"/>
               </a:ext>
             </a:extLst>
           </a:blip>
@@ -7510,7 +7611,7 @@
           <a:noFill/>
           <a:extLst>
             <a:ext uri="{909E8E84-426E-40DD-AFC4-6F175D3DCCD1}">
-              <a14:hiddenFill xmlns="" xmlns:a14="http://schemas.microsoft.com/office/drawing/2010/main">
+              <a14:hiddenFill xmlns:a14="http://schemas.microsoft.com/office/drawing/2010/main" xmlns="">
                 <a:solidFill>
                   <a:srgbClr val="FFFFFF"/>
                 </a:solidFill>
@@ -7685,6 +7786,2735 @@
           <a:chExt cx="0" cy="0"/>
         </a:xfrm>
       </p:grpSpPr>
+      <p:sp>
+        <p:nvSpPr>
+          <p:cNvPr id="20" name="직사각형 19"/>
+          <p:cNvSpPr/>
+          <p:nvPr/>
+        </p:nvSpPr>
+        <p:spPr>
+          <a:xfrm>
+            <a:off x="1014375" y="965968"/>
+            <a:ext cx="7072362" cy="4000528"/>
+          </a:xfrm>
+          <a:prstGeom prst="rect">
+            <a:avLst/>
+          </a:prstGeom>
+          <a:solidFill>
+            <a:schemeClr val="bg1">
+              <a:lumMod val="95000"/>
+            </a:schemeClr>
+          </a:solidFill>
+          <a:ln>
+            <a:noFill/>
+          </a:ln>
+        </p:spPr>
+        <p:style>
+          <a:lnRef idx="2">
+            <a:schemeClr val="accent1">
+              <a:shade val="50000"/>
+            </a:schemeClr>
+          </a:lnRef>
+          <a:fillRef idx="1">
+            <a:schemeClr val="accent1"/>
+          </a:fillRef>
+          <a:effectRef idx="0">
+            <a:schemeClr val="accent1"/>
+          </a:effectRef>
+          <a:fontRef idx="minor">
+            <a:schemeClr val="lt1"/>
+          </a:fontRef>
+        </p:style>
+        <p:txBody>
+          <a:bodyPr lIns="91419" tIns="45710" rIns="91419" bIns="45710" rtlCol="0" anchor="t" anchorCtr="0"/>
+          <a:lstStyle/>
+          <a:p>
+            <a:pPr algn="ctr"/>
+            <a:r>
+              <a:rPr lang="ko-KR" altLang="en-US" sz="1700" b="1" smtClean="0">
+                <a:solidFill>
+                  <a:schemeClr val="tx1"/>
+                </a:solidFill>
+                <a:latin typeface="LG Smart UI Regular" pitchFamily="50" charset="-127"/>
+                <a:ea typeface="LG Smart UI Regular" pitchFamily="50" charset="-127"/>
+                <a:cs typeface="맑은 고딕 Semilight" pitchFamily="50" charset="-127"/>
+              </a:rPr>
+              <a:t>개발서버</a:t>
+            </a:r>
+            <a:endParaRPr lang="ko-KR" altLang="en-US" sz="1700" b="1">
+              <a:solidFill>
+                <a:schemeClr val="tx1"/>
+              </a:solidFill>
+              <a:latin typeface="LG Smart UI Regular" pitchFamily="50" charset="-127"/>
+              <a:ea typeface="LG Smart UI Regular" pitchFamily="50" charset="-127"/>
+              <a:cs typeface="맑은 고딕 Semilight" pitchFamily="50" charset="-127"/>
+            </a:endParaRPr>
+          </a:p>
+        </p:txBody>
+      </p:sp>
+      <p:cxnSp>
+        <p:nvCxnSpPr>
+          <p:cNvPr id="21" name="직선 화살표 연결선 20"/>
+          <p:cNvCxnSpPr/>
+          <p:nvPr/>
+        </p:nvCxnSpPr>
+        <p:spPr>
+          <a:xfrm rot="5400000">
+            <a:off x="1622392" y="2715405"/>
+            <a:ext cx="2214578" cy="1588"/>
+          </a:xfrm>
+          <a:prstGeom prst="straightConnector1">
+            <a:avLst/>
+          </a:prstGeom>
+          <a:ln>
+            <a:tailEnd type="arrow"/>
+          </a:ln>
+        </p:spPr>
+        <p:style>
+          <a:lnRef idx="1">
+            <a:schemeClr val="accent1"/>
+          </a:lnRef>
+          <a:fillRef idx="0">
+            <a:schemeClr val="accent1"/>
+          </a:fillRef>
+          <a:effectRef idx="0">
+            <a:schemeClr val="accent1"/>
+          </a:effectRef>
+          <a:fontRef idx="minor">
+            <a:schemeClr val="tx1"/>
+          </a:fontRef>
+        </p:style>
+      </p:cxnSp>
+      <p:sp>
+        <p:nvSpPr>
+          <p:cNvPr id="2" name="TextBox 1"/>
+          <p:cNvSpPr txBox="1"/>
+          <p:nvPr/>
+        </p:nvSpPr>
+        <p:spPr>
+          <a:xfrm>
+            <a:off x="196863" y="195002"/>
+            <a:ext cx="3148104" cy="510299"/>
+          </a:xfrm>
+          <a:prstGeom prst="rect">
+            <a:avLst/>
+          </a:prstGeom>
+          <a:noFill/>
+        </p:spPr>
+        <p:txBody>
+          <a:bodyPr wrap="none" lIns="124364" tIns="62182" rIns="124364" bIns="62182" rtlCol="0">
+            <a:spAutoFit/>
+          </a:bodyPr>
+          <a:lstStyle/>
+          <a:p>
+            <a:r>
+              <a:rPr lang="en-US" altLang="ko-KR" smtClean="0">
+                <a:latin typeface="LG Smart UI Regular" pitchFamily="50" charset="-127"/>
+                <a:ea typeface="LG Smart UI Regular" pitchFamily="50" charset="-127"/>
+              </a:rPr>
+              <a:t>NTAMS </a:t>
+            </a:r>
+            <a:r>
+              <a:rPr lang="ko-KR" altLang="en-US" u="sng" smtClean="0">
+                <a:latin typeface="LG Smart UI Regular" pitchFamily="50" charset="-127"/>
+                <a:ea typeface="LG Smart UI Regular" pitchFamily="50" charset="-127"/>
+              </a:rPr>
+              <a:t>운영</a:t>
+            </a:r>
+            <a:r>
+              <a:rPr lang="ko-KR" altLang="en-US" smtClean="0">
+                <a:latin typeface="LG Smart UI Regular" pitchFamily="50" charset="-127"/>
+                <a:ea typeface="LG Smart UI Regular" pitchFamily="50" charset="-127"/>
+              </a:rPr>
+              <a:t>빌드</a:t>
+            </a:r>
+            <a:r>
+              <a:rPr lang="en-US" altLang="ko-KR" smtClean="0">
+                <a:latin typeface="LG Smart UI Regular" pitchFamily="50" charset="-127"/>
+                <a:ea typeface="LG Smart UI Regular" pitchFamily="50" charset="-127"/>
+              </a:rPr>
+              <a:t>/</a:t>
+            </a:r>
+            <a:r>
+              <a:rPr lang="ko-KR" altLang="en-US" smtClean="0">
+                <a:latin typeface="LG Smart UI Regular" pitchFamily="50" charset="-127"/>
+                <a:ea typeface="LG Smart UI Regular" pitchFamily="50" charset="-127"/>
+              </a:rPr>
+              <a:t>배포</a:t>
+            </a:r>
+            <a:endParaRPr lang="ko-KR" altLang="en-US">
+              <a:latin typeface="LG Smart UI Regular" pitchFamily="50" charset="-127"/>
+              <a:ea typeface="LG Smart UI Regular" pitchFamily="50" charset="-127"/>
+            </a:endParaRPr>
+          </a:p>
+        </p:txBody>
+      </p:sp>
+      <p:sp>
+        <p:nvSpPr>
+          <p:cNvPr id="3" name="직사각형 2"/>
+          <p:cNvSpPr/>
+          <p:nvPr/>
+        </p:nvSpPr>
+        <p:spPr>
+          <a:xfrm>
+            <a:off x="2586011" y="1343157"/>
+            <a:ext cx="3214710" cy="299917"/>
+          </a:xfrm>
+          <a:prstGeom prst="rect">
+            <a:avLst/>
+          </a:prstGeom>
+          <a:noFill/>
+          <a:ln>
+            <a:solidFill>
+              <a:schemeClr val="tx1">
+                <a:lumMod val="50000"/>
+                <a:lumOff val="50000"/>
+              </a:schemeClr>
+            </a:solidFill>
+          </a:ln>
+        </p:spPr>
+        <p:txBody>
+          <a:bodyPr wrap="square" lIns="68415" tIns="34208" rIns="68415" bIns="34208">
+            <a:spAutoFit/>
+          </a:bodyPr>
+          <a:lstStyle/>
+          <a:p>
+            <a:r>
+              <a:rPr lang="en-US" sz="1500" b="1" smtClean="0">
+                <a:latin typeface="LG Smart UI Regular" pitchFamily="50" charset="-127"/>
+                <a:ea typeface="LG Smart UI Regular" pitchFamily="50" charset="-127"/>
+              </a:rPr>
+              <a:t>Pipeline</a:t>
+            </a:r>
+            <a:r>
+              <a:rPr lang="en-US" sz="1500" smtClean="0">
+                <a:latin typeface="LG Smart UI Regular" pitchFamily="50" charset="-127"/>
+                <a:ea typeface="LG Smart UI Regular" pitchFamily="50" charset="-127"/>
+              </a:rPr>
+              <a:t> </a:t>
+            </a:r>
+            <a:r>
+              <a:rPr lang="en-US" sz="1500" smtClean="0">
+                <a:latin typeface="LG Smart UI Regular" pitchFamily="50" charset="-127"/>
+                <a:ea typeface="LG Smart UI Regular" pitchFamily="50" charset="-127"/>
+              </a:rPr>
+              <a:t>: </a:t>
+            </a:r>
+            <a:r>
+              <a:rPr lang="en-US" sz="1500" smtClean="0">
+                <a:latin typeface="LG Smart UI Regular" pitchFamily="50" charset="-127"/>
+                <a:ea typeface="LG Smart UI Regular" pitchFamily="50" charset="-127"/>
+              </a:rPr>
+              <a:t>BD_TAMS_PROD</a:t>
+            </a:r>
+            <a:endParaRPr lang="en-US" sz="1500">
+              <a:latin typeface="LG Smart UI Regular" pitchFamily="50" charset="-127"/>
+              <a:ea typeface="LG Smart UI Regular" pitchFamily="50" charset="-127"/>
+            </a:endParaRPr>
+          </a:p>
+        </p:txBody>
+      </p:sp>
+      <p:pic>
+        <p:nvPicPr>
+          <p:cNvPr id="4" name="Picture 6" descr="jenkins, 로고 아이콘"/>
+          <p:cNvPicPr>
+            <a:picLocks noChangeAspect="1" noChangeArrowheads="1"/>
+          </p:cNvPicPr>
+          <p:nvPr/>
+        </p:nvPicPr>
+        <p:blipFill>
+          <a:blip r:embed="rId2" cstate="print"/>
+          <a:srcRect/>
+          <a:stretch>
+            <a:fillRect/>
+          </a:stretch>
+        </p:blipFill>
+        <p:spPr bwMode="auto">
+          <a:xfrm>
+            <a:off x="1943069" y="823092"/>
+            <a:ext cx="823092" cy="823092"/>
+          </a:xfrm>
+          <a:prstGeom prst="rect">
+            <a:avLst/>
+          </a:prstGeom>
+          <a:noFill/>
+        </p:spPr>
+      </p:pic>
+      <p:sp>
+        <p:nvSpPr>
+          <p:cNvPr id="5" name="직사각형 4"/>
+          <p:cNvSpPr/>
+          <p:nvPr/>
+        </p:nvSpPr>
+        <p:spPr>
+          <a:xfrm>
+            <a:off x="2943201" y="1857388"/>
+            <a:ext cx="2428892" cy="299917"/>
+          </a:xfrm>
+          <a:prstGeom prst="rect">
+            <a:avLst/>
+          </a:prstGeom>
+          <a:noFill/>
+          <a:ln>
+            <a:solidFill>
+              <a:schemeClr val="tx1">
+                <a:lumMod val="50000"/>
+                <a:lumOff val="50000"/>
+              </a:schemeClr>
+            </a:solidFill>
+          </a:ln>
+        </p:spPr>
+        <p:txBody>
+          <a:bodyPr wrap="square" lIns="68415" tIns="34208" rIns="68415" bIns="34208">
+            <a:spAutoFit/>
+          </a:bodyPr>
+          <a:lstStyle/>
+          <a:p>
+            <a:r>
+              <a:rPr lang="en-US" altLang="ko-KR" sz="1500" smtClean="0">
+                <a:latin typeface="LG Smart UI Regular" pitchFamily="50" charset="-127"/>
+                <a:ea typeface="LG Smart UI Regular" pitchFamily="50" charset="-127"/>
+              </a:rPr>
+              <a:t>[workspace] svn </a:t>
+            </a:r>
+            <a:r>
+              <a:rPr lang="ko-KR" altLang="en-US" sz="1500" smtClean="0">
+                <a:latin typeface="LG Smart UI Regular" pitchFamily="50" charset="-127"/>
+                <a:ea typeface="LG Smart UI Regular" pitchFamily="50" charset="-127"/>
+              </a:rPr>
+              <a:t>체크아웃</a:t>
+            </a:r>
+            <a:endParaRPr lang="en-US" sz="1500">
+              <a:latin typeface="LG Smart UI Regular" pitchFamily="50" charset="-127"/>
+              <a:ea typeface="LG Smart UI Regular" pitchFamily="50" charset="-127"/>
+            </a:endParaRPr>
+          </a:p>
+        </p:txBody>
+      </p:sp>
+      <p:sp>
+        <p:nvSpPr>
+          <p:cNvPr id="6" name="직사각형 5"/>
+          <p:cNvSpPr/>
+          <p:nvPr/>
+        </p:nvSpPr>
+        <p:spPr>
+          <a:xfrm>
+            <a:off x="2943201" y="2286016"/>
+            <a:ext cx="2428892" cy="299917"/>
+          </a:xfrm>
+          <a:prstGeom prst="rect">
+            <a:avLst/>
+          </a:prstGeom>
+          <a:noFill/>
+          <a:ln>
+            <a:solidFill>
+              <a:schemeClr val="tx1">
+                <a:lumMod val="50000"/>
+                <a:lumOff val="50000"/>
+              </a:schemeClr>
+            </a:solidFill>
+          </a:ln>
+        </p:spPr>
+        <p:txBody>
+          <a:bodyPr wrap="square" lIns="68415" tIns="34208" rIns="68415" bIns="34208">
+            <a:spAutoFit/>
+          </a:bodyPr>
+          <a:lstStyle/>
+          <a:p>
+            <a:r>
+              <a:rPr lang="en-US" sz="1500" smtClean="0">
+                <a:latin typeface="LG Smart UI Regular" pitchFamily="50" charset="-127"/>
+                <a:ea typeface="LG Smart UI Regular" pitchFamily="50" charset="-127"/>
+              </a:rPr>
+              <a:t>Maven</a:t>
+            </a:r>
+            <a:r>
+              <a:rPr lang="ko-KR" altLang="en-US" sz="1500" smtClean="0">
+                <a:latin typeface="LG Smart UI Regular" pitchFamily="50" charset="-127"/>
+                <a:ea typeface="LG Smart UI Regular" pitchFamily="50" charset="-127"/>
+              </a:rPr>
+              <a:t> </a:t>
+            </a:r>
+            <a:r>
+              <a:rPr lang="ko-KR" altLang="en-US" sz="1500" b="1" smtClean="0">
+                <a:solidFill>
+                  <a:srgbClr val="FF00FF"/>
+                </a:solidFill>
+                <a:latin typeface="LG Smart UI Regular" pitchFamily="50" charset="-127"/>
+                <a:ea typeface="LG Smart UI Regular" pitchFamily="50" charset="-127"/>
+              </a:rPr>
+              <a:t>빌드</a:t>
+            </a:r>
+            <a:r>
+              <a:rPr lang="ko-KR" altLang="en-US" sz="1500" smtClean="0">
+                <a:latin typeface="LG Smart UI Regular" pitchFamily="50" charset="-127"/>
+                <a:ea typeface="LG Smart UI Regular" pitchFamily="50" charset="-127"/>
+              </a:rPr>
+              <a:t> </a:t>
+            </a:r>
+            <a:r>
+              <a:rPr lang="en-US" altLang="ko-KR" sz="1500" smtClean="0">
+                <a:latin typeface="LG Smart UI Regular" pitchFamily="50" charset="-127"/>
+                <a:ea typeface="LG Smart UI Regular" pitchFamily="50" charset="-127"/>
+              </a:rPr>
+              <a:t>(pom.xml)</a:t>
+            </a:r>
+            <a:endParaRPr lang="en-US" sz="1500">
+              <a:latin typeface="LG Smart UI Regular" pitchFamily="50" charset="-127"/>
+              <a:ea typeface="LG Smart UI Regular" pitchFamily="50" charset="-127"/>
+            </a:endParaRPr>
+          </a:p>
+        </p:txBody>
+      </p:sp>
+      <p:sp>
+        <p:nvSpPr>
+          <p:cNvPr id="7" name="직사각형 6"/>
+          <p:cNvSpPr/>
+          <p:nvPr/>
+        </p:nvSpPr>
+        <p:spPr>
+          <a:xfrm>
+            <a:off x="3014639" y="2571768"/>
+            <a:ext cx="4429156" cy="253750"/>
+          </a:xfrm>
+          <a:prstGeom prst="rect">
+            <a:avLst/>
+          </a:prstGeom>
+          <a:noFill/>
+        </p:spPr>
+        <p:txBody>
+          <a:bodyPr wrap="square" lIns="68415" tIns="34208" rIns="68415" bIns="34208">
+            <a:spAutoFit/>
+          </a:bodyPr>
+          <a:lstStyle/>
+          <a:p>
+            <a:r>
+              <a:rPr lang="en-US" sz="1200" smtClean="0">
+                <a:latin typeface="HY궁서B" pitchFamily="18" charset="-127"/>
+                <a:ea typeface="HY궁서B" pitchFamily="18" charset="-127"/>
+              </a:rPr>
+              <a:t> └ </a:t>
+            </a:r>
+            <a:r>
+              <a:rPr lang="en-US" sz="1200" smtClean="0"/>
+              <a:t>mvn -</a:t>
+            </a:r>
+            <a:r>
+              <a:rPr lang="en-US" sz="1200" smtClean="0"/>
+              <a:t>f </a:t>
+            </a:r>
+            <a:r>
+              <a:rPr lang="en-US" sz="1200" smtClean="0"/>
+              <a:t>GAAI/pom_prod.xml </a:t>
+            </a:r>
+            <a:r>
+              <a:rPr lang="en-US" sz="1200" smtClean="0"/>
+              <a:t>clean package</a:t>
+            </a:r>
+            <a:endParaRPr lang="en-US" sz="1200"/>
+          </a:p>
+        </p:txBody>
+      </p:sp>
+      <p:sp>
+        <p:nvSpPr>
+          <p:cNvPr id="9" name="직사각형 8"/>
+          <p:cNvSpPr/>
+          <p:nvPr/>
+        </p:nvSpPr>
+        <p:spPr>
+          <a:xfrm>
+            <a:off x="2943201" y="3286148"/>
+            <a:ext cx="2428892" cy="299917"/>
+          </a:xfrm>
+          <a:prstGeom prst="rect">
+            <a:avLst/>
+          </a:prstGeom>
+          <a:noFill/>
+          <a:ln>
+            <a:solidFill>
+              <a:schemeClr val="tx1">
+                <a:lumMod val="50000"/>
+                <a:lumOff val="50000"/>
+              </a:schemeClr>
+            </a:solidFill>
+          </a:ln>
+        </p:spPr>
+        <p:txBody>
+          <a:bodyPr wrap="square" lIns="68415" tIns="34208" rIns="68415" bIns="34208">
+            <a:spAutoFit/>
+          </a:bodyPr>
+          <a:lstStyle/>
+          <a:p>
+            <a:r>
+              <a:rPr lang="en-US" sz="1500" smtClean="0">
+                <a:latin typeface="LG Smart UI Regular" pitchFamily="50" charset="-127"/>
+                <a:ea typeface="LG Smart UI Regular" pitchFamily="50" charset="-127"/>
+              </a:rPr>
+              <a:t>Ant </a:t>
+            </a:r>
+            <a:r>
+              <a:rPr lang="ko-KR" altLang="en-US" sz="1500" b="1" smtClean="0">
+                <a:solidFill>
+                  <a:srgbClr val="3C10F6"/>
+                </a:solidFill>
+                <a:latin typeface="LG Smart UI Regular" pitchFamily="50" charset="-127"/>
+                <a:ea typeface="LG Smart UI Regular" pitchFamily="50" charset="-127"/>
+              </a:rPr>
+              <a:t>빌드</a:t>
+            </a:r>
+            <a:r>
+              <a:rPr lang="en-US" sz="1500" smtClean="0">
+                <a:latin typeface="LG Smart UI Regular" pitchFamily="50" charset="-127"/>
+                <a:ea typeface="LG Smart UI Regular" pitchFamily="50" charset="-127"/>
+              </a:rPr>
+              <a:t> (build.xml</a:t>
+            </a:r>
+            <a:r>
+              <a:rPr lang="en-US" altLang="ko-KR" sz="1500" smtClean="0">
+                <a:latin typeface="LG Smart UI Regular" pitchFamily="50" charset="-127"/>
+                <a:ea typeface="LG Smart UI Regular" pitchFamily="50" charset="-127"/>
+              </a:rPr>
+              <a:t>)-</a:t>
+            </a:r>
+            <a:r>
+              <a:rPr lang="ko-KR" altLang="en-US" sz="1500" smtClean="0">
+                <a:latin typeface="LG Smart UI Regular" pitchFamily="50" charset="-127"/>
+                <a:ea typeface="LG Smart UI Regular" pitchFamily="50" charset="-127"/>
+              </a:rPr>
+              <a:t>소스배포</a:t>
+            </a:r>
+            <a:endParaRPr lang="en-US" sz="1500">
+              <a:latin typeface="LG Smart UI Regular" pitchFamily="50" charset="-127"/>
+              <a:ea typeface="LG Smart UI Regular" pitchFamily="50" charset="-127"/>
+            </a:endParaRPr>
+          </a:p>
+        </p:txBody>
+      </p:sp>
+      <p:sp>
+        <p:nvSpPr>
+          <p:cNvPr id="10" name="직사각형 9"/>
+          <p:cNvSpPr/>
+          <p:nvPr/>
+        </p:nvSpPr>
+        <p:spPr>
+          <a:xfrm>
+            <a:off x="3014639" y="3571900"/>
+            <a:ext cx="4857784" cy="253750"/>
+          </a:xfrm>
+          <a:prstGeom prst="rect">
+            <a:avLst/>
+          </a:prstGeom>
+          <a:noFill/>
+        </p:spPr>
+        <p:txBody>
+          <a:bodyPr wrap="square" lIns="68415" tIns="34208" rIns="68415" bIns="34208">
+            <a:spAutoFit/>
+          </a:bodyPr>
+          <a:lstStyle/>
+          <a:p>
+            <a:r>
+              <a:rPr lang="en-US" sz="1200" smtClean="0">
+                <a:latin typeface="HY궁서B" pitchFamily="18" charset="-127"/>
+                <a:ea typeface="HY궁서B" pitchFamily="18" charset="-127"/>
+              </a:rPr>
+              <a:t> └ </a:t>
+            </a:r>
+            <a:r>
+              <a:rPr lang="en-US" sz="1200" smtClean="0"/>
+              <a:t>ant -buildfile </a:t>
+            </a:r>
+            <a:r>
+              <a:rPr lang="en-US" sz="1200" smtClean="0"/>
+              <a:t>GAAI/build_prod.xml </a:t>
+            </a:r>
+            <a:r>
+              <a:rPr lang="en-US" sz="1200" smtClean="0"/>
+              <a:t>deploy</a:t>
+            </a:r>
+            <a:endParaRPr lang="en-US" sz="1200"/>
+          </a:p>
+        </p:txBody>
+      </p:sp>
+      <p:sp>
+        <p:nvSpPr>
+          <p:cNvPr id="11" name="모서리가 둥근 직사각형 10"/>
+          <p:cNvSpPr/>
+          <p:nvPr/>
+        </p:nvSpPr>
+        <p:spPr>
+          <a:xfrm>
+            <a:off x="1943069" y="1823224"/>
+            <a:ext cx="1000132" cy="357190"/>
+          </a:xfrm>
+          <a:prstGeom prst="roundRect">
+            <a:avLst/>
+          </a:prstGeom>
+        </p:spPr>
+        <p:style>
+          <a:lnRef idx="2">
+            <a:schemeClr val="accent1">
+              <a:shade val="50000"/>
+            </a:schemeClr>
+          </a:lnRef>
+          <a:fillRef idx="1">
+            <a:schemeClr val="accent1"/>
+          </a:fillRef>
+          <a:effectRef idx="0">
+            <a:schemeClr val="accent1"/>
+          </a:effectRef>
+          <a:fontRef idx="minor">
+            <a:schemeClr val="lt1"/>
+          </a:fontRef>
+        </p:style>
+        <p:txBody>
+          <a:bodyPr rtlCol="0" anchor="ctr"/>
+          <a:lstStyle/>
+          <a:p>
+            <a:pPr algn="ctr"/>
+            <a:r>
+              <a:rPr lang="en-US" altLang="ko-KR" sz="1700" smtClean="0"/>
+              <a:t>stage1</a:t>
+            </a:r>
+            <a:endParaRPr lang="ko-KR" altLang="en-US" sz="1700"/>
+          </a:p>
+        </p:txBody>
+      </p:sp>
+      <p:sp>
+        <p:nvSpPr>
+          <p:cNvPr id="12" name="모서리가 둥근 직사각형 11"/>
+          <p:cNvSpPr/>
+          <p:nvPr/>
+        </p:nvSpPr>
+        <p:spPr>
+          <a:xfrm>
+            <a:off x="1943069" y="2251852"/>
+            <a:ext cx="1000132" cy="357190"/>
+          </a:xfrm>
+          <a:prstGeom prst="roundRect">
+            <a:avLst/>
+          </a:prstGeom>
+        </p:spPr>
+        <p:style>
+          <a:lnRef idx="2">
+            <a:schemeClr val="accent1">
+              <a:shade val="50000"/>
+            </a:schemeClr>
+          </a:lnRef>
+          <a:fillRef idx="1">
+            <a:schemeClr val="accent1"/>
+          </a:fillRef>
+          <a:effectRef idx="0">
+            <a:schemeClr val="accent1"/>
+          </a:effectRef>
+          <a:fontRef idx="minor">
+            <a:schemeClr val="lt1"/>
+          </a:fontRef>
+        </p:style>
+        <p:txBody>
+          <a:bodyPr rtlCol="0" anchor="ctr"/>
+          <a:lstStyle/>
+          <a:p>
+            <a:pPr algn="ctr"/>
+            <a:r>
+              <a:rPr lang="en-US" altLang="ko-KR" sz="1700" smtClean="0"/>
+              <a:t>stage2</a:t>
+            </a:r>
+            <a:endParaRPr lang="ko-KR" altLang="en-US" sz="1700"/>
+          </a:p>
+        </p:txBody>
+      </p:sp>
+      <p:sp>
+        <p:nvSpPr>
+          <p:cNvPr id="13" name="모서리가 둥근 직사각형 12"/>
+          <p:cNvSpPr/>
+          <p:nvPr/>
+        </p:nvSpPr>
+        <p:spPr>
+          <a:xfrm>
+            <a:off x="1943069" y="3251984"/>
+            <a:ext cx="1000132" cy="357190"/>
+          </a:xfrm>
+          <a:prstGeom prst="roundRect">
+            <a:avLst/>
+          </a:prstGeom>
+        </p:spPr>
+        <p:style>
+          <a:lnRef idx="2">
+            <a:schemeClr val="accent1">
+              <a:shade val="50000"/>
+            </a:schemeClr>
+          </a:lnRef>
+          <a:fillRef idx="1">
+            <a:schemeClr val="accent1"/>
+          </a:fillRef>
+          <a:effectRef idx="0">
+            <a:schemeClr val="accent1"/>
+          </a:effectRef>
+          <a:fontRef idx="minor">
+            <a:schemeClr val="lt1"/>
+          </a:fontRef>
+        </p:style>
+        <p:txBody>
+          <a:bodyPr rtlCol="0" anchor="ctr"/>
+          <a:lstStyle/>
+          <a:p>
+            <a:pPr algn="ctr"/>
+            <a:r>
+              <a:rPr lang="en-US" altLang="ko-KR" sz="1700" smtClean="0"/>
+              <a:t>stage3</a:t>
+            </a:r>
+            <a:endParaRPr lang="ko-KR" altLang="en-US" sz="1700"/>
+          </a:p>
+        </p:txBody>
+      </p:sp>
+      <p:sp>
+        <p:nvSpPr>
+          <p:cNvPr id="14" name="직사각형 13"/>
+          <p:cNvSpPr/>
+          <p:nvPr/>
+        </p:nvSpPr>
+        <p:spPr>
+          <a:xfrm>
+            <a:off x="3371829" y="3894926"/>
+            <a:ext cx="2071702" cy="299917"/>
+          </a:xfrm>
+          <a:prstGeom prst="rect">
+            <a:avLst/>
+          </a:prstGeom>
+          <a:solidFill>
+            <a:schemeClr val="bg1"/>
+          </a:solidFill>
+          <a:ln>
+            <a:noFill/>
+          </a:ln>
+          <a:effectLst>
+            <a:outerShdw blurRad="50800" dist="38100" dir="2700000" algn="tl" rotWithShape="0">
+              <a:prstClr val="black">
+                <a:alpha val="40000"/>
+              </a:prstClr>
+            </a:outerShdw>
+          </a:effectLst>
+        </p:spPr>
+        <p:txBody>
+          <a:bodyPr wrap="square" lIns="68415" tIns="34208" rIns="68415" bIns="34208">
+            <a:spAutoFit/>
+          </a:bodyPr>
+          <a:lstStyle/>
+          <a:p>
+            <a:r>
+              <a:rPr lang="en-US" altLang="ko-KR" sz="1500" smtClean="0">
+                <a:solidFill>
+                  <a:srgbClr val="3C10F6"/>
+                </a:solidFill>
+                <a:latin typeface="LG Smart UI Regular" pitchFamily="50" charset="-127"/>
+                <a:ea typeface="LG Smart UI Regular" pitchFamily="50" charset="-127"/>
+              </a:rPr>
+              <a:t>WEB, WAS</a:t>
+            </a:r>
+            <a:r>
+              <a:rPr lang="ko-KR" altLang="en-US" sz="1500" smtClean="0">
+                <a:solidFill>
+                  <a:srgbClr val="3C10F6"/>
+                </a:solidFill>
+                <a:latin typeface="LG Smart UI Regular" pitchFamily="50" charset="-127"/>
+                <a:ea typeface="LG Smart UI Regular" pitchFamily="50" charset="-127"/>
+              </a:rPr>
+              <a:t>에 배포 </a:t>
+            </a:r>
+            <a:r>
+              <a:rPr lang="en-US" altLang="ko-KR" sz="1500" smtClean="0">
+                <a:solidFill>
+                  <a:srgbClr val="3C10F6"/>
+                </a:solidFill>
+                <a:latin typeface="LG Smart UI Regular" pitchFamily="50" charset="-127"/>
+                <a:ea typeface="LG Smart UI Regular" pitchFamily="50" charset="-127"/>
+              </a:rPr>
+              <a:t>(scp)</a:t>
+            </a:r>
+            <a:endParaRPr lang="en-US" sz="1500">
+              <a:solidFill>
+                <a:srgbClr val="3C10F6"/>
+              </a:solidFill>
+              <a:latin typeface="LG Smart UI Regular" pitchFamily="50" charset="-127"/>
+              <a:ea typeface="LG Smart UI Regular" pitchFamily="50" charset="-127"/>
+            </a:endParaRPr>
+          </a:p>
+        </p:txBody>
+      </p:sp>
+      <p:pic>
+        <p:nvPicPr>
+          <p:cNvPr id="23" name="Picture 109" descr="Picture30"/>
+          <p:cNvPicPr>
+            <a:picLocks noChangeAspect="1" noChangeArrowheads="1"/>
+          </p:cNvPicPr>
+          <p:nvPr/>
+        </p:nvPicPr>
+        <p:blipFill>
+          <a:blip r:embed="rId3">
+            <a:extLst>
+              <a:ext uri="{28A0092B-C50C-407E-A947-70E740481C1C}">
+                <a14:useLocalDpi xmlns:a14="http://schemas.microsoft.com/office/drawing/2010/main" xmlns="" val="0"/>
+              </a:ext>
+            </a:extLst>
+          </a:blip>
+          <a:srcRect/>
+          <a:stretch>
+            <a:fillRect/>
+          </a:stretch>
+        </p:blipFill>
+        <p:spPr bwMode="auto">
+          <a:xfrm>
+            <a:off x="85684" y="1429973"/>
+            <a:ext cx="613435" cy="500066"/>
+          </a:xfrm>
+          <a:prstGeom prst="rect">
+            <a:avLst/>
+          </a:prstGeom>
+          <a:noFill/>
+          <a:extLst>
+            <a:ext uri="{909E8E84-426E-40DD-AFC4-6F175D3DCCD1}">
+              <a14:hiddenFill xmlns:a14="http://schemas.microsoft.com/office/drawing/2010/main" xmlns="">
+                <a:solidFill>
+                  <a:srgbClr val="FFFFFF"/>
+                </a:solidFill>
+              </a14:hiddenFill>
+            </a:ext>
+          </a:extLst>
+        </p:spPr>
+      </p:pic>
+      <p:pic>
+        <p:nvPicPr>
+          <p:cNvPr id="24" name="Picture 32" descr="Download Nexus Repository OSS | Sonatype"/>
+          <p:cNvPicPr>
+            <a:picLocks noChangeAspect="1" noChangeArrowheads="1"/>
+          </p:cNvPicPr>
+          <p:nvPr/>
+        </p:nvPicPr>
+        <p:blipFill>
+          <a:blip r:embed="rId4" cstate="print"/>
+          <a:srcRect/>
+          <a:stretch>
+            <a:fillRect/>
+          </a:stretch>
+        </p:blipFill>
+        <p:spPr bwMode="auto">
+          <a:xfrm>
+            <a:off x="157119" y="1180282"/>
+            <a:ext cx="428631" cy="397262"/>
+          </a:xfrm>
+          <a:prstGeom prst="rect">
+            <a:avLst/>
+          </a:prstGeom>
+          <a:noFill/>
+        </p:spPr>
+      </p:pic>
+      <p:sp>
+        <p:nvSpPr>
+          <p:cNvPr id="25" name="직사각형 24"/>
+          <p:cNvSpPr/>
+          <p:nvPr/>
+        </p:nvSpPr>
+        <p:spPr>
+          <a:xfrm>
+            <a:off x="14246" y="1572849"/>
+            <a:ext cx="714380" cy="299917"/>
+          </a:xfrm>
+          <a:prstGeom prst="rect">
+            <a:avLst/>
+          </a:prstGeom>
+          <a:noFill/>
+        </p:spPr>
+        <p:txBody>
+          <a:bodyPr wrap="square" lIns="68415" tIns="34208" rIns="68415" bIns="34208">
+            <a:spAutoFit/>
+          </a:bodyPr>
+          <a:lstStyle/>
+          <a:p>
+            <a:pPr algn="ctr"/>
+            <a:r>
+              <a:rPr lang="en-US" sz="1500" smtClean="0">
+                <a:latin typeface="LG Smart UI Regular" pitchFamily="50" charset="-127"/>
+                <a:ea typeface="LG Smart UI Regular" pitchFamily="50" charset="-127"/>
+              </a:rPr>
+              <a:t>nexus</a:t>
+            </a:r>
+            <a:endParaRPr lang="en-US" sz="1500">
+              <a:latin typeface="LG Smart UI Regular" pitchFamily="50" charset="-127"/>
+              <a:ea typeface="LG Smart UI Regular" pitchFamily="50" charset="-127"/>
+            </a:endParaRPr>
+          </a:p>
+        </p:txBody>
+      </p:sp>
+      <p:sp>
+        <p:nvSpPr>
+          <p:cNvPr id="26" name="직사각형 25"/>
+          <p:cNvSpPr/>
+          <p:nvPr/>
+        </p:nvSpPr>
+        <p:spPr>
+          <a:xfrm>
+            <a:off x="728623" y="3752050"/>
+            <a:ext cx="1571636" cy="530749"/>
+          </a:xfrm>
+          <a:prstGeom prst="rect">
+            <a:avLst/>
+          </a:prstGeom>
+          <a:solidFill>
+            <a:schemeClr val="bg1">
+              <a:lumMod val="85000"/>
+            </a:schemeClr>
+          </a:solidFill>
+          <a:effectLst>
+            <a:outerShdw blurRad="50800" dist="38100" dir="2700000" algn="tl" rotWithShape="0">
+              <a:prstClr val="black">
+                <a:alpha val="40000"/>
+              </a:prstClr>
+            </a:outerShdw>
+          </a:effectLst>
+        </p:spPr>
+        <p:txBody>
+          <a:bodyPr wrap="square" lIns="68415" tIns="34208" rIns="68415" bIns="34208">
+            <a:spAutoFit/>
+          </a:bodyPr>
+          <a:lstStyle/>
+          <a:p>
+            <a:pPr algn="ctr"/>
+            <a:r>
+              <a:rPr lang="en-US" sz="1500" smtClean="0">
+                <a:latin typeface="LG Smart UI Regular" pitchFamily="50" charset="-127"/>
+                <a:ea typeface="LG Smart UI Regular" pitchFamily="50" charset="-127"/>
+              </a:rPr>
+              <a:t>[</a:t>
+            </a:r>
+            <a:r>
+              <a:rPr lang="ko-KR" altLang="en-US" sz="1500" smtClean="0">
+                <a:latin typeface="LG Smart UI Regular" pitchFamily="50" charset="-127"/>
+                <a:ea typeface="LG Smart UI Regular" pitchFamily="50" charset="-127"/>
+              </a:rPr>
+              <a:t>로컬</a:t>
+            </a:r>
+            <a:r>
+              <a:rPr lang="en-US" altLang="ko-KR" sz="1500" smtClean="0">
+                <a:latin typeface="LG Smart UI Regular" pitchFamily="50" charset="-127"/>
+                <a:ea typeface="LG Smart UI Regular" pitchFamily="50" charset="-127"/>
+              </a:rPr>
+              <a:t>repository]</a:t>
+            </a:r>
+            <a:endParaRPr lang="en-US" sz="1500" smtClean="0">
+              <a:latin typeface="LG Smart UI Regular" pitchFamily="50" charset="-127"/>
+              <a:ea typeface="LG Smart UI Regular" pitchFamily="50" charset="-127"/>
+            </a:endParaRPr>
+          </a:p>
+          <a:p>
+            <a:pPr algn="ctr"/>
+            <a:r>
+              <a:rPr lang="en-US" sz="1500" smtClean="0">
+                <a:latin typeface="LG Smart UI Regular" pitchFamily="50" charset="-127"/>
+                <a:ea typeface="LG Smart UI Regular" pitchFamily="50" charset="-127"/>
+              </a:rPr>
+              <a:t>.m2/repository</a:t>
+            </a:r>
+            <a:endParaRPr lang="en-US" sz="1500">
+              <a:latin typeface="LG Smart UI Regular" pitchFamily="50" charset="-127"/>
+              <a:ea typeface="LG Smart UI Regular" pitchFamily="50" charset="-127"/>
+            </a:endParaRPr>
+          </a:p>
+        </p:txBody>
+      </p:sp>
+      <p:cxnSp>
+        <p:nvCxnSpPr>
+          <p:cNvPr id="27" name="Shape 26"/>
+          <p:cNvCxnSpPr>
+            <a:stCxn id="23" idx="2"/>
+            <a:endCxn id="26" idx="1"/>
+          </p:cNvCxnSpPr>
+          <p:nvPr/>
+        </p:nvCxnSpPr>
+        <p:spPr>
+          <a:xfrm rot="16200000" flipH="1">
+            <a:off x="-483181" y="2805621"/>
+            <a:ext cx="2087386" cy="336221"/>
+          </a:xfrm>
+          <a:prstGeom prst="bentConnector2">
+            <a:avLst/>
+          </a:prstGeom>
+          <a:ln>
+            <a:prstDash val="lgDash"/>
+            <a:headEnd type="arrow"/>
+            <a:tailEnd type="arrow"/>
+          </a:ln>
+        </p:spPr>
+        <p:style>
+          <a:lnRef idx="1">
+            <a:schemeClr val="accent1"/>
+          </a:lnRef>
+          <a:fillRef idx="0">
+            <a:schemeClr val="accent1"/>
+          </a:fillRef>
+          <a:effectRef idx="0">
+            <a:schemeClr val="accent1"/>
+          </a:effectRef>
+          <a:fontRef idx="minor">
+            <a:schemeClr val="tx1"/>
+          </a:fontRef>
+        </p:style>
+      </p:cxnSp>
+      <p:sp>
+        <p:nvSpPr>
+          <p:cNvPr id="28" name="직사각형 27"/>
+          <p:cNvSpPr/>
+          <p:nvPr/>
+        </p:nvSpPr>
+        <p:spPr>
+          <a:xfrm>
+            <a:off x="14243" y="2894794"/>
+            <a:ext cx="907621" cy="292388"/>
+          </a:xfrm>
+          <a:prstGeom prst="rect">
+            <a:avLst/>
+          </a:prstGeom>
+          <a:solidFill>
+            <a:schemeClr val="bg1"/>
+          </a:solidFill>
+        </p:spPr>
+        <p:txBody>
+          <a:bodyPr wrap="none">
+            <a:spAutoFit/>
+          </a:bodyPr>
+          <a:lstStyle/>
+          <a:p>
+            <a:pPr algn="ctr"/>
+            <a:r>
+              <a:rPr lang="ko-KR" altLang="en-US" sz="1300" smtClean="0">
+                <a:latin typeface="HY궁서B" pitchFamily="18" charset="-127"/>
+                <a:ea typeface="HY궁서B" pitchFamily="18" charset="-127"/>
+              </a:rPr>
+              <a:t>접속안됨</a:t>
+            </a:r>
+            <a:r>
+              <a:rPr lang="en-US" altLang="ko-KR" sz="1300" smtClean="0">
+                <a:latin typeface="HY궁서B" pitchFamily="18" charset="-127"/>
+                <a:ea typeface="HY궁서B" pitchFamily="18" charset="-127"/>
+              </a:rPr>
+              <a:t>.</a:t>
+            </a:r>
+          </a:p>
+        </p:txBody>
+      </p:sp>
+      <p:sp>
+        <p:nvSpPr>
+          <p:cNvPr id="29" name="직사각형 28"/>
+          <p:cNvSpPr/>
+          <p:nvPr/>
+        </p:nvSpPr>
+        <p:spPr>
+          <a:xfrm>
+            <a:off x="157119" y="2251852"/>
+            <a:ext cx="439544" cy="523220"/>
+          </a:xfrm>
+          <a:prstGeom prst="rect">
+            <a:avLst/>
+          </a:prstGeom>
+          <a:solidFill>
+            <a:schemeClr val="bg1"/>
+          </a:solidFill>
+        </p:spPr>
+        <p:txBody>
+          <a:bodyPr wrap="none">
+            <a:spAutoFit/>
+          </a:bodyPr>
+          <a:lstStyle/>
+          <a:p>
+            <a:r>
+              <a:rPr lang="en-US" altLang="ko-KR" sz="2800" smtClean="0">
+                <a:solidFill>
+                  <a:srgbClr val="FF0000"/>
+                </a:solidFill>
+                <a:latin typeface="HY궁서B" pitchFamily="18" charset="-127"/>
+                <a:ea typeface="HY궁서B" pitchFamily="18" charset="-127"/>
+              </a:rPr>
+              <a:t>X</a:t>
+            </a:r>
+            <a:endParaRPr lang="ko-KR" altLang="en-US">
+              <a:solidFill>
+                <a:srgbClr val="FF0000"/>
+              </a:solidFill>
+            </a:endParaRPr>
+          </a:p>
+        </p:txBody>
+      </p:sp>
+      <p:cxnSp>
+        <p:nvCxnSpPr>
+          <p:cNvPr id="30" name="Shape 29"/>
+          <p:cNvCxnSpPr>
+            <a:stCxn id="12" idx="1"/>
+            <a:endCxn id="26" idx="0"/>
+          </p:cNvCxnSpPr>
+          <p:nvPr/>
+        </p:nvCxnSpPr>
+        <p:spPr>
+          <a:xfrm rot="10800000" flipV="1">
+            <a:off x="1514441" y="2430446"/>
+            <a:ext cx="428628" cy="1321603"/>
+          </a:xfrm>
+          <a:prstGeom prst="bentConnector2">
+            <a:avLst/>
+          </a:prstGeom>
+          <a:ln>
+            <a:solidFill>
+              <a:srgbClr val="3C10F6"/>
+            </a:solidFill>
+            <a:prstDash val="solid"/>
+            <a:headEnd type="arrow"/>
+            <a:tailEnd type="none"/>
+          </a:ln>
+        </p:spPr>
+        <p:style>
+          <a:lnRef idx="1">
+            <a:schemeClr val="accent1"/>
+          </a:lnRef>
+          <a:fillRef idx="0">
+            <a:schemeClr val="accent1"/>
+          </a:fillRef>
+          <a:effectRef idx="0">
+            <a:schemeClr val="accent1"/>
+          </a:effectRef>
+          <a:fontRef idx="minor">
+            <a:schemeClr val="tx1"/>
+          </a:fontRef>
+        </p:style>
+      </p:cxnSp>
+      <p:sp>
+        <p:nvSpPr>
+          <p:cNvPr id="31" name="직사각형 30"/>
+          <p:cNvSpPr/>
+          <p:nvPr/>
+        </p:nvSpPr>
+        <p:spPr>
+          <a:xfrm>
+            <a:off x="1014375" y="2680480"/>
+            <a:ext cx="1643074" cy="430887"/>
+          </a:xfrm>
+          <a:prstGeom prst="rect">
+            <a:avLst/>
+          </a:prstGeom>
+          <a:solidFill>
+            <a:schemeClr val="bg1">
+              <a:lumMod val="95000"/>
+            </a:schemeClr>
+          </a:solidFill>
+        </p:spPr>
+        <p:txBody>
+          <a:bodyPr wrap="square">
+            <a:spAutoFit/>
+          </a:bodyPr>
+          <a:lstStyle/>
+          <a:p>
+            <a:pPr>
+              <a:buFont typeface="Arial" pitchFamily="34" charset="0"/>
+              <a:buChar char="•"/>
+            </a:pPr>
+            <a:r>
+              <a:rPr lang="ko-KR" altLang="en-US" sz="1100" smtClean="0">
+                <a:latin typeface="HY궁서B" pitchFamily="18" charset="-127"/>
+                <a:ea typeface="HY궁서B" pitchFamily="18" charset="-127"/>
+              </a:rPr>
+              <a:t> 다운로드</a:t>
+            </a:r>
+            <a:endParaRPr lang="en-US" altLang="ko-KR" sz="1100" smtClean="0">
+              <a:latin typeface="HY궁서B" pitchFamily="18" charset="-127"/>
+              <a:ea typeface="HY궁서B" pitchFamily="18" charset="-127"/>
+            </a:endParaRPr>
+          </a:p>
+          <a:p>
+            <a:r>
+              <a:rPr lang="ko-KR" altLang="en-US" sz="1100" smtClean="0">
+                <a:latin typeface="HY궁서B" pitchFamily="18" charset="-127"/>
+                <a:ea typeface="HY궁서B" pitchFamily="18" charset="-127"/>
+              </a:rPr>
+              <a:t> </a:t>
+            </a:r>
+            <a:r>
+              <a:rPr lang="en-US" altLang="ko-KR" sz="1100" smtClean="0">
+                <a:latin typeface="HY궁서B" pitchFamily="18" charset="-127"/>
+                <a:ea typeface="HY궁서B" pitchFamily="18" charset="-127"/>
+              </a:rPr>
+              <a:t>: </a:t>
+            </a:r>
+            <a:r>
+              <a:rPr lang="ko-KR" altLang="en-US" sz="1100" smtClean="0">
+                <a:latin typeface="HY궁서B" pitchFamily="18" charset="-127"/>
+                <a:ea typeface="HY궁서B" pitchFamily="18" charset="-127"/>
+              </a:rPr>
+              <a:t> </a:t>
+            </a:r>
+            <a:r>
+              <a:rPr lang="en-US" altLang="ko-KR" sz="1100" smtClean="0">
+                <a:latin typeface="HY궁서B" pitchFamily="18" charset="-127"/>
+                <a:ea typeface="HY궁서B" pitchFamily="18" charset="-127"/>
+              </a:rPr>
+              <a:t>lib, plugin</a:t>
+            </a:r>
+            <a:r>
+              <a:rPr lang="ko-KR" altLang="en-US" sz="1100" smtClean="0">
+                <a:latin typeface="HY궁서B" pitchFamily="18" charset="-127"/>
+                <a:ea typeface="HY궁서B" pitchFamily="18" charset="-127"/>
+              </a:rPr>
+              <a:t>파일</a:t>
+            </a:r>
+            <a:endParaRPr lang="en-US" altLang="ko-KR" sz="1100" smtClean="0">
+              <a:latin typeface="HY궁서B" pitchFamily="18" charset="-127"/>
+              <a:ea typeface="HY궁서B" pitchFamily="18" charset="-127"/>
+            </a:endParaRPr>
+          </a:p>
+        </p:txBody>
+      </p:sp>
+      <p:cxnSp>
+        <p:nvCxnSpPr>
+          <p:cNvPr id="35" name="Shape 34"/>
+          <p:cNvCxnSpPr>
+            <a:stCxn id="6" idx="3"/>
+            <a:endCxn id="33" idx="0"/>
+          </p:cNvCxnSpPr>
+          <p:nvPr/>
+        </p:nvCxnSpPr>
+        <p:spPr>
+          <a:xfrm>
+            <a:off x="5372093" y="2435975"/>
+            <a:ext cx="2464611" cy="1387608"/>
+          </a:xfrm>
+          <a:prstGeom prst="bentConnector2">
+            <a:avLst/>
+          </a:prstGeom>
+          <a:ln>
+            <a:solidFill>
+              <a:srgbClr val="3C10F6"/>
+            </a:solidFill>
+            <a:tailEnd type="arrow"/>
+          </a:ln>
+        </p:spPr>
+        <p:style>
+          <a:lnRef idx="1">
+            <a:schemeClr val="accent1"/>
+          </a:lnRef>
+          <a:fillRef idx="0">
+            <a:schemeClr val="accent1"/>
+          </a:fillRef>
+          <a:effectRef idx="0">
+            <a:schemeClr val="accent1"/>
+          </a:effectRef>
+          <a:fontRef idx="minor">
+            <a:schemeClr val="tx1"/>
+          </a:fontRef>
+        </p:style>
+      </p:cxnSp>
+      <p:sp>
+        <p:nvSpPr>
+          <p:cNvPr id="36" name="직사각형 35"/>
+          <p:cNvSpPr/>
+          <p:nvPr/>
+        </p:nvSpPr>
+        <p:spPr>
+          <a:xfrm>
+            <a:off x="6015035" y="2108976"/>
+            <a:ext cx="1714512" cy="430887"/>
+          </a:xfrm>
+          <a:prstGeom prst="rect">
+            <a:avLst/>
+          </a:prstGeom>
+          <a:solidFill>
+            <a:schemeClr val="bg1">
+              <a:lumMod val="95000"/>
+            </a:schemeClr>
+          </a:solidFill>
+        </p:spPr>
+        <p:txBody>
+          <a:bodyPr wrap="square">
+            <a:spAutoFit/>
+          </a:bodyPr>
+          <a:lstStyle/>
+          <a:p>
+            <a:r>
+              <a:rPr lang="en-US" altLang="ko-KR" sz="1100" smtClean="0">
+                <a:latin typeface="HY궁서B" pitchFamily="18" charset="-127"/>
+                <a:ea typeface="HY궁서B" pitchFamily="18" charset="-127"/>
+              </a:rPr>
+              <a:t>[worspace]/target </a:t>
+            </a:r>
+            <a:r>
+              <a:rPr lang="ko-KR" altLang="en-US" sz="1100" smtClean="0">
+                <a:latin typeface="HY궁서B" pitchFamily="18" charset="-127"/>
+                <a:ea typeface="HY궁서B" pitchFamily="18" charset="-127"/>
+              </a:rPr>
+              <a:t>파일동기화</a:t>
+            </a:r>
+            <a:endParaRPr lang="en-US" altLang="ko-KR" sz="1100" smtClean="0">
+              <a:latin typeface="HY궁서B" pitchFamily="18" charset="-127"/>
+              <a:ea typeface="HY궁서B" pitchFamily="18" charset="-127"/>
+            </a:endParaRPr>
+          </a:p>
+        </p:txBody>
+      </p:sp>
+      <p:sp>
+        <p:nvSpPr>
+          <p:cNvPr id="41" name="직사각형 40"/>
+          <p:cNvSpPr/>
+          <p:nvPr/>
+        </p:nvSpPr>
+        <p:spPr>
+          <a:xfrm>
+            <a:off x="3371829" y="2843355"/>
+            <a:ext cx="4357718" cy="299917"/>
+          </a:xfrm>
+          <a:prstGeom prst="rect">
+            <a:avLst/>
+          </a:prstGeom>
+          <a:solidFill>
+            <a:schemeClr val="bg1"/>
+          </a:solidFill>
+          <a:ln>
+            <a:noFill/>
+          </a:ln>
+          <a:effectLst>
+            <a:outerShdw blurRad="50800" dist="38100" dir="2700000" algn="tl" rotWithShape="0">
+              <a:prstClr val="black">
+                <a:alpha val="40000"/>
+              </a:prstClr>
+            </a:outerShdw>
+          </a:effectLst>
+        </p:spPr>
+        <p:txBody>
+          <a:bodyPr wrap="square" lIns="68415" tIns="34208" rIns="68415" bIns="34208">
+            <a:spAutoFit/>
+          </a:bodyPr>
+          <a:lstStyle/>
+          <a:p>
+            <a:r>
+              <a:rPr lang="en-US" sz="1500" smtClean="0">
+                <a:solidFill>
+                  <a:srgbClr val="FF00FF"/>
+                </a:solidFill>
+                <a:latin typeface="LG Smart UI Regular" pitchFamily="50" charset="-127"/>
+                <a:ea typeface="LG Smart UI Regular" pitchFamily="50" charset="-127"/>
+              </a:rPr>
+              <a:t>clean &gt; compile &gt; test &gt; war &gt; “ant plugin(</a:t>
+            </a:r>
+            <a:r>
+              <a:rPr lang="ko-KR" altLang="en-US" sz="1500" smtClean="0">
+                <a:solidFill>
+                  <a:srgbClr val="FF00FF"/>
+                </a:solidFill>
+                <a:latin typeface="LG Smart UI Regular" pitchFamily="50" charset="-127"/>
+                <a:ea typeface="LG Smart UI Regular" pitchFamily="50" charset="-127"/>
+              </a:rPr>
+              <a:t>동기화</a:t>
+            </a:r>
+            <a:r>
+              <a:rPr lang="en-US" altLang="ko-KR" sz="1500" smtClean="0">
+                <a:solidFill>
+                  <a:srgbClr val="FF00FF"/>
+                </a:solidFill>
+                <a:latin typeface="LG Smart UI Regular" pitchFamily="50" charset="-127"/>
+                <a:ea typeface="LG Smart UI Regular" pitchFamily="50" charset="-127"/>
+              </a:rPr>
+              <a:t>)”</a:t>
+            </a:r>
+            <a:endParaRPr lang="en-US" sz="1500">
+              <a:solidFill>
+                <a:srgbClr val="FF00FF"/>
+              </a:solidFill>
+              <a:latin typeface="LG Smart UI Regular" pitchFamily="50" charset="-127"/>
+              <a:ea typeface="LG Smart UI Regular" pitchFamily="50" charset="-127"/>
+            </a:endParaRPr>
+          </a:p>
+        </p:txBody>
+      </p:sp>
+      <p:sp>
+        <p:nvSpPr>
+          <p:cNvPr id="53" name="직사각형 52"/>
+          <p:cNvSpPr/>
+          <p:nvPr/>
+        </p:nvSpPr>
+        <p:spPr>
+          <a:xfrm>
+            <a:off x="5443531" y="5150811"/>
+            <a:ext cx="1571636" cy="458627"/>
+          </a:xfrm>
+          <a:prstGeom prst="rect">
+            <a:avLst/>
+          </a:prstGeom>
+          <a:solidFill>
+            <a:srgbClr val="FF99FF"/>
+          </a:solidFill>
+          <a:ln>
+            <a:solidFill>
+              <a:schemeClr val="tx1"/>
+            </a:solidFill>
+          </a:ln>
+        </p:spPr>
+        <p:style>
+          <a:lnRef idx="2">
+            <a:schemeClr val="accent1">
+              <a:shade val="50000"/>
+            </a:schemeClr>
+          </a:lnRef>
+          <a:fillRef idx="1">
+            <a:schemeClr val="accent1"/>
+          </a:fillRef>
+          <a:effectRef idx="0">
+            <a:schemeClr val="accent1"/>
+          </a:effectRef>
+          <a:fontRef idx="minor">
+            <a:schemeClr val="lt1"/>
+          </a:fontRef>
+        </p:style>
+        <p:txBody>
+          <a:bodyPr rtlCol="0" anchor="ctr"/>
+          <a:lstStyle/>
+          <a:p>
+            <a:pPr algn="ctr"/>
+            <a:r>
+              <a:rPr lang="en-US" altLang="ko-KR" sz="1300" smtClean="0">
+                <a:solidFill>
+                  <a:schemeClr val="tx1"/>
+                </a:solidFill>
+                <a:latin typeface="LG Smart UI Regular" pitchFamily="50" charset="-127"/>
+                <a:ea typeface="LG Smart UI Regular" pitchFamily="50" charset="-127"/>
+              </a:rPr>
+              <a:t>WEB#1, #2 (</a:t>
+            </a:r>
+            <a:r>
+              <a:rPr lang="ko-KR" altLang="en-US" sz="1300" smtClean="0">
+                <a:solidFill>
+                  <a:schemeClr val="tx1"/>
+                </a:solidFill>
+                <a:latin typeface="LG Smart UI Regular" pitchFamily="50" charset="-127"/>
+                <a:ea typeface="LG Smart UI Regular" pitchFamily="50" charset="-127"/>
+              </a:rPr>
+              <a:t>외부망</a:t>
+            </a:r>
+            <a:r>
+              <a:rPr lang="en-US" altLang="ko-KR" sz="1300" smtClean="0">
+                <a:solidFill>
+                  <a:schemeClr val="tx1"/>
+                </a:solidFill>
+                <a:latin typeface="LG Smart UI Regular" pitchFamily="50" charset="-127"/>
+                <a:ea typeface="LG Smart UI Regular" pitchFamily="50" charset="-127"/>
+              </a:rPr>
+              <a:t>)</a:t>
+            </a:r>
+            <a:endParaRPr lang="en-US" altLang="ko-KR" sz="1300" smtClean="0">
+              <a:solidFill>
+                <a:schemeClr val="tx1"/>
+              </a:solidFill>
+              <a:latin typeface="LG Smart UI Regular" pitchFamily="50" charset="-127"/>
+              <a:ea typeface="LG Smart UI Regular" pitchFamily="50" charset="-127"/>
+            </a:endParaRPr>
+          </a:p>
+        </p:txBody>
+      </p:sp>
+      <p:sp>
+        <p:nvSpPr>
+          <p:cNvPr id="54" name="직사각형 53"/>
+          <p:cNvSpPr/>
+          <p:nvPr/>
+        </p:nvSpPr>
+        <p:spPr>
+          <a:xfrm>
+            <a:off x="7158043" y="5150811"/>
+            <a:ext cx="1571636" cy="458627"/>
+          </a:xfrm>
+          <a:prstGeom prst="rect">
+            <a:avLst/>
+          </a:prstGeom>
+          <a:solidFill>
+            <a:srgbClr val="FF99FF"/>
+          </a:solidFill>
+          <a:ln>
+            <a:solidFill>
+              <a:schemeClr val="tx1"/>
+            </a:solidFill>
+          </a:ln>
+        </p:spPr>
+        <p:style>
+          <a:lnRef idx="2">
+            <a:schemeClr val="accent1">
+              <a:shade val="50000"/>
+            </a:schemeClr>
+          </a:lnRef>
+          <a:fillRef idx="1">
+            <a:schemeClr val="accent1"/>
+          </a:fillRef>
+          <a:effectRef idx="0">
+            <a:schemeClr val="accent1"/>
+          </a:effectRef>
+          <a:fontRef idx="minor">
+            <a:schemeClr val="lt1"/>
+          </a:fontRef>
+        </p:style>
+        <p:txBody>
+          <a:bodyPr rtlCol="0" anchor="ctr"/>
+          <a:lstStyle/>
+          <a:p>
+            <a:pPr algn="ctr"/>
+            <a:r>
+              <a:rPr lang="en-US" altLang="ko-KR" sz="1300" smtClean="0">
+                <a:solidFill>
+                  <a:schemeClr val="tx1"/>
+                </a:solidFill>
+                <a:latin typeface="LG Smart UI Regular" pitchFamily="50" charset="-127"/>
+                <a:ea typeface="LG Smart UI Regular" pitchFamily="50" charset="-127"/>
+              </a:rPr>
+              <a:t>WEB#1, #2 (</a:t>
+            </a:r>
+            <a:r>
+              <a:rPr lang="ko-KR" altLang="en-US" sz="1300" smtClean="0">
+                <a:solidFill>
+                  <a:schemeClr val="tx1"/>
+                </a:solidFill>
+                <a:latin typeface="LG Smart UI Regular" pitchFamily="50" charset="-127"/>
+                <a:ea typeface="LG Smart UI Regular" pitchFamily="50" charset="-127"/>
+              </a:rPr>
+              <a:t>내부망</a:t>
+            </a:r>
+            <a:r>
+              <a:rPr lang="en-US" altLang="ko-KR" sz="1300" smtClean="0">
+                <a:solidFill>
+                  <a:schemeClr val="tx1"/>
+                </a:solidFill>
+                <a:latin typeface="LG Smart UI Regular" pitchFamily="50" charset="-127"/>
+                <a:ea typeface="LG Smart UI Regular" pitchFamily="50" charset="-127"/>
+              </a:rPr>
+              <a:t>)</a:t>
+            </a:r>
+            <a:endParaRPr lang="en-US" altLang="ko-KR" sz="1300" smtClean="0">
+              <a:solidFill>
+                <a:schemeClr val="tx1"/>
+              </a:solidFill>
+              <a:latin typeface="LG Smart UI Regular" pitchFamily="50" charset="-127"/>
+              <a:ea typeface="LG Smart UI Regular" pitchFamily="50" charset="-127"/>
+            </a:endParaRPr>
+          </a:p>
+        </p:txBody>
+      </p:sp>
+      <p:sp>
+        <p:nvSpPr>
+          <p:cNvPr id="55" name="직사각형 54"/>
+          <p:cNvSpPr/>
+          <p:nvPr/>
+        </p:nvSpPr>
+        <p:spPr>
+          <a:xfrm>
+            <a:off x="8872555" y="5150811"/>
+            <a:ext cx="1571636" cy="458627"/>
+          </a:xfrm>
+          <a:prstGeom prst="rect">
+            <a:avLst/>
+          </a:prstGeom>
+          <a:solidFill>
+            <a:srgbClr val="FF99FF"/>
+          </a:solidFill>
+          <a:ln>
+            <a:solidFill>
+              <a:schemeClr val="tx1"/>
+            </a:solidFill>
+          </a:ln>
+        </p:spPr>
+        <p:style>
+          <a:lnRef idx="2">
+            <a:schemeClr val="accent1">
+              <a:shade val="50000"/>
+            </a:schemeClr>
+          </a:lnRef>
+          <a:fillRef idx="1">
+            <a:schemeClr val="accent1"/>
+          </a:fillRef>
+          <a:effectRef idx="0">
+            <a:schemeClr val="accent1"/>
+          </a:effectRef>
+          <a:fontRef idx="minor">
+            <a:schemeClr val="lt1"/>
+          </a:fontRef>
+        </p:style>
+        <p:txBody>
+          <a:bodyPr rtlCol="0" anchor="ctr"/>
+          <a:lstStyle/>
+          <a:p>
+            <a:pPr algn="ctr"/>
+            <a:r>
+              <a:rPr lang="en-US" altLang="ko-KR" sz="1300" smtClean="0">
+                <a:solidFill>
+                  <a:schemeClr val="tx1"/>
+                </a:solidFill>
+                <a:latin typeface="LG Smart UI Regular" pitchFamily="50" charset="-127"/>
+                <a:ea typeface="LG Smart UI Regular" pitchFamily="50" charset="-127"/>
+              </a:rPr>
+              <a:t>WAS#1, #2</a:t>
+            </a:r>
+          </a:p>
+        </p:txBody>
+      </p:sp>
+      <p:cxnSp>
+        <p:nvCxnSpPr>
+          <p:cNvPr id="56" name="Shape 55"/>
+          <p:cNvCxnSpPr>
+            <a:endCxn id="53" idx="0"/>
+          </p:cNvCxnSpPr>
+          <p:nvPr/>
+        </p:nvCxnSpPr>
+        <p:spPr>
+          <a:xfrm rot="5400000">
+            <a:off x="6044964" y="4507940"/>
+            <a:ext cx="827256" cy="458486"/>
+          </a:xfrm>
+          <a:prstGeom prst="bentConnector3">
+            <a:avLst>
+              <a:gd name="adj1" fmla="val 50000"/>
+            </a:avLst>
+          </a:prstGeom>
+          <a:ln>
+            <a:solidFill>
+              <a:schemeClr val="accent6">
+                <a:lumMod val="75000"/>
+              </a:schemeClr>
+            </a:solidFill>
+            <a:tailEnd type="arrow"/>
+          </a:ln>
+        </p:spPr>
+        <p:style>
+          <a:lnRef idx="1">
+            <a:schemeClr val="accent1"/>
+          </a:lnRef>
+          <a:fillRef idx="0">
+            <a:schemeClr val="accent1"/>
+          </a:fillRef>
+          <a:effectRef idx="0">
+            <a:schemeClr val="accent1"/>
+          </a:effectRef>
+          <a:fontRef idx="minor">
+            <a:schemeClr val="tx1"/>
+          </a:fontRef>
+        </p:style>
+      </p:cxnSp>
+      <p:cxnSp>
+        <p:nvCxnSpPr>
+          <p:cNvPr id="59" name="Shape 55"/>
+          <p:cNvCxnSpPr>
+            <a:endCxn id="55" idx="0"/>
+          </p:cNvCxnSpPr>
+          <p:nvPr/>
+        </p:nvCxnSpPr>
+        <p:spPr>
+          <a:xfrm rot="16200000" flipH="1">
+            <a:off x="7759476" y="3251914"/>
+            <a:ext cx="827256" cy="2970538"/>
+          </a:xfrm>
+          <a:prstGeom prst="bentConnector3">
+            <a:avLst>
+              <a:gd name="adj1" fmla="val 50000"/>
+            </a:avLst>
+          </a:prstGeom>
+          <a:ln>
+            <a:solidFill>
+              <a:schemeClr val="accent6">
+                <a:lumMod val="75000"/>
+              </a:schemeClr>
+            </a:solidFill>
+            <a:tailEnd type="arrow"/>
+          </a:ln>
+        </p:spPr>
+        <p:style>
+          <a:lnRef idx="1">
+            <a:schemeClr val="accent1"/>
+          </a:lnRef>
+          <a:fillRef idx="0">
+            <a:schemeClr val="accent1"/>
+          </a:fillRef>
+          <a:effectRef idx="0">
+            <a:schemeClr val="accent1"/>
+          </a:effectRef>
+          <a:fontRef idx="minor">
+            <a:schemeClr val="tx1"/>
+          </a:fontRef>
+        </p:style>
+      </p:cxnSp>
+      <p:cxnSp>
+        <p:nvCxnSpPr>
+          <p:cNvPr id="62" name="Shape 55"/>
+          <p:cNvCxnSpPr>
+            <a:endCxn id="54" idx="0"/>
+          </p:cNvCxnSpPr>
+          <p:nvPr/>
+        </p:nvCxnSpPr>
+        <p:spPr>
+          <a:xfrm rot="16200000" flipH="1">
+            <a:off x="6902220" y="4109170"/>
+            <a:ext cx="827256" cy="1256026"/>
+          </a:xfrm>
+          <a:prstGeom prst="bentConnector3">
+            <a:avLst>
+              <a:gd name="adj1" fmla="val 50000"/>
+            </a:avLst>
+          </a:prstGeom>
+          <a:ln>
+            <a:solidFill>
+              <a:schemeClr val="accent6">
+                <a:lumMod val="75000"/>
+              </a:schemeClr>
+            </a:solidFill>
+            <a:tailEnd type="arrow"/>
+          </a:ln>
+        </p:spPr>
+        <p:style>
+          <a:lnRef idx="1">
+            <a:schemeClr val="accent1"/>
+          </a:lnRef>
+          <a:fillRef idx="0">
+            <a:schemeClr val="accent1"/>
+          </a:fillRef>
+          <a:effectRef idx="0">
+            <a:schemeClr val="accent1"/>
+          </a:effectRef>
+          <a:fontRef idx="minor">
+            <a:schemeClr val="tx1"/>
+          </a:fontRef>
+        </p:style>
+      </p:cxnSp>
+      <p:sp>
+        <p:nvSpPr>
+          <p:cNvPr id="65" name="직사각형 64"/>
+          <p:cNvSpPr/>
+          <p:nvPr/>
+        </p:nvSpPr>
+        <p:spPr>
+          <a:xfrm>
+            <a:off x="6372225" y="4466430"/>
+            <a:ext cx="571504" cy="261610"/>
+          </a:xfrm>
+          <a:prstGeom prst="rect">
+            <a:avLst/>
+          </a:prstGeom>
+          <a:solidFill>
+            <a:schemeClr val="bg1">
+              <a:lumMod val="95000"/>
+            </a:schemeClr>
+          </a:solidFill>
+        </p:spPr>
+        <p:txBody>
+          <a:bodyPr wrap="square">
+            <a:spAutoFit/>
+          </a:bodyPr>
+          <a:lstStyle/>
+          <a:p>
+            <a:r>
+              <a:rPr lang="en-US" altLang="ko-KR" sz="1100" smtClean="0">
+                <a:latin typeface="HY궁서B" pitchFamily="18" charset="-127"/>
+                <a:ea typeface="HY궁서B" pitchFamily="18" charset="-127"/>
+              </a:rPr>
+              <a:t>scp</a:t>
+            </a:r>
+            <a:endParaRPr lang="en-US" altLang="ko-KR" sz="1100" smtClean="0">
+              <a:latin typeface="HY궁서B" pitchFamily="18" charset="-127"/>
+              <a:ea typeface="HY궁서B" pitchFamily="18" charset="-127"/>
+            </a:endParaRPr>
+          </a:p>
+        </p:txBody>
+      </p:sp>
+      <p:grpSp>
+        <p:nvGrpSpPr>
+          <p:cNvPr id="71" name="그룹 70"/>
+          <p:cNvGrpSpPr/>
+          <p:nvPr/>
+        </p:nvGrpSpPr>
+        <p:grpSpPr>
+          <a:xfrm>
+            <a:off x="8515365" y="323026"/>
+            <a:ext cx="4000528" cy="2231380"/>
+            <a:chOff x="8729679" y="3894926"/>
+            <a:chExt cx="3500462" cy="2231380"/>
+          </a:xfrm>
+        </p:grpSpPr>
+        <p:sp>
+          <p:nvSpPr>
+            <p:cNvPr id="72" name="직사각형 71"/>
+            <p:cNvSpPr/>
+            <p:nvPr/>
+          </p:nvSpPr>
+          <p:spPr>
+            <a:xfrm>
+              <a:off x="8729679" y="3894926"/>
+              <a:ext cx="3500462" cy="2231380"/>
+            </a:xfrm>
+            <a:prstGeom prst="rect">
+              <a:avLst/>
+            </a:prstGeom>
+            <a:solidFill>
+              <a:schemeClr val="bg1">
+                <a:lumMod val="95000"/>
+              </a:schemeClr>
+            </a:solidFill>
+            <a:effectLst>
+              <a:outerShdw blurRad="50800" dist="38100" dir="2700000" algn="tl" rotWithShape="0">
+                <a:prstClr val="black">
+                  <a:alpha val="40000"/>
+                </a:prstClr>
+              </a:outerShdw>
+            </a:effectLst>
+          </p:spPr>
+          <p:txBody>
+            <a:bodyPr wrap="square">
+              <a:spAutoFit/>
+            </a:bodyPr>
+            <a:lstStyle/>
+            <a:p>
+              <a:endParaRPr lang="en-US" sz="1000" smtClean="0">
+                <a:latin typeface="HY궁서B" pitchFamily="18" charset="-127"/>
+                <a:ea typeface="HY궁서B" pitchFamily="18" charset="-127"/>
+              </a:endParaRPr>
+            </a:p>
+            <a:p>
+              <a:endParaRPr lang="en-US" sz="1000" smtClean="0">
+                <a:latin typeface="HY궁서B" pitchFamily="18" charset="-127"/>
+                <a:ea typeface="HY궁서B" pitchFamily="18" charset="-127"/>
+              </a:endParaRPr>
+            </a:p>
+            <a:p>
+              <a:endParaRPr lang="en-US" sz="1000" smtClean="0">
+                <a:latin typeface="HY궁서B" pitchFamily="18" charset="-127"/>
+                <a:ea typeface="HY궁서B" pitchFamily="18" charset="-127"/>
+              </a:endParaRPr>
+            </a:p>
+            <a:p>
+              <a:pPr>
+                <a:buFont typeface="Arial" pitchFamily="34" charset="0"/>
+                <a:buChar char="•"/>
+              </a:pPr>
+              <a:r>
+                <a:rPr lang="en-US" altLang="ko-KR" sz="1300" smtClean="0">
+                  <a:latin typeface="HY궁서B" pitchFamily="18" charset="-127"/>
+                  <a:ea typeface="HY궁서B" pitchFamily="18" charset="-127"/>
+                  <a:cs typeface="맑은 고딕 Semilight" pitchFamily="50" charset="-127"/>
+                </a:rPr>
+                <a:t> branch</a:t>
+              </a:r>
+            </a:p>
+            <a:p>
+              <a:pPr>
+                <a:buFont typeface="Arial" pitchFamily="34" charset="0"/>
+                <a:buChar char="•"/>
+              </a:pPr>
+              <a:r>
+                <a:rPr lang="en-US" altLang="ko-KR" sz="1300" smtClean="0">
+                  <a:latin typeface="HY궁서B" pitchFamily="18" charset="-127"/>
+                  <a:ea typeface="HY궁서B" pitchFamily="18" charset="-127"/>
+                  <a:cs typeface="맑은 고딕 Semilight" pitchFamily="50" charset="-127"/>
+                </a:rPr>
+                <a:t> tag</a:t>
+              </a:r>
+            </a:p>
+            <a:p>
+              <a:pPr>
+                <a:buFont typeface="Arial" pitchFamily="34" charset="0"/>
+                <a:buChar char="•"/>
+              </a:pPr>
+              <a:r>
+                <a:rPr lang="en-US" altLang="ko-KR" sz="1300" u="sng" smtClean="0">
+                  <a:latin typeface="HY궁서B" pitchFamily="18" charset="-127"/>
+                  <a:ea typeface="HY궁서B" pitchFamily="18" charset="-127"/>
+                  <a:cs typeface="맑은 고딕 Semilight" pitchFamily="50" charset="-127"/>
+                </a:rPr>
+                <a:t> trunk</a:t>
+              </a:r>
+            </a:p>
+            <a:p>
+              <a:r>
+                <a:rPr lang="en-US" sz="1000" smtClean="0">
+                  <a:solidFill>
+                    <a:schemeClr val="tx1">
+                      <a:lumMod val="50000"/>
+                      <a:lumOff val="50000"/>
+                    </a:schemeClr>
+                  </a:solidFill>
+                  <a:latin typeface="HY궁서B" pitchFamily="18" charset="-127"/>
+                  <a:ea typeface="HY궁서B" pitchFamily="18" charset="-127"/>
+                </a:rPr>
+                <a:t>    │</a:t>
+              </a:r>
+            </a:p>
+            <a:p>
+              <a:r>
+                <a:rPr lang="en-US" altLang="ko-KR" sz="1000" smtClean="0">
+                  <a:solidFill>
+                    <a:schemeClr val="tx1">
+                      <a:lumMod val="50000"/>
+                      <a:lumOff val="50000"/>
+                    </a:schemeClr>
+                  </a:solidFill>
+                  <a:latin typeface="HY궁서B" pitchFamily="18" charset="-127"/>
+                  <a:ea typeface="HY궁서B" pitchFamily="18" charset="-127"/>
+                </a:rPr>
+                <a:t> </a:t>
+              </a:r>
+              <a:r>
+                <a:rPr lang="en-US" altLang="ko-KR" sz="1000" smtClean="0">
+                  <a:solidFill>
+                    <a:schemeClr val="tx1">
+                      <a:lumMod val="50000"/>
+                      <a:lumOff val="50000"/>
+                    </a:schemeClr>
+                  </a:solidFill>
+                  <a:latin typeface="HY궁서B" pitchFamily="18" charset="-127"/>
+                  <a:ea typeface="HY궁서B" pitchFamily="18" charset="-127"/>
+                </a:rPr>
+                <a:t>  GAAI/</a:t>
+              </a:r>
+            </a:p>
+            <a:p>
+              <a:r>
+                <a:rPr lang="en-US" sz="1000" smtClean="0">
+                  <a:solidFill>
+                    <a:schemeClr val="tx1">
+                      <a:lumMod val="50000"/>
+                      <a:lumOff val="50000"/>
+                    </a:schemeClr>
+                  </a:solidFill>
+                  <a:latin typeface="HY궁서B" pitchFamily="18" charset="-127"/>
+                  <a:ea typeface="HY궁서B" pitchFamily="18" charset="-127"/>
+                </a:rPr>
+                <a:t> </a:t>
+              </a:r>
+              <a:r>
+                <a:rPr lang="en-US" sz="1000" smtClean="0">
+                  <a:solidFill>
+                    <a:schemeClr val="tx1">
+                      <a:lumMod val="50000"/>
+                      <a:lumOff val="50000"/>
+                    </a:schemeClr>
+                  </a:solidFill>
+                  <a:latin typeface="HY궁서B" pitchFamily="18" charset="-127"/>
+                  <a:ea typeface="HY궁서B" pitchFamily="18" charset="-127"/>
+                </a:rPr>
+                <a:t>      │</a:t>
+              </a:r>
+              <a:endParaRPr lang="ko-KR" altLang="en-US" sz="1000" smtClean="0">
+                <a:solidFill>
+                  <a:schemeClr val="tx1">
+                    <a:lumMod val="50000"/>
+                    <a:lumOff val="50000"/>
+                  </a:schemeClr>
+                </a:solidFill>
+                <a:latin typeface="HY궁서B" pitchFamily="18" charset="-127"/>
+                <a:ea typeface="HY궁서B" pitchFamily="18" charset="-127"/>
+              </a:endParaRPr>
+            </a:p>
+            <a:p>
+              <a:r>
+                <a:rPr lang="ko-KR" altLang="en-US" sz="1000" smtClean="0">
+                  <a:solidFill>
+                    <a:schemeClr val="tx1">
+                      <a:lumMod val="50000"/>
+                      <a:lumOff val="50000"/>
+                    </a:schemeClr>
+                  </a:solidFill>
+                  <a:latin typeface="HY궁서B" pitchFamily="18" charset="-127"/>
+                  <a:ea typeface="HY궁서B" pitchFamily="18" charset="-127"/>
+                </a:rPr>
+                <a:t>       ├── </a:t>
+              </a:r>
+              <a:r>
+                <a:rPr lang="en-US" altLang="ko-KR" sz="1000" smtClean="0">
+                  <a:solidFill>
+                    <a:schemeClr val="tx1">
+                      <a:lumMod val="50000"/>
+                      <a:lumOff val="50000"/>
+                    </a:schemeClr>
+                  </a:solidFill>
+                  <a:latin typeface="HY궁서B" pitchFamily="18" charset="-127"/>
+                  <a:ea typeface="HY궁서B" pitchFamily="18" charset="-127"/>
+                </a:rPr>
+                <a:t>pom_dev.xml</a:t>
+              </a:r>
+              <a:r>
+                <a:rPr lang="ko-KR" altLang="en-US" sz="1000" smtClean="0">
+                  <a:solidFill>
+                    <a:schemeClr val="tx1">
+                      <a:lumMod val="50000"/>
+                      <a:lumOff val="50000"/>
+                    </a:schemeClr>
+                  </a:solidFill>
+                  <a:latin typeface="HY궁서B" pitchFamily="18" charset="-127"/>
+                  <a:ea typeface="HY궁서B" pitchFamily="18" charset="-127"/>
+                </a:rPr>
+                <a:t> </a:t>
+              </a:r>
+              <a:r>
+                <a:rPr lang="ko-KR" altLang="en-US" sz="1000" smtClean="0">
+                  <a:solidFill>
+                    <a:schemeClr val="tx1">
+                      <a:lumMod val="50000"/>
+                      <a:lumOff val="50000"/>
+                    </a:schemeClr>
+                  </a:solidFill>
+                  <a:latin typeface="HY궁서B" pitchFamily="18" charset="-127"/>
+                  <a:ea typeface="HY궁서B" pitchFamily="18" charset="-127"/>
+                </a:rPr>
+                <a:t>   </a:t>
+              </a:r>
+              <a:r>
+                <a:rPr lang="en-US" altLang="ko-KR" sz="1000" smtClean="0">
+                  <a:solidFill>
+                    <a:schemeClr val="tx1">
+                      <a:lumMod val="50000"/>
+                      <a:lumOff val="50000"/>
+                    </a:schemeClr>
+                  </a:solidFill>
+                  <a:latin typeface="HY궁서B" pitchFamily="18" charset="-127"/>
+                  <a:ea typeface="HY궁서B" pitchFamily="18" charset="-127"/>
+                </a:rPr>
+                <a:t>("maven </a:t>
+              </a:r>
+              <a:r>
+                <a:rPr lang="ko-KR" altLang="en-US" sz="1000" smtClean="0">
+                  <a:solidFill>
+                    <a:schemeClr val="tx1">
+                      <a:lumMod val="50000"/>
+                      <a:lumOff val="50000"/>
+                    </a:schemeClr>
+                  </a:solidFill>
+                  <a:latin typeface="HY궁서B" pitchFamily="18" charset="-127"/>
+                  <a:ea typeface="HY궁서B" pitchFamily="18" charset="-127"/>
+                </a:rPr>
+                <a:t>빌드파일</a:t>
+              </a:r>
+              <a:r>
+                <a:rPr lang="en-US" altLang="ko-KR" sz="1000" smtClean="0">
+                  <a:solidFill>
+                    <a:schemeClr val="tx1">
+                      <a:lumMod val="50000"/>
+                      <a:lumOff val="50000"/>
+                    </a:schemeClr>
+                  </a:solidFill>
+                  <a:latin typeface="HY궁서B" pitchFamily="18" charset="-127"/>
+                  <a:ea typeface="HY궁서B" pitchFamily="18" charset="-127"/>
+                </a:rPr>
+                <a:t>")</a:t>
+              </a:r>
+            </a:p>
+            <a:p>
+              <a:r>
+                <a:rPr lang="ko-KR" altLang="en-US" sz="1000" smtClean="0">
+                  <a:solidFill>
+                    <a:schemeClr val="tx1">
+                      <a:lumMod val="50000"/>
+                      <a:lumOff val="50000"/>
+                    </a:schemeClr>
+                  </a:solidFill>
+                  <a:latin typeface="HY궁서B" pitchFamily="18" charset="-127"/>
+                  <a:ea typeface="HY궁서B" pitchFamily="18" charset="-127"/>
+                </a:rPr>
+                <a:t>       ├── </a:t>
+              </a:r>
+              <a:r>
+                <a:rPr lang="en-US" altLang="ko-KR" sz="1000" smtClean="0">
+                  <a:solidFill>
+                    <a:schemeClr val="tx1">
+                      <a:lumMod val="50000"/>
+                      <a:lumOff val="50000"/>
+                    </a:schemeClr>
+                  </a:solidFill>
+                  <a:latin typeface="HY궁서B" pitchFamily="18" charset="-127"/>
+                  <a:ea typeface="HY궁서B" pitchFamily="18" charset="-127"/>
+                </a:rPr>
+                <a:t>build_dev.xml </a:t>
+              </a:r>
+              <a:r>
+                <a:rPr lang="en-US" sz="1000" smtClean="0">
+                  <a:solidFill>
+                    <a:schemeClr val="tx1">
+                      <a:lumMod val="50000"/>
+                      <a:lumOff val="50000"/>
+                    </a:schemeClr>
+                  </a:solidFill>
+                  <a:latin typeface="HY궁서B" pitchFamily="18" charset="-127"/>
+                  <a:ea typeface="HY궁서B" pitchFamily="18" charset="-127"/>
+                </a:rPr>
+                <a:t>(“ant </a:t>
+              </a:r>
+              <a:r>
+                <a:rPr lang="ko-KR" altLang="en-US" sz="1000" smtClean="0">
+                  <a:solidFill>
+                    <a:schemeClr val="tx1">
+                      <a:lumMod val="50000"/>
+                      <a:lumOff val="50000"/>
+                    </a:schemeClr>
+                  </a:solidFill>
+                  <a:latin typeface="HY궁서B" pitchFamily="18" charset="-127"/>
+                  <a:ea typeface="HY궁서B" pitchFamily="18" charset="-127"/>
+                </a:rPr>
+                <a:t>빌드파일</a:t>
+              </a:r>
+              <a:r>
+                <a:rPr lang="en-US" altLang="ko-KR" sz="1000" smtClean="0">
+                  <a:solidFill>
+                    <a:schemeClr val="tx1">
+                      <a:lumMod val="50000"/>
+                      <a:lumOff val="50000"/>
+                    </a:schemeClr>
+                  </a:solidFill>
+                  <a:latin typeface="HY궁서B" pitchFamily="18" charset="-127"/>
+                  <a:ea typeface="HY궁서B" pitchFamily="18" charset="-127"/>
+                </a:rPr>
+                <a:t>")</a:t>
+              </a:r>
+              <a:endParaRPr lang="en-US" altLang="ko-KR" sz="1000" smtClean="0">
+                <a:solidFill>
+                  <a:schemeClr val="tx1">
+                    <a:lumMod val="50000"/>
+                    <a:lumOff val="50000"/>
+                  </a:schemeClr>
+                </a:solidFill>
+                <a:latin typeface="HY궁서B" pitchFamily="18" charset="-127"/>
+                <a:ea typeface="HY궁서B" pitchFamily="18" charset="-127"/>
+              </a:endParaRPr>
+            </a:p>
+            <a:p>
+              <a:r>
+                <a:rPr lang="en-US" sz="1000" smtClean="0">
+                  <a:solidFill>
+                    <a:schemeClr val="tx1">
+                      <a:lumMod val="50000"/>
+                      <a:lumOff val="50000"/>
+                    </a:schemeClr>
+                  </a:solidFill>
+                  <a:latin typeface="HY궁서B" pitchFamily="18" charset="-127"/>
+                  <a:ea typeface="HY궁서B" pitchFamily="18" charset="-127"/>
+                </a:rPr>
+                <a:t>       │</a:t>
+              </a:r>
+            </a:p>
+            <a:p>
+              <a:r>
+                <a:rPr lang="en-US" sz="1000" smtClean="0">
+                  <a:solidFill>
+                    <a:schemeClr val="tx1">
+                      <a:lumMod val="50000"/>
+                      <a:lumOff val="50000"/>
+                    </a:schemeClr>
+                  </a:solidFill>
+                  <a:latin typeface="HY궁서B" pitchFamily="18" charset="-127"/>
+                  <a:ea typeface="HY궁서B" pitchFamily="18" charset="-127"/>
+                </a:rPr>
+                <a:t>       └── </a:t>
+              </a:r>
+              <a:r>
+                <a:rPr lang="ko-KR" altLang="en-US" sz="1000" smtClean="0">
+                  <a:solidFill>
+                    <a:schemeClr val="tx1">
+                      <a:lumMod val="50000"/>
+                      <a:lumOff val="50000"/>
+                    </a:schemeClr>
+                  </a:solidFill>
+                  <a:latin typeface="HY궁서B" pitchFamily="18" charset="-127"/>
+                  <a:ea typeface="HY궁서B" pitchFamily="18" charset="-127"/>
+                </a:rPr>
+                <a:t>소스파일</a:t>
+              </a:r>
+              <a:r>
+                <a:rPr lang="en-US" altLang="ko-KR" sz="1000" smtClean="0">
+                  <a:solidFill>
+                    <a:schemeClr val="tx1">
+                      <a:lumMod val="50000"/>
+                      <a:lumOff val="50000"/>
+                    </a:schemeClr>
+                  </a:solidFill>
+                  <a:latin typeface="HY궁서B" pitchFamily="18" charset="-127"/>
+                  <a:ea typeface="HY궁서B" pitchFamily="18" charset="-127"/>
+                </a:rPr>
+                <a:t>……</a:t>
+              </a:r>
+              <a:endParaRPr lang="ko-KR" altLang="en-US" sz="1000" smtClean="0">
+                <a:solidFill>
+                  <a:schemeClr val="tx1">
+                    <a:lumMod val="50000"/>
+                    <a:lumOff val="50000"/>
+                  </a:schemeClr>
+                </a:solidFill>
+                <a:latin typeface="HY궁서B" pitchFamily="18" charset="-127"/>
+                <a:ea typeface="HY궁서B" pitchFamily="18" charset="-127"/>
+              </a:endParaRPr>
+            </a:p>
+          </p:txBody>
+        </p:sp>
+        <p:pic>
+          <p:nvPicPr>
+            <p:cNvPr id="73" name="Picture 18" descr="Subversion&quot; Icon - Download for free – Iconduck"/>
+            <p:cNvPicPr>
+              <a:picLocks noChangeAspect="1" noChangeArrowheads="1"/>
+            </p:cNvPicPr>
+            <p:nvPr/>
+          </p:nvPicPr>
+          <p:blipFill>
+            <a:blip r:embed="rId5" cstate="print"/>
+            <a:srcRect/>
+            <a:stretch>
+              <a:fillRect/>
+            </a:stretch>
+          </p:blipFill>
+          <p:spPr bwMode="auto">
+            <a:xfrm>
+              <a:off x="8729679" y="3894926"/>
+              <a:ext cx="369177" cy="355010"/>
+            </a:xfrm>
+            <a:prstGeom prst="rect">
+              <a:avLst/>
+            </a:prstGeom>
+            <a:noFill/>
+          </p:spPr>
+        </p:pic>
+        <p:sp>
+          <p:nvSpPr>
+            <p:cNvPr id="74" name="직사각형 73"/>
+            <p:cNvSpPr/>
+            <p:nvPr/>
+          </p:nvSpPr>
+          <p:spPr>
+            <a:xfrm>
+              <a:off x="9086869" y="3894926"/>
+              <a:ext cx="1226618" cy="323165"/>
+            </a:xfrm>
+            <a:prstGeom prst="rect">
+              <a:avLst/>
+            </a:prstGeom>
+          </p:spPr>
+          <p:txBody>
+            <a:bodyPr wrap="none">
+              <a:spAutoFit/>
+            </a:bodyPr>
+            <a:lstStyle/>
+            <a:p>
+              <a:pPr algn="ctr"/>
+              <a:r>
+                <a:rPr lang="en-US" altLang="ko-KR" sz="1500" b="1" smtClean="0">
+                  <a:latin typeface="LG Smart UI Regular" pitchFamily="50" charset="-127"/>
+                  <a:ea typeface="LG Smart UI Regular" pitchFamily="50" charset="-127"/>
+                  <a:cs typeface="맑은 고딕 Semilight" pitchFamily="50" charset="-127"/>
+                </a:rPr>
+                <a:t>svn(</a:t>
+              </a:r>
+              <a:r>
+                <a:rPr lang="ko-KR" altLang="en-US" sz="1500" b="1" smtClean="0">
+                  <a:latin typeface="LG Smart UI Regular" pitchFamily="50" charset="-127"/>
+                  <a:ea typeface="LG Smart UI Regular" pitchFamily="50" charset="-127"/>
+                  <a:cs typeface="맑은 고딕 Semilight" pitchFamily="50" charset="-127"/>
+                </a:rPr>
+                <a:t>형상관리</a:t>
+              </a:r>
+              <a:r>
+                <a:rPr lang="en-US" altLang="ko-KR" sz="1500" b="1" smtClean="0">
+                  <a:latin typeface="LG Smart UI Regular" pitchFamily="50" charset="-127"/>
+                  <a:ea typeface="LG Smart UI Regular" pitchFamily="50" charset="-127"/>
+                  <a:cs typeface="맑은 고딕 Semilight" pitchFamily="50" charset="-127"/>
+                </a:rPr>
+                <a:t>)</a:t>
+              </a:r>
+              <a:endParaRPr lang="ko-KR" altLang="en-US" sz="1500" b="1">
+                <a:latin typeface="LG Smart UI Regular" pitchFamily="50" charset="-127"/>
+                <a:ea typeface="LG Smart UI Regular" pitchFamily="50" charset="-127"/>
+                <a:cs typeface="맑은 고딕 Semilight" pitchFamily="50" charset="-127"/>
+              </a:endParaRPr>
+            </a:p>
+          </p:txBody>
+        </p:sp>
+      </p:grpSp>
+      <p:sp>
+        <p:nvSpPr>
+          <p:cNvPr id="79" name="직사각형 78"/>
+          <p:cNvSpPr/>
+          <p:nvPr/>
+        </p:nvSpPr>
+        <p:spPr>
+          <a:xfrm>
+            <a:off x="9301183" y="818574"/>
+            <a:ext cx="3429024" cy="1015663"/>
+          </a:xfrm>
+          <a:prstGeom prst="rect">
+            <a:avLst/>
+          </a:prstGeom>
+        </p:spPr>
+        <p:txBody>
+          <a:bodyPr wrap="square">
+            <a:spAutoFit/>
+          </a:bodyPr>
+          <a:lstStyle/>
+          <a:p>
+            <a:pPr lvl="0"/>
+            <a:r>
+              <a:rPr lang="en-US" altLang="ko-KR" sz="1000" smtClean="0">
+                <a:solidFill>
+                  <a:srgbClr val="7030A0"/>
+                </a:solidFill>
+                <a:latin typeface="HY궁서B" pitchFamily="18" charset="-127"/>
+                <a:ea typeface="HY궁서B" pitchFamily="18" charset="-127"/>
+              </a:rPr>
+              <a:t>--GAAI/</a:t>
+            </a:r>
+          </a:p>
+          <a:p>
+            <a:pPr lvl="0"/>
+            <a:r>
+              <a:rPr lang="en-US" altLang="ko-KR" sz="1000" smtClean="0">
+                <a:solidFill>
+                  <a:srgbClr val="7030A0"/>
+                </a:solidFill>
+                <a:latin typeface="HY궁서B" pitchFamily="18" charset="-127"/>
+                <a:ea typeface="HY궁서B" pitchFamily="18" charset="-127"/>
+              </a:rPr>
+              <a:t>       </a:t>
+            </a:r>
+            <a:r>
+              <a:rPr lang="en-US" sz="1000" smtClean="0">
+                <a:solidFill>
+                  <a:srgbClr val="7030A0"/>
+                </a:solidFill>
+                <a:latin typeface="HY궁서B" pitchFamily="18" charset="-127"/>
+                <a:ea typeface="HY궁서B" pitchFamily="18" charset="-127"/>
+              </a:rPr>
+              <a:t>│</a:t>
+            </a:r>
+            <a:endParaRPr lang="ko-KR" altLang="en-US" sz="1000" smtClean="0">
+              <a:solidFill>
+                <a:srgbClr val="7030A0"/>
+              </a:solidFill>
+              <a:latin typeface="HY궁서B" pitchFamily="18" charset="-127"/>
+              <a:ea typeface="HY궁서B" pitchFamily="18" charset="-127"/>
+            </a:endParaRPr>
+          </a:p>
+          <a:p>
+            <a:pPr lvl="0"/>
+            <a:r>
+              <a:rPr lang="ko-KR" altLang="en-US" sz="1000" smtClean="0">
+                <a:solidFill>
+                  <a:srgbClr val="7030A0"/>
+                </a:solidFill>
+                <a:latin typeface="HY궁서B" pitchFamily="18" charset="-127"/>
+                <a:ea typeface="HY궁서B" pitchFamily="18" charset="-127"/>
+              </a:rPr>
+              <a:t>       ├── </a:t>
+            </a:r>
+            <a:r>
+              <a:rPr lang="en-US" altLang="ko-KR" sz="1000" smtClean="0">
+                <a:solidFill>
+                  <a:srgbClr val="7030A0"/>
+                </a:solidFill>
+                <a:latin typeface="HY궁서B" pitchFamily="18" charset="-127"/>
+                <a:ea typeface="HY궁서B" pitchFamily="18" charset="-127"/>
+              </a:rPr>
+              <a:t>pom_dev.xml</a:t>
+            </a:r>
+            <a:r>
+              <a:rPr lang="ko-KR" altLang="en-US" sz="1000" smtClean="0">
+                <a:solidFill>
+                  <a:srgbClr val="7030A0"/>
+                </a:solidFill>
+                <a:latin typeface="HY궁서B" pitchFamily="18" charset="-127"/>
+                <a:ea typeface="HY궁서B" pitchFamily="18" charset="-127"/>
+              </a:rPr>
+              <a:t>    </a:t>
+            </a:r>
+            <a:r>
+              <a:rPr lang="en-US" altLang="ko-KR" sz="1000" smtClean="0">
+                <a:solidFill>
+                  <a:srgbClr val="7030A0"/>
+                </a:solidFill>
+                <a:latin typeface="HY궁서B" pitchFamily="18" charset="-127"/>
+                <a:ea typeface="HY궁서B" pitchFamily="18" charset="-127"/>
+              </a:rPr>
+              <a:t>("maven </a:t>
+            </a:r>
+            <a:r>
+              <a:rPr lang="ko-KR" altLang="en-US" sz="1000" smtClean="0">
+                <a:solidFill>
+                  <a:srgbClr val="7030A0"/>
+                </a:solidFill>
+                <a:latin typeface="HY궁서B" pitchFamily="18" charset="-127"/>
+                <a:ea typeface="HY궁서B" pitchFamily="18" charset="-127"/>
+              </a:rPr>
+              <a:t>빌드파일</a:t>
+            </a:r>
+            <a:r>
+              <a:rPr lang="en-US" altLang="ko-KR" sz="1000" smtClean="0">
+                <a:solidFill>
+                  <a:srgbClr val="7030A0"/>
+                </a:solidFill>
+                <a:latin typeface="HY궁서B" pitchFamily="18" charset="-127"/>
+                <a:ea typeface="HY궁서B" pitchFamily="18" charset="-127"/>
+              </a:rPr>
+              <a:t>")</a:t>
+            </a:r>
+          </a:p>
+          <a:p>
+            <a:pPr lvl="0"/>
+            <a:r>
+              <a:rPr lang="ko-KR" altLang="en-US" sz="1000" smtClean="0">
+                <a:solidFill>
+                  <a:srgbClr val="7030A0"/>
+                </a:solidFill>
+                <a:latin typeface="HY궁서B" pitchFamily="18" charset="-127"/>
+                <a:ea typeface="HY궁서B" pitchFamily="18" charset="-127"/>
+              </a:rPr>
+              <a:t>       ├── </a:t>
+            </a:r>
+            <a:r>
+              <a:rPr lang="en-US" altLang="ko-KR" sz="1000" smtClean="0">
+                <a:solidFill>
+                  <a:srgbClr val="7030A0"/>
+                </a:solidFill>
+                <a:latin typeface="HY궁서B" pitchFamily="18" charset="-127"/>
+                <a:ea typeface="HY궁서B" pitchFamily="18" charset="-127"/>
+              </a:rPr>
+              <a:t>build_dev.xml </a:t>
+            </a:r>
+            <a:r>
+              <a:rPr lang="en-US" sz="1000" smtClean="0">
+                <a:solidFill>
+                  <a:srgbClr val="7030A0"/>
+                </a:solidFill>
+                <a:latin typeface="HY궁서B" pitchFamily="18" charset="-127"/>
+                <a:ea typeface="HY궁서B" pitchFamily="18" charset="-127"/>
+              </a:rPr>
+              <a:t>(“ant </a:t>
+            </a:r>
+            <a:r>
+              <a:rPr lang="ko-KR" altLang="en-US" sz="1000" smtClean="0">
+                <a:solidFill>
+                  <a:srgbClr val="7030A0"/>
+                </a:solidFill>
+                <a:latin typeface="HY궁서B" pitchFamily="18" charset="-127"/>
+                <a:ea typeface="HY궁서B" pitchFamily="18" charset="-127"/>
+              </a:rPr>
+              <a:t>빌드파일</a:t>
+            </a:r>
+            <a:r>
+              <a:rPr lang="en-US" altLang="ko-KR" sz="1000" smtClean="0">
+                <a:solidFill>
+                  <a:srgbClr val="7030A0"/>
+                </a:solidFill>
+                <a:latin typeface="HY궁서B" pitchFamily="18" charset="-127"/>
+                <a:ea typeface="HY궁서B" pitchFamily="18" charset="-127"/>
+              </a:rPr>
+              <a:t>")</a:t>
+            </a:r>
+          </a:p>
+          <a:p>
+            <a:pPr lvl="0"/>
+            <a:r>
+              <a:rPr lang="en-US" sz="1000" smtClean="0">
+                <a:solidFill>
+                  <a:srgbClr val="7030A0"/>
+                </a:solidFill>
+                <a:latin typeface="HY궁서B" pitchFamily="18" charset="-127"/>
+                <a:ea typeface="HY궁서B" pitchFamily="18" charset="-127"/>
+              </a:rPr>
+              <a:t>       │</a:t>
+            </a:r>
+          </a:p>
+          <a:p>
+            <a:pPr lvl="0"/>
+            <a:r>
+              <a:rPr lang="en-US" sz="1000" smtClean="0">
+                <a:solidFill>
+                  <a:srgbClr val="7030A0"/>
+                </a:solidFill>
+                <a:latin typeface="HY궁서B" pitchFamily="18" charset="-127"/>
+                <a:ea typeface="HY궁서B" pitchFamily="18" charset="-127"/>
+              </a:rPr>
+              <a:t>       └── </a:t>
+            </a:r>
+            <a:r>
+              <a:rPr lang="ko-KR" altLang="en-US" sz="1000" smtClean="0">
+                <a:solidFill>
+                  <a:srgbClr val="7030A0"/>
+                </a:solidFill>
+                <a:latin typeface="HY궁서B" pitchFamily="18" charset="-127"/>
+                <a:ea typeface="HY궁서B" pitchFamily="18" charset="-127"/>
+              </a:rPr>
+              <a:t>소스파일</a:t>
+            </a:r>
+            <a:r>
+              <a:rPr lang="en-US" altLang="ko-KR" sz="1000" smtClean="0">
+                <a:solidFill>
+                  <a:srgbClr val="7030A0"/>
+                </a:solidFill>
+                <a:latin typeface="HY궁서B" pitchFamily="18" charset="-127"/>
+                <a:ea typeface="HY궁서B" pitchFamily="18" charset="-127"/>
+              </a:rPr>
+              <a:t>……</a:t>
+            </a:r>
+            <a:endParaRPr lang="ko-KR" altLang="en-US" sz="1000" smtClean="0">
+              <a:solidFill>
+                <a:srgbClr val="7030A0"/>
+              </a:solidFill>
+              <a:latin typeface="HY궁서B" pitchFamily="18" charset="-127"/>
+              <a:ea typeface="HY궁서B" pitchFamily="18" charset="-127"/>
+            </a:endParaRPr>
+          </a:p>
+        </p:txBody>
+      </p:sp>
+      <p:cxnSp>
+        <p:nvCxnSpPr>
+          <p:cNvPr id="80" name="Shape 79"/>
+          <p:cNvCxnSpPr>
+            <a:endCxn id="5" idx="3"/>
+          </p:cNvCxnSpPr>
+          <p:nvPr/>
+        </p:nvCxnSpPr>
+        <p:spPr>
+          <a:xfrm rot="10800000" flipV="1">
+            <a:off x="5372093" y="965967"/>
+            <a:ext cx="3214710" cy="1041379"/>
+          </a:xfrm>
+          <a:prstGeom prst="bentConnector3">
+            <a:avLst>
+              <a:gd name="adj1" fmla="val 44895"/>
+            </a:avLst>
+          </a:prstGeom>
+          <a:ln>
+            <a:solidFill>
+              <a:srgbClr val="3C10F6"/>
+            </a:solidFill>
+            <a:tailEnd type="arrow"/>
+          </a:ln>
+        </p:spPr>
+        <p:style>
+          <a:lnRef idx="1">
+            <a:schemeClr val="accent1"/>
+          </a:lnRef>
+          <a:fillRef idx="0">
+            <a:schemeClr val="accent1"/>
+          </a:fillRef>
+          <a:effectRef idx="0">
+            <a:schemeClr val="accent1"/>
+          </a:effectRef>
+          <a:fontRef idx="minor">
+            <a:schemeClr val="tx1"/>
+          </a:fontRef>
+        </p:style>
+      </p:cxnSp>
+      <p:pic>
+        <p:nvPicPr>
+          <p:cNvPr id="84" name="Picture 109" descr="Picture30"/>
+          <p:cNvPicPr>
+            <a:picLocks noChangeAspect="1" noChangeArrowheads="1"/>
+          </p:cNvPicPr>
+          <p:nvPr/>
+        </p:nvPicPr>
+        <p:blipFill>
+          <a:blip r:embed="rId3">
+            <a:duotone>
+              <a:schemeClr val="accent2">
+                <a:shade val="45000"/>
+                <a:satMod val="135000"/>
+              </a:schemeClr>
+              <a:prstClr val="white"/>
+            </a:duotone>
+            <a:extLst>
+              <a:ext uri="{28A0092B-C50C-407E-A947-70E740481C1C}">
+                <a14:useLocalDpi xmlns:a14="http://schemas.microsoft.com/office/drawing/2010/main" xmlns="" val="0"/>
+              </a:ext>
+            </a:extLst>
+          </a:blip>
+          <a:srcRect/>
+          <a:stretch>
+            <a:fillRect/>
+          </a:stretch>
+        </p:blipFill>
+        <p:spPr bwMode="auto">
+          <a:xfrm>
+            <a:off x="8229613" y="2251852"/>
+            <a:ext cx="631219" cy="571505"/>
+          </a:xfrm>
+          <a:prstGeom prst="rect">
+            <a:avLst/>
+          </a:prstGeom>
+          <a:noFill/>
+          <a:extLst>
+            <a:ext uri="{909E8E84-426E-40DD-AFC4-6F175D3DCCD1}">
+              <a14:hiddenFill xmlns:a14="http://schemas.microsoft.com/office/drawing/2010/main" xmlns="">
+                <a:solidFill>
+                  <a:srgbClr val="FFFFFF"/>
+                </a:solidFill>
+              </a14:hiddenFill>
+            </a:ext>
+          </a:extLst>
+        </p:spPr>
+      </p:pic>
+      <p:sp>
+        <p:nvSpPr>
+          <p:cNvPr id="86" name="직사각형 85"/>
+          <p:cNvSpPr/>
+          <p:nvPr/>
+        </p:nvSpPr>
+        <p:spPr>
+          <a:xfrm>
+            <a:off x="6800853" y="1466034"/>
+            <a:ext cx="785818" cy="261610"/>
+          </a:xfrm>
+          <a:prstGeom prst="rect">
+            <a:avLst/>
+          </a:prstGeom>
+          <a:solidFill>
+            <a:schemeClr val="bg1">
+              <a:lumMod val="95000"/>
+            </a:schemeClr>
+          </a:solidFill>
+        </p:spPr>
+        <p:txBody>
+          <a:bodyPr wrap="square">
+            <a:spAutoFit/>
+          </a:bodyPr>
+          <a:lstStyle/>
+          <a:p>
+            <a:r>
+              <a:rPr lang="en-US" altLang="ko-KR" sz="1100" smtClean="0">
+                <a:latin typeface="HY궁서B" pitchFamily="18" charset="-127"/>
+                <a:ea typeface="HY궁서B" pitchFamily="18" charset="-127"/>
+              </a:rPr>
+              <a:t>svn co</a:t>
+            </a:r>
+            <a:endParaRPr lang="en-US" altLang="ko-KR" sz="1100" smtClean="0">
+              <a:latin typeface="HY궁서B" pitchFamily="18" charset="-127"/>
+              <a:ea typeface="HY궁서B" pitchFamily="18" charset="-127"/>
+            </a:endParaRPr>
+          </a:p>
+        </p:txBody>
+      </p:sp>
+      <p:cxnSp>
+        <p:nvCxnSpPr>
+          <p:cNvPr id="102" name="직선 연결선 101"/>
+          <p:cNvCxnSpPr/>
+          <p:nvPr/>
+        </p:nvCxnSpPr>
+        <p:spPr>
+          <a:xfrm flipV="1">
+            <a:off x="5443531" y="4037802"/>
+            <a:ext cx="1000132" cy="433"/>
+          </a:xfrm>
+          <a:prstGeom prst="line">
+            <a:avLst/>
+          </a:prstGeom>
+          <a:ln>
+            <a:solidFill>
+              <a:schemeClr val="accent6">
+                <a:lumMod val="75000"/>
+              </a:schemeClr>
+            </a:solidFill>
+          </a:ln>
+        </p:spPr>
+        <p:style>
+          <a:lnRef idx="1">
+            <a:schemeClr val="accent1"/>
+          </a:lnRef>
+          <a:fillRef idx="0">
+            <a:schemeClr val="accent1"/>
+          </a:fillRef>
+          <a:effectRef idx="0">
+            <a:schemeClr val="accent1"/>
+          </a:effectRef>
+          <a:fontRef idx="minor">
+            <a:schemeClr val="tx1"/>
+          </a:fontRef>
+        </p:style>
+      </p:cxnSp>
+      <p:sp>
+        <p:nvSpPr>
+          <p:cNvPr id="33" name="직사각형 32"/>
+          <p:cNvSpPr/>
+          <p:nvPr/>
+        </p:nvSpPr>
+        <p:spPr>
+          <a:xfrm>
+            <a:off x="6372225" y="3823583"/>
+            <a:ext cx="2928958" cy="499971"/>
+          </a:xfrm>
+          <a:prstGeom prst="rect">
+            <a:avLst/>
+          </a:prstGeom>
+          <a:solidFill>
+            <a:schemeClr val="bg1">
+              <a:lumMod val="85000"/>
+            </a:schemeClr>
+          </a:solidFill>
+          <a:effectLst>
+            <a:outerShdw blurRad="50800" dist="38100" dir="2700000" algn="tl" rotWithShape="0">
+              <a:prstClr val="black">
+                <a:alpha val="40000"/>
+              </a:prstClr>
+            </a:outerShdw>
+          </a:effectLst>
+        </p:spPr>
+        <p:txBody>
+          <a:bodyPr wrap="square" lIns="68415" tIns="34208" rIns="68415" bIns="34208">
+            <a:spAutoFit/>
+          </a:bodyPr>
+          <a:lstStyle/>
+          <a:p>
+            <a:pPr algn="ctr"/>
+            <a:r>
+              <a:rPr lang="en-US" sz="1500" smtClean="0">
+                <a:latin typeface="LG Smart UI Regular" pitchFamily="50" charset="-127"/>
+                <a:ea typeface="LG Smart UI Regular" pitchFamily="50" charset="-127"/>
+              </a:rPr>
+              <a:t>[</a:t>
+            </a:r>
+            <a:r>
+              <a:rPr lang="ko-KR" altLang="en-US" sz="1500" smtClean="0">
+                <a:latin typeface="LG Smart UI Regular" pitchFamily="50" charset="-127"/>
+                <a:ea typeface="LG Smart UI Regular" pitchFamily="50" charset="-127"/>
+              </a:rPr>
+              <a:t>로컬</a:t>
+            </a:r>
+            <a:r>
+              <a:rPr lang="en-US" altLang="ko-KR" sz="1500" smtClean="0">
+                <a:latin typeface="LG Smart UI Regular" pitchFamily="50" charset="-127"/>
+                <a:ea typeface="LG Smart UI Regular" pitchFamily="50" charset="-127"/>
+              </a:rPr>
+              <a:t> </a:t>
+            </a:r>
+            <a:r>
+              <a:rPr lang="ko-KR" altLang="en-US" sz="1500" smtClean="0">
+                <a:latin typeface="LG Smart UI Regular" pitchFamily="50" charset="-127"/>
+                <a:ea typeface="LG Smart UI Regular" pitchFamily="50" charset="-127"/>
+              </a:rPr>
+              <a:t>디렉토리</a:t>
+            </a:r>
+            <a:r>
+              <a:rPr lang="en-US" altLang="ko-KR" sz="1500" smtClean="0">
+                <a:latin typeface="LG Smart UI Regular" pitchFamily="50" charset="-127"/>
+                <a:ea typeface="LG Smart UI Regular" pitchFamily="50" charset="-127"/>
+              </a:rPr>
+              <a:t>]</a:t>
+            </a:r>
+            <a:endParaRPr lang="en-US" sz="1500" smtClean="0">
+              <a:latin typeface="LG Smart UI Regular" pitchFamily="50" charset="-127"/>
+              <a:ea typeface="LG Smart UI Regular" pitchFamily="50" charset="-127"/>
+            </a:endParaRPr>
+          </a:p>
+          <a:p>
+            <a:pPr algn="ctr"/>
+            <a:r>
+              <a:rPr lang="en-US" sz="1300" smtClean="0">
+                <a:latin typeface="LG Smart UI Regular" pitchFamily="50" charset="-127"/>
+                <a:ea typeface="LG Smart UI Regular" pitchFamily="50" charset="-127"/>
+              </a:rPr>
+              <a:t>/sorc001/appadm/stage/BD_TAMS_BD</a:t>
+            </a:r>
+            <a:endParaRPr lang="en-US" sz="1300">
+              <a:latin typeface="LG Smart UI Regular" pitchFamily="50" charset="-127"/>
+              <a:ea typeface="LG Smart UI Regular" pitchFamily="50" charset="-127"/>
+            </a:endParaRPr>
+          </a:p>
+        </p:txBody>
+      </p:sp>
     </p:spTree>
   </p:cSld>
   <p:clrMapOvr>
@@ -7694,6 +10524,2510 @@
 </file>
 
 <file path=ppt/slides/slide4.xml><?xml version="1.0" encoding="utf-8"?>
+<p:sld xmlns:a="http://schemas.openxmlformats.org/drawingml/2006/main" xmlns:r="http://schemas.openxmlformats.org/officeDocument/2006/relationships" xmlns:p="http://schemas.openxmlformats.org/presentationml/2006/main">
+  <p:cSld>
+    <p:spTree>
+      <p:nvGrpSpPr>
+        <p:cNvPr id="1" name=""/>
+        <p:cNvGrpSpPr/>
+        <p:nvPr/>
+      </p:nvGrpSpPr>
+      <p:grpSpPr>
+        <a:xfrm>
+          <a:off x="0" y="0"/>
+          <a:ext cx="0" cy="0"/>
+          <a:chOff x="0" y="0"/>
+          <a:chExt cx="0" cy="0"/>
+        </a:xfrm>
+      </p:grpSpPr>
+      <p:sp>
+        <p:nvSpPr>
+          <p:cNvPr id="20" name="직사각형 19"/>
+          <p:cNvSpPr/>
+          <p:nvPr/>
+        </p:nvSpPr>
+        <p:spPr>
+          <a:xfrm>
+            <a:off x="1014375" y="965968"/>
+            <a:ext cx="7072362" cy="4000528"/>
+          </a:xfrm>
+          <a:prstGeom prst="rect">
+            <a:avLst/>
+          </a:prstGeom>
+          <a:solidFill>
+            <a:schemeClr val="bg1">
+              <a:lumMod val="95000"/>
+            </a:schemeClr>
+          </a:solidFill>
+          <a:ln>
+            <a:noFill/>
+          </a:ln>
+        </p:spPr>
+        <p:style>
+          <a:lnRef idx="2">
+            <a:schemeClr val="accent1">
+              <a:shade val="50000"/>
+            </a:schemeClr>
+          </a:lnRef>
+          <a:fillRef idx="1">
+            <a:schemeClr val="accent1"/>
+          </a:fillRef>
+          <a:effectRef idx="0">
+            <a:schemeClr val="accent1"/>
+          </a:effectRef>
+          <a:fontRef idx="minor">
+            <a:schemeClr val="lt1"/>
+          </a:fontRef>
+        </p:style>
+        <p:txBody>
+          <a:bodyPr lIns="91419" tIns="45710" rIns="91419" bIns="45710" rtlCol="0" anchor="t" anchorCtr="0"/>
+          <a:lstStyle/>
+          <a:p>
+            <a:pPr algn="ctr"/>
+            <a:r>
+              <a:rPr lang="ko-KR" altLang="en-US" sz="1700" b="1" smtClean="0">
+                <a:solidFill>
+                  <a:schemeClr val="tx1"/>
+                </a:solidFill>
+                <a:latin typeface="LG Smart UI Regular" pitchFamily="50" charset="-127"/>
+                <a:ea typeface="LG Smart UI Regular" pitchFamily="50" charset="-127"/>
+                <a:cs typeface="맑은 고딕 Semilight" pitchFamily="50" charset="-127"/>
+              </a:rPr>
+              <a:t>개발서버</a:t>
+            </a:r>
+            <a:endParaRPr lang="ko-KR" altLang="en-US" sz="1700" b="1">
+              <a:solidFill>
+                <a:schemeClr val="tx1"/>
+              </a:solidFill>
+              <a:latin typeface="LG Smart UI Regular" pitchFamily="50" charset="-127"/>
+              <a:ea typeface="LG Smart UI Regular" pitchFamily="50" charset="-127"/>
+              <a:cs typeface="맑은 고딕 Semilight" pitchFamily="50" charset="-127"/>
+            </a:endParaRPr>
+          </a:p>
+        </p:txBody>
+      </p:sp>
+      <p:cxnSp>
+        <p:nvCxnSpPr>
+          <p:cNvPr id="21" name="직선 화살표 연결선 20"/>
+          <p:cNvCxnSpPr/>
+          <p:nvPr/>
+        </p:nvCxnSpPr>
+        <p:spPr>
+          <a:xfrm rot="5400000">
+            <a:off x="1622392" y="2715405"/>
+            <a:ext cx="2214578" cy="1588"/>
+          </a:xfrm>
+          <a:prstGeom prst="straightConnector1">
+            <a:avLst/>
+          </a:prstGeom>
+          <a:ln>
+            <a:tailEnd type="arrow"/>
+          </a:ln>
+        </p:spPr>
+        <p:style>
+          <a:lnRef idx="1">
+            <a:schemeClr val="accent1"/>
+          </a:lnRef>
+          <a:fillRef idx="0">
+            <a:schemeClr val="accent1"/>
+          </a:fillRef>
+          <a:effectRef idx="0">
+            <a:schemeClr val="accent1"/>
+          </a:effectRef>
+          <a:fontRef idx="minor">
+            <a:schemeClr val="tx1"/>
+          </a:fontRef>
+        </p:style>
+      </p:cxnSp>
+      <p:sp>
+        <p:nvSpPr>
+          <p:cNvPr id="2" name="TextBox 1"/>
+          <p:cNvSpPr txBox="1"/>
+          <p:nvPr/>
+        </p:nvSpPr>
+        <p:spPr>
+          <a:xfrm>
+            <a:off x="196863" y="195002"/>
+            <a:ext cx="3058336" cy="510299"/>
+          </a:xfrm>
+          <a:prstGeom prst="rect">
+            <a:avLst/>
+          </a:prstGeom>
+          <a:noFill/>
+        </p:spPr>
+        <p:txBody>
+          <a:bodyPr wrap="none" lIns="124364" tIns="62182" rIns="124364" bIns="62182" rtlCol="0">
+            <a:spAutoFit/>
+          </a:bodyPr>
+          <a:lstStyle/>
+          <a:p>
+            <a:r>
+              <a:rPr lang="en-US" altLang="ko-KR" smtClean="0">
+                <a:latin typeface="LG Smart UI Regular" pitchFamily="50" charset="-127"/>
+                <a:ea typeface="LG Smart UI Regular" pitchFamily="50" charset="-127"/>
+              </a:rPr>
+              <a:t>NTAMS </a:t>
+            </a:r>
+            <a:r>
+              <a:rPr lang="ko-KR" altLang="en-US" smtClean="0">
+                <a:latin typeface="LG Smart UI Regular" pitchFamily="50" charset="-127"/>
+                <a:ea typeface="LG Smart UI Regular" pitchFamily="50" charset="-127"/>
+              </a:rPr>
+              <a:t>개</a:t>
+            </a:r>
+            <a:r>
+              <a:rPr lang="ko-KR" altLang="en-US" smtClean="0">
+                <a:latin typeface="LG Smart UI Regular" pitchFamily="50" charset="-127"/>
+                <a:ea typeface="LG Smart UI Regular" pitchFamily="50" charset="-127"/>
+              </a:rPr>
+              <a:t>발</a:t>
+            </a:r>
+            <a:r>
+              <a:rPr lang="ko-KR" altLang="en-US" smtClean="0">
+                <a:latin typeface="LG Smart UI Regular" pitchFamily="50" charset="-127"/>
+                <a:ea typeface="LG Smart UI Regular" pitchFamily="50" charset="-127"/>
+              </a:rPr>
+              <a:t>빌드</a:t>
+            </a:r>
+            <a:r>
+              <a:rPr lang="en-US" altLang="ko-KR" smtClean="0">
+                <a:latin typeface="LG Smart UI Regular" pitchFamily="50" charset="-127"/>
+                <a:ea typeface="LG Smart UI Regular" pitchFamily="50" charset="-127"/>
+              </a:rPr>
+              <a:t>/</a:t>
+            </a:r>
+            <a:r>
+              <a:rPr lang="ko-KR" altLang="en-US" smtClean="0">
+                <a:latin typeface="LG Smart UI Regular" pitchFamily="50" charset="-127"/>
+                <a:ea typeface="LG Smart UI Regular" pitchFamily="50" charset="-127"/>
+              </a:rPr>
+              <a:t>배포</a:t>
+            </a:r>
+            <a:endParaRPr lang="ko-KR" altLang="en-US">
+              <a:latin typeface="LG Smart UI Regular" pitchFamily="50" charset="-127"/>
+              <a:ea typeface="LG Smart UI Regular" pitchFamily="50" charset="-127"/>
+            </a:endParaRPr>
+          </a:p>
+        </p:txBody>
+      </p:sp>
+      <p:sp>
+        <p:nvSpPr>
+          <p:cNvPr id="3" name="직사각형 2"/>
+          <p:cNvSpPr/>
+          <p:nvPr/>
+        </p:nvSpPr>
+        <p:spPr>
+          <a:xfrm>
+            <a:off x="2586011" y="1343157"/>
+            <a:ext cx="3214710" cy="299917"/>
+          </a:xfrm>
+          <a:prstGeom prst="rect">
+            <a:avLst/>
+          </a:prstGeom>
+          <a:noFill/>
+          <a:ln>
+            <a:solidFill>
+              <a:schemeClr val="tx1">
+                <a:lumMod val="50000"/>
+                <a:lumOff val="50000"/>
+              </a:schemeClr>
+            </a:solidFill>
+          </a:ln>
+        </p:spPr>
+        <p:txBody>
+          <a:bodyPr wrap="square" lIns="68415" tIns="34208" rIns="68415" bIns="34208">
+            <a:spAutoFit/>
+          </a:bodyPr>
+          <a:lstStyle/>
+          <a:p>
+            <a:r>
+              <a:rPr lang="en-US" sz="1500" b="1" smtClean="0">
+                <a:latin typeface="LG Smart UI Regular" pitchFamily="50" charset="-127"/>
+                <a:ea typeface="LG Smart UI Regular" pitchFamily="50" charset="-127"/>
+              </a:rPr>
+              <a:t>Pipeline</a:t>
+            </a:r>
+            <a:r>
+              <a:rPr lang="en-US" sz="1500" smtClean="0">
+                <a:latin typeface="LG Smart UI Regular" pitchFamily="50" charset="-127"/>
+                <a:ea typeface="LG Smart UI Regular" pitchFamily="50" charset="-127"/>
+              </a:rPr>
+              <a:t> </a:t>
+            </a:r>
+            <a:r>
+              <a:rPr lang="en-US" sz="1500" smtClean="0">
+                <a:latin typeface="LG Smart UI Regular" pitchFamily="50" charset="-127"/>
+                <a:ea typeface="LG Smart UI Regular" pitchFamily="50" charset="-127"/>
+              </a:rPr>
+              <a:t>: </a:t>
+            </a:r>
+            <a:r>
+              <a:rPr lang="en-US" sz="1500" smtClean="0">
+                <a:latin typeface="LG Smart UI Regular" pitchFamily="50" charset="-127"/>
+                <a:ea typeface="LG Smart UI Regular" pitchFamily="50" charset="-127"/>
+              </a:rPr>
+              <a:t>BD_TAMS_DEV</a:t>
+            </a:r>
+            <a:endParaRPr lang="en-US" sz="1500">
+              <a:latin typeface="LG Smart UI Regular" pitchFamily="50" charset="-127"/>
+              <a:ea typeface="LG Smart UI Regular" pitchFamily="50" charset="-127"/>
+            </a:endParaRPr>
+          </a:p>
+        </p:txBody>
+      </p:sp>
+      <p:pic>
+        <p:nvPicPr>
+          <p:cNvPr id="4" name="Picture 6" descr="jenkins, 로고 아이콘"/>
+          <p:cNvPicPr>
+            <a:picLocks noChangeAspect="1" noChangeArrowheads="1"/>
+          </p:cNvPicPr>
+          <p:nvPr/>
+        </p:nvPicPr>
+        <p:blipFill>
+          <a:blip r:embed="rId2" cstate="print"/>
+          <a:srcRect/>
+          <a:stretch>
+            <a:fillRect/>
+          </a:stretch>
+        </p:blipFill>
+        <p:spPr bwMode="auto">
+          <a:xfrm>
+            <a:off x="1943069" y="823092"/>
+            <a:ext cx="823092" cy="823092"/>
+          </a:xfrm>
+          <a:prstGeom prst="rect">
+            <a:avLst/>
+          </a:prstGeom>
+          <a:noFill/>
+        </p:spPr>
+      </p:pic>
+      <p:sp>
+        <p:nvSpPr>
+          <p:cNvPr id="5" name="직사각형 4"/>
+          <p:cNvSpPr/>
+          <p:nvPr/>
+        </p:nvSpPr>
+        <p:spPr>
+          <a:xfrm>
+            <a:off x="2943201" y="1857388"/>
+            <a:ext cx="2428892" cy="299917"/>
+          </a:xfrm>
+          <a:prstGeom prst="rect">
+            <a:avLst/>
+          </a:prstGeom>
+          <a:noFill/>
+          <a:ln>
+            <a:solidFill>
+              <a:schemeClr val="tx1">
+                <a:lumMod val="50000"/>
+                <a:lumOff val="50000"/>
+              </a:schemeClr>
+            </a:solidFill>
+          </a:ln>
+        </p:spPr>
+        <p:txBody>
+          <a:bodyPr wrap="square" lIns="68415" tIns="34208" rIns="68415" bIns="34208">
+            <a:spAutoFit/>
+          </a:bodyPr>
+          <a:lstStyle/>
+          <a:p>
+            <a:r>
+              <a:rPr lang="en-US" altLang="ko-KR" sz="1500" smtClean="0">
+                <a:latin typeface="LG Smart UI Regular" pitchFamily="50" charset="-127"/>
+                <a:ea typeface="LG Smart UI Regular" pitchFamily="50" charset="-127"/>
+              </a:rPr>
+              <a:t>[workspace] svn </a:t>
+            </a:r>
+            <a:r>
+              <a:rPr lang="ko-KR" altLang="en-US" sz="1500" smtClean="0">
+                <a:latin typeface="LG Smart UI Regular" pitchFamily="50" charset="-127"/>
+                <a:ea typeface="LG Smart UI Regular" pitchFamily="50" charset="-127"/>
+              </a:rPr>
+              <a:t>체크아웃</a:t>
+            </a:r>
+            <a:endParaRPr lang="en-US" sz="1500">
+              <a:latin typeface="LG Smart UI Regular" pitchFamily="50" charset="-127"/>
+              <a:ea typeface="LG Smart UI Regular" pitchFamily="50" charset="-127"/>
+            </a:endParaRPr>
+          </a:p>
+        </p:txBody>
+      </p:sp>
+      <p:sp>
+        <p:nvSpPr>
+          <p:cNvPr id="6" name="직사각형 5"/>
+          <p:cNvSpPr/>
+          <p:nvPr/>
+        </p:nvSpPr>
+        <p:spPr>
+          <a:xfrm>
+            <a:off x="2943201" y="2286016"/>
+            <a:ext cx="2428892" cy="299917"/>
+          </a:xfrm>
+          <a:prstGeom prst="rect">
+            <a:avLst/>
+          </a:prstGeom>
+          <a:noFill/>
+          <a:ln>
+            <a:solidFill>
+              <a:schemeClr val="tx1">
+                <a:lumMod val="50000"/>
+                <a:lumOff val="50000"/>
+              </a:schemeClr>
+            </a:solidFill>
+          </a:ln>
+        </p:spPr>
+        <p:txBody>
+          <a:bodyPr wrap="square" lIns="68415" tIns="34208" rIns="68415" bIns="34208">
+            <a:spAutoFit/>
+          </a:bodyPr>
+          <a:lstStyle/>
+          <a:p>
+            <a:r>
+              <a:rPr lang="en-US" sz="1500" smtClean="0">
+                <a:latin typeface="LG Smart UI Regular" pitchFamily="50" charset="-127"/>
+                <a:ea typeface="LG Smart UI Regular" pitchFamily="50" charset="-127"/>
+              </a:rPr>
+              <a:t>Maven</a:t>
+            </a:r>
+            <a:r>
+              <a:rPr lang="ko-KR" altLang="en-US" sz="1500" smtClean="0">
+                <a:latin typeface="LG Smart UI Regular" pitchFamily="50" charset="-127"/>
+                <a:ea typeface="LG Smart UI Regular" pitchFamily="50" charset="-127"/>
+              </a:rPr>
+              <a:t> </a:t>
+            </a:r>
+            <a:r>
+              <a:rPr lang="ko-KR" altLang="en-US" sz="1500" b="1" smtClean="0">
+                <a:solidFill>
+                  <a:srgbClr val="FF00FF"/>
+                </a:solidFill>
+                <a:latin typeface="LG Smart UI Regular" pitchFamily="50" charset="-127"/>
+                <a:ea typeface="LG Smart UI Regular" pitchFamily="50" charset="-127"/>
+              </a:rPr>
+              <a:t>빌드</a:t>
+            </a:r>
+            <a:r>
+              <a:rPr lang="ko-KR" altLang="en-US" sz="1500" smtClean="0">
+                <a:latin typeface="LG Smart UI Regular" pitchFamily="50" charset="-127"/>
+                <a:ea typeface="LG Smart UI Regular" pitchFamily="50" charset="-127"/>
+              </a:rPr>
+              <a:t> </a:t>
+            </a:r>
+            <a:r>
+              <a:rPr lang="en-US" altLang="ko-KR" sz="1500" smtClean="0">
+                <a:latin typeface="LG Smart UI Regular" pitchFamily="50" charset="-127"/>
+                <a:ea typeface="LG Smart UI Regular" pitchFamily="50" charset="-127"/>
+              </a:rPr>
+              <a:t>(pom.xml)</a:t>
+            </a:r>
+            <a:endParaRPr lang="en-US" sz="1500">
+              <a:latin typeface="LG Smart UI Regular" pitchFamily="50" charset="-127"/>
+              <a:ea typeface="LG Smart UI Regular" pitchFamily="50" charset="-127"/>
+            </a:endParaRPr>
+          </a:p>
+        </p:txBody>
+      </p:sp>
+      <p:sp>
+        <p:nvSpPr>
+          <p:cNvPr id="7" name="직사각형 6"/>
+          <p:cNvSpPr/>
+          <p:nvPr/>
+        </p:nvSpPr>
+        <p:spPr>
+          <a:xfrm>
+            <a:off x="3014639" y="2571768"/>
+            <a:ext cx="4429156" cy="253750"/>
+          </a:xfrm>
+          <a:prstGeom prst="rect">
+            <a:avLst/>
+          </a:prstGeom>
+          <a:noFill/>
+        </p:spPr>
+        <p:txBody>
+          <a:bodyPr wrap="square" lIns="68415" tIns="34208" rIns="68415" bIns="34208">
+            <a:spAutoFit/>
+          </a:bodyPr>
+          <a:lstStyle/>
+          <a:p>
+            <a:r>
+              <a:rPr lang="en-US" sz="1200" smtClean="0">
+                <a:latin typeface="HY궁서B" pitchFamily="18" charset="-127"/>
+                <a:ea typeface="HY궁서B" pitchFamily="18" charset="-127"/>
+              </a:rPr>
+              <a:t> └ </a:t>
+            </a:r>
+            <a:r>
+              <a:rPr lang="en-US" sz="1200" smtClean="0"/>
+              <a:t>mvn -</a:t>
+            </a:r>
+            <a:r>
+              <a:rPr lang="en-US" sz="1200" smtClean="0"/>
+              <a:t>f </a:t>
+            </a:r>
+            <a:r>
+              <a:rPr lang="en-US" sz="1200" smtClean="0"/>
+              <a:t>GAAI/pom_prod.xml </a:t>
+            </a:r>
+            <a:r>
+              <a:rPr lang="en-US" sz="1200" smtClean="0"/>
+              <a:t>clean package</a:t>
+            </a:r>
+            <a:endParaRPr lang="en-US" sz="1200"/>
+          </a:p>
+        </p:txBody>
+      </p:sp>
+      <p:sp>
+        <p:nvSpPr>
+          <p:cNvPr id="11" name="모서리가 둥근 직사각형 10"/>
+          <p:cNvSpPr/>
+          <p:nvPr/>
+        </p:nvSpPr>
+        <p:spPr>
+          <a:xfrm>
+            <a:off x="1943069" y="1823224"/>
+            <a:ext cx="1000132" cy="357190"/>
+          </a:xfrm>
+          <a:prstGeom prst="roundRect">
+            <a:avLst/>
+          </a:prstGeom>
+        </p:spPr>
+        <p:style>
+          <a:lnRef idx="2">
+            <a:schemeClr val="accent1">
+              <a:shade val="50000"/>
+            </a:schemeClr>
+          </a:lnRef>
+          <a:fillRef idx="1">
+            <a:schemeClr val="accent1"/>
+          </a:fillRef>
+          <a:effectRef idx="0">
+            <a:schemeClr val="accent1"/>
+          </a:effectRef>
+          <a:fontRef idx="minor">
+            <a:schemeClr val="lt1"/>
+          </a:fontRef>
+        </p:style>
+        <p:txBody>
+          <a:bodyPr rtlCol="0" anchor="ctr"/>
+          <a:lstStyle/>
+          <a:p>
+            <a:pPr algn="ctr"/>
+            <a:r>
+              <a:rPr lang="en-US" altLang="ko-KR" sz="1700" smtClean="0"/>
+              <a:t>stage1</a:t>
+            </a:r>
+            <a:endParaRPr lang="ko-KR" altLang="en-US" sz="1700"/>
+          </a:p>
+        </p:txBody>
+      </p:sp>
+      <p:sp>
+        <p:nvSpPr>
+          <p:cNvPr id="12" name="모서리가 둥근 직사각형 11"/>
+          <p:cNvSpPr/>
+          <p:nvPr/>
+        </p:nvSpPr>
+        <p:spPr>
+          <a:xfrm>
+            <a:off x="1943069" y="2251852"/>
+            <a:ext cx="1000132" cy="357190"/>
+          </a:xfrm>
+          <a:prstGeom prst="roundRect">
+            <a:avLst/>
+          </a:prstGeom>
+        </p:spPr>
+        <p:style>
+          <a:lnRef idx="2">
+            <a:schemeClr val="accent1">
+              <a:shade val="50000"/>
+            </a:schemeClr>
+          </a:lnRef>
+          <a:fillRef idx="1">
+            <a:schemeClr val="accent1"/>
+          </a:fillRef>
+          <a:effectRef idx="0">
+            <a:schemeClr val="accent1"/>
+          </a:effectRef>
+          <a:fontRef idx="minor">
+            <a:schemeClr val="lt1"/>
+          </a:fontRef>
+        </p:style>
+        <p:txBody>
+          <a:bodyPr rtlCol="0" anchor="ctr"/>
+          <a:lstStyle/>
+          <a:p>
+            <a:pPr algn="ctr"/>
+            <a:r>
+              <a:rPr lang="en-US" altLang="ko-KR" sz="1700" smtClean="0"/>
+              <a:t>stage2</a:t>
+            </a:r>
+            <a:endParaRPr lang="ko-KR" altLang="en-US" sz="1700"/>
+          </a:p>
+        </p:txBody>
+      </p:sp>
+      <p:pic>
+        <p:nvPicPr>
+          <p:cNvPr id="23" name="Picture 109" descr="Picture30"/>
+          <p:cNvPicPr>
+            <a:picLocks noChangeAspect="1" noChangeArrowheads="1"/>
+          </p:cNvPicPr>
+          <p:nvPr/>
+        </p:nvPicPr>
+        <p:blipFill>
+          <a:blip r:embed="rId3">
+            <a:extLst>
+              <a:ext uri="{28A0092B-C50C-407E-A947-70E740481C1C}">
+                <a14:useLocalDpi xmlns:a14="http://schemas.microsoft.com/office/drawing/2010/main" xmlns="" val="0"/>
+              </a:ext>
+            </a:extLst>
+          </a:blip>
+          <a:srcRect/>
+          <a:stretch>
+            <a:fillRect/>
+          </a:stretch>
+        </p:blipFill>
+        <p:spPr bwMode="auto">
+          <a:xfrm>
+            <a:off x="85684" y="1429973"/>
+            <a:ext cx="613435" cy="500066"/>
+          </a:xfrm>
+          <a:prstGeom prst="rect">
+            <a:avLst/>
+          </a:prstGeom>
+          <a:noFill/>
+          <a:extLst>
+            <a:ext uri="{909E8E84-426E-40DD-AFC4-6F175D3DCCD1}">
+              <a14:hiddenFill xmlns:a14="http://schemas.microsoft.com/office/drawing/2010/main" xmlns="">
+                <a:solidFill>
+                  <a:srgbClr val="FFFFFF"/>
+                </a:solidFill>
+              </a14:hiddenFill>
+            </a:ext>
+          </a:extLst>
+        </p:spPr>
+      </p:pic>
+      <p:pic>
+        <p:nvPicPr>
+          <p:cNvPr id="24" name="Picture 32" descr="Download Nexus Repository OSS | Sonatype"/>
+          <p:cNvPicPr>
+            <a:picLocks noChangeAspect="1" noChangeArrowheads="1"/>
+          </p:cNvPicPr>
+          <p:nvPr/>
+        </p:nvPicPr>
+        <p:blipFill>
+          <a:blip r:embed="rId4" cstate="print"/>
+          <a:srcRect/>
+          <a:stretch>
+            <a:fillRect/>
+          </a:stretch>
+        </p:blipFill>
+        <p:spPr bwMode="auto">
+          <a:xfrm>
+            <a:off x="157119" y="1180282"/>
+            <a:ext cx="428631" cy="397262"/>
+          </a:xfrm>
+          <a:prstGeom prst="rect">
+            <a:avLst/>
+          </a:prstGeom>
+          <a:noFill/>
+        </p:spPr>
+      </p:pic>
+      <p:sp>
+        <p:nvSpPr>
+          <p:cNvPr id="25" name="직사각형 24"/>
+          <p:cNvSpPr/>
+          <p:nvPr/>
+        </p:nvSpPr>
+        <p:spPr>
+          <a:xfrm>
+            <a:off x="14246" y="1572849"/>
+            <a:ext cx="714380" cy="299917"/>
+          </a:xfrm>
+          <a:prstGeom prst="rect">
+            <a:avLst/>
+          </a:prstGeom>
+          <a:noFill/>
+        </p:spPr>
+        <p:txBody>
+          <a:bodyPr wrap="square" lIns="68415" tIns="34208" rIns="68415" bIns="34208">
+            <a:spAutoFit/>
+          </a:bodyPr>
+          <a:lstStyle/>
+          <a:p>
+            <a:pPr algn="ctr"/>
+            <a:r>
+              <a:rPr lang="en-US" sz="1500" smtClean="0">
+                <a:latin typeface="LG Smart UI Regular" pitchFamily="50" charset="-127"/>
+                <a:ea typeface="LG Smart UI Regular" pitchFamily="50" charset="-127"/>
+              </a:rPr>
+              <a:t>nexus</a:t>
+            </a:r>
+            <a:endParaRPr lang="en-US" sz="1500">
+              <a:latin typeface="LG Smart UI Regular" pitchFamily="50" charset="-127"/>
+              <a:ea typeface="LG Smart UI Regular" pitchFamily="50" charset="-127"/>
+            </a:endParaRPr>
+          </a:p>
+        </p:txBody>
+      </p:sp>
+      <p:sp>
+        <p:nvSpPr>
+          <p:cNvPr id="26" name="직사각형 25"/>
+          <p:cNvSpPr/>
+          <p:nvPr/>
+        </p:nvSpPr>
+        <p:spPr>
+          <a:xfrm>
+            <a:off x="728623" y="3752050"/>
+            <a:ext cx="1571636" cy="530749"/>
+          </a:xfrm>
+          <a:prstGeom prst="rect">
+            <a:avLst/>
+          </a:prstGeom>
+          <a:solidFill>
+            <a:schemeClr val="bg1">
+              <a:lumMod val="85000"/>
+            </a:schemeClr>
+          </a:solidFill>
+          <a:effectLst>
+            <a:outerShdw blurRad="50800" dist="38100" dir="2700000" algn="tl" rotWithShape="0">
+              <a:prstClr val="black">
+                <a:alpha val="40000"/>
+              </a:prstClr>
+            </a:outerShdw>
+          </a:effectLst>
+        </p:spPr>
+        <p:txBody>
+          <a:bodyPr wrap="square" lIns="68415" tIns="34208" rIns="68415" bIns="34208">
+            <a:spAutoFit/>
+          </a:bodyPr>
+          <a:lstStyle/>
+          <a:p>
+            <a:pPr algn="ctr"/>
+            <a:r>
+              <a:rPr lang="en-US" sz="1500" smtClean="0">
+                <a:latin typeface="LG Smart UI Regular" pitchFamily="50" charset="-127"/>
+                <a:ea typeface="LG Smart UI Regular" pitchFamily="50" charset="-127"/>
+              </a:rPr>
+              <a:t>[</a:t>
+            </a:r>
+            <a:r>
+              <a:rPr lang="ko-KR" altLang="en-US" sz="1500" smtClean="0">
+                <a:latin typeface="LG Smart UI Regular" pitchFamily="50" charset="-127"/>
+                <a:ea typeface="LG Smart UI Regular" pitchFamily="50" charset="-127"/>
+              </a:rPr>
+              <a:t>로컬</a:t>
+            </a:r>
+            <a:r>
+              <a:rPr lang="en-US" altLang="ko-KR" sz="1500" smtClean="0">
+                <a:latin typeface="LG Smart UI Regular" pitchFamily="50" charset="-127"/>
+                <a:ea typeface="LG Smart UI Regular" pitchFamily="50" charset="-127"/>
+              </a:rPr>
+              <a:t>repository]</a:t>
+            </a:r>
+            <a:endParaRPr lang="en-US" sz="1500" smtClean="0">
+              <a:latin typeface="LG Smart UI Regular" pitchFamily="50" charset="-127"/>
+              <a:ea typeface="LG Smart UI Regular" pitchFamily="50" charset="-127"/>
+            </a:endParaRPr>
+          </a:p>
+          <a:p>
+            <a:pPr algn="ctr"/>
+            <a:r>
+              <a:rPr lang="en-US" sz="1500" smtClean="0">
+                <a:latin typeface="LG Smart UI Regular" pitchFamily="50" charset="-127"/>
+                <a:ea typeface="LG Smart UI Regular" pitchFamily="50" charset="-127"/>
+              </a:rPr>
+              <a:t>.m2/repository</a:t>
+            </a:r>
+            <a:endParaRPr lang="en-US" sz="1500">
+              <a:latin typeface="LG Smart UI Regular" pitchFamily="50" charset="-127"/>
+              <a:ea typeface="LG Smart UI Regular" pitchFamily="50" charset="-127"/>
+            </a:endParaRPr>
+          </a:p>
+        </p:txBody>
+      </p:sp>
+      <p:cxnSp>
+        <p:nvCxnSpPr>
+          <p:cNvPr id="27" name="Shape 26"/>
+          <p:cNvCxnSpPr>
+            <a:stCxn id="23" idx="2"/>
+            <a:endCxn id="26" idx="1"/>
+          </p:cNvCxnSpPr>
+          <p:nvPr/>
+        </p:nvCxnSpPr>
+        <p:spPr>
+          <a:xfrm rot="16200000" flipH="1">
+            <a:off x="-483181" y="2805621"/>
+            <a:ext cx="2087386" cy="336221"/>
+          </a:xfrm>
+          <a:prstGeom prst="bentConnector2">
+            <a:avLst/>
+          </a:prstGeom>
+          <a:ln>
+            <a:prstDash val="lgDash"/>
+            <a:headEnd type="arrow"/>
+            <a:tailEnd type="arrow"/>
+          </a:ln>
+        </p:spPr>
+        <p:style>
+          <a:lnRef idx="1">
+            <a:schemeClr val="accent1"/>
+          </a:lnRef>
+          <a:fillRef idx="0">
+            <a:schemeClr val="accent1"/>
+          </a:fillRef>
+          <a:effectRef idx="0">
+            <a:schemeClr val="accent1"/>
+          </a:effectRef>
+          <a:fontRef idx="minor">
+            <a:schemeClr val="tx1"/>
+          </a:fontRef>
+        </p:style>
+      </p:cxnSp>
+      <p:sp>
+        <p:nvSpPr>
+          <p:cNvPr id="28" name="직사각형 27"/>
+          <p:cNvSpPr/>
+          <p:nvPr/>
+        </p:nvSpPr>
+        <p:spPr>
+          <a:xfrm>
+            <a:off x="14243" y="2894794"/>
+            <a:ext cx="907621" cy="292388"/>
+          </a:xfrm>
+          <a:prstGeom prst="rect">
+            <a:avLst/>
+          </a:prstGeom>
+          <a:solidFill>
+            <a:schemeClr val="bg1"/>
+          </a:solidFill>
+        </p:spPr>
+        <p:txBody>
+          <a:bodyPr wrap="none">
+            <a:spAutoFit/>
+          </a:bodyPr>
+          <a:lstStyle/>
+          <a:p>
+            <a:pPr algn="ctr"/>
+            <a:r>
+              <a:rPr lang="ko-KR" altLang="en-US" sz="1300" smtClean="0">
+                <a:latin typeface="HY궁서B" pitchFamily="18" charset="-127"/>
+                <a:ea typeface="HY궁서B" pitchFamily="18" charset="-127"/>
+              </a:rPr>
+              <a:t>접속안됨</a:t>
+            </a:r>
+            <a:r>
+              <a:rPr lang="en-US" altLang="ko-KR" sz="1300" smtClean="0">
+                <a:latin typeface="HY궁서B" pitchFamily="18" charset="-127"/>
+                <a:ea typeface="HY궁서B" pitchFamily="18" charset="-127"/>
+              </a:rPr>
+              <a:t>.</a:t>
+            </a:r>
+          </a:p>
+        </p:txBody>
+      </p:sp>
+      <p:sp>
+        <p:nvSpPr>
+          <p:cNvPr id="29" name="직사각형 28"/>
+          <p:cNvSpPr/>
+          <p:nvPr/>
+        </p:nvSpPr>
+        <p:spPr>
+          <a:xfrm>
+            <a:off x="157119" y="2251852"/>
+            <a:ext cx="439544" cy="523220"/>
+          </a:xfrm>
+          <a:prstGeom prst="rect">
+            <a:avLst/>
+          </a:prstGeom>
+          <a:solidFill>
+            <a:schemeClr val="bg1"/>
+          </a:solidFill>
+        </p:spPr>
+        <p:txBody>
+          <a:bodyPr wrap="none">
+            <a:spAutoFit/>
+          </a:bodyPr>
+          <a:lstStyle/>
+          <a:p>
+            <a:r>
+              <a:rPr lang="en-US" altLang="ko-KR" sz="2800" smtClean="0">
+                <a:solidFill>
+                  <a:srgbClr val="FF0000"/>
+                </a:solidFill>
+                <a:latin typeface="HY궁서B" pitchFamily="18" charset="-127"/>
+                <a:ea typeface="HY궁서B" pitchFamily="18" charset="-127"/>
+              </a:rPr>
+              <a:t>X</a:t>
+            </a:r>
+            <a:endParaRPr lang="ko-KR" altLang="en-US">
+              <a:solidFill>
+                <a:srgbClr val="FF0000"/>
+              </a:solidFill>
+            </a:endParaRPr>
+          </a:p>
+        </p:txBody>
+      </p:sp>
+      <p:cxnSp>
+        <p:nvCxnSpPr>
+          <p:cNvPr id="30" name="Shape 29"/>
+          <p:cNvCxnSpPr>
+            <a:stCxn id="12" idx="1"/>
+            <a:endCxn id="26" idx="0"/>
+          </p:cNvCxnSpPr>
+          <p:nvPr/>
+        </p:nvCxnSpPr>
+        <p:spPr>
+          <a:xfrm rot="10800000" flipV="1">
+            <a:off x="1514441" y="2430446"/>
+            <a:ext cx="428628" cy="1321603"/>
+          </a:xfrm>
+          <a:prstGeom prst="bentConnector2">
+            <a:avLst/>
+          </a:prstGeom>
+          <a:ln>
+            <a:solidFill>
+              <a:srgbClr val="3C10F6"/>
+            </a:solidFill>
+            <a:prstDash val="solid"/>
+            <a:headEnd type="arrow"/>
+            <a:tailEnd type="none"/>
+          </a:ln>
+        </p:spPr>
+        <p:style>
+          <a:lnRef idx="1">
+            <a:schemeClr val="accent1"/>
+          </a:lnRef>
+          <a:fillRef idx="0">
+            <a:schemeClr val="accent1"/>
+          </a:fillRef>
+          <a:effectRef idx="0">
+            <a:schemeClr val="accent1"/>
+          </a:effectRef>
+          <a:fontRef idx="minor">
+            <a:schemeClr val="tx1"/>
+          </a:fontRef>
+        </p:style>
+      </p:cxnSp>
+      <p:sp>
+        <p:nvSpPr>
+          <p:cNvPr id="31" name="직사각형 30"/>
+          <p:cNvSpPr/>
+          <p:nvPr/>
+        </p:nvSpPr>
+        <p:spPr>
+          <a:xfrm>
+            <a:off x="1014375" y="2680480"/>
+            <a:ext cx="1643074" cy="430887"/>
+          </a:xfrm>
+          <a:prstGeom prst="rect">
+            <a:avLst/>
+          </a:prstGeom>
+          <a:solidFill>
+            <a:schemeClr val="bg1">
+              <a:lumMod val="95000"/>
+            </a:schemeClr>
+          </a:solidFill>
+        </p:spPr>
+        <p:txBody>
+          <a:bodyPr wrap="square">
+            <a:spAutoFit/>
+          </a:bodyPr>
+          <a:lstStyle/>
+          <a:p>
+            <a:pPr>
+              <a:buFont typeface="Arial" pitchFamily="34" charset="0"/>
+              <a:buChar char="•"/>
+            </a:pPr>
+            <a:r>
+              <a:rPr lang="ko-KR" altLang="en-US" sz="1100" smtClean="0">
+                <a:latin typeface="HY궁서B" pitchFamily="18" charset="-127"/>
+                <a:ea typeface="HY궁서B" pitchFamily="18" charset="-127"/>
+              </a:rPr>
+              <a:t> 다운로드</a:t>
+            </a:r>
+            <a:endParaRPr lang="en-US" altLang="ko-KR" sz="1100" smtClean="0">
+              <a:latin typeface="HY궁서B" pitchFamily="18" charset="-127"/>
+              <a:ea typeface="HY궁서B" pitchFamily="18" charset="-127"/>
+            </a:endParaRPr>
+          </a:p>
+          <a:p>
+            <a:r>
+              <a:rPr lang="ko-KR" altLang="en-US" sz="1100" smtClean="0">
+                <a:latin typeface="HY궁서B" pitchFamily="18" charset="-127"/>
+                <a:ea typeface="HY궁서B" pitchFamily="18" charset="-127"/>
+              </a:rPr>
+              <a:t> </a:t>
+            </a:r>
+            <a:r>
+              <a:rPr lang="en-US" altLang="ko-KR" sz="1100" smtClean="0">
+                <a:latin typeface="HY궁서B" pitchFamily="18" charset="-127"/>
+                <a:ea typeface="HY궁서B" pitchFamily="18" charset="-127"/>
+              </a:rPr>
+              <a:t>: </a:t>
+            </a:r>
+            <a:r>
+              <a:rPr lang="ko-KR" altLang="en-US" sz="1100" smtClean="0">
+                <a:latin typeface="HY궁서B" pitchFamily="18" charset="-127"/>
+                <a:ea typeface="HY궁서B" pitchFamily="18" charset="-127"/>
+              </a:rPr>
+              <a:t> </a:t>
+            </a:r>
+            <a:r>
+              <a:rPr lang="en-US" altLang="ko-KR" sz="1100" smtClean="0">
+                <a:latin typeface="HY궁서B" pitchFamily="18" charset="-127"/>
+                <a:ea typeface="HY궁서B" pitchFamily="18" charset="-127"/>
+              </a:rPr>
+              <a:t>lib, plugin</a:t>
+            </a:r>
+            <a:r>
+              <a:rPr lang="ko-KR" altLang="en-US" sz="1100" smtClean="0">
+                <a:latin typeface="HY궁서B" pitchFamily="18" charset="-127"/>
+                <a:ea typeface="HY궁서B" pitchFamily="18" charset="-127"/>
+              </a:rPr>
+              <a:t>파일</a:t>
+            </a:r>
+            <a:endParaRPr lang="en-US" altLang="ko-KR" sz="1100" smtClean="0">
+              <a:latin typeface="HY궁서B" pitchFamily="18" charset="-127"/>
+              <a:ea typeface="HY궁서B" pitchFamily="18" charset="-127"/>
+            </a:endParaRPr>
+          </a:p>
+        </p:txBody>
+      </p:sp>
+      <p:cxnSp>
+        <p:nvCxnSpPr>
+          <p:cNvPr id="35" name="Shape 34"/>
+          <p:cNvCxnSpPr>
+            <a:stCxn id="6" idx="3"/>
+            <a:endCxn id="33" idx="0"/>
+          </p:cNvCxnSpPr>
+          <p:nvPr/>
+        </p:nvCxnSpPr>
+        <p:spPr>
+          <a:xfrm>
+            <a:off x="5372093" y="2435975"/>
+            <a:ext cx="2464611" cy="1387608"/>
+          </a:xfrm>
+          <a:prstGeom prst="bentConnector2">
+            <a:avLst/>
+          </a:prstGeom>
+          <a:ln>
+            <a:solidFill>
+              <a:srgbClr val="3C10F6"/>
+            </a:solidFill>
+            <a:tailEnd type="arrow"/>
+          </a:ln>
+        </p:spPr>
+        <p:style>
+          <a:lnRef idx="1">
+            <a:schemeClr val="accent1"/>
+          </a:lnRef>
+          <a:fillRef idx="0">
+            <a:schemeClr val="accent1"/>
+          </a:fillRef>
+          <a:effectRef idx="0">
+            <a:schemeClr val="accent1"/>
+          </a:effectRef>
+          <a:fontRef idx="minor">
+            <a:schemeClr val="tx1"/>
+          </a:fontRef>
+        </p:style>
+      </p:cxnSp>
+      <p:sp>
+        <p:nvSpPr>
+          <p:cNvPr id="36" name="직사각형 35"/>
+          <p:cNvSpPr/>
+          <p:nvPr/>
+        </p:nvSpPr>
+        <p:spPr>
+          <a:xfrm>
+            <a:off x="6015035" y="2108976"/>
+            <a:ext cx="1714512" cy="430887"/>
+          </a:xfrm>
+          <a:prstGeom prst="rect">
+            <a:avLst/>
+          </a:prstGeom>
+          <a:solidFill>
+            <a:schemeClr val="bg1">
+              <a:lumMod val="95000"/>
+            </a:schemeClr>
+          </a:solidFill>
+        </p:spPr>
+        <p:txBody>
+          <a:bodyPr wrap="square">
+            <a:spAutoFit/>
+          </a:bodyPr>
+          <a:lstStyle/>
+          <a:p>
+            <a:r>
+              <a:rPr lang="en-US" altLang="ko-KR" sz="1100" smtClean="0">
+                <a:latin typeface="HY궁서B" pitchFamily="18" charset="-127"/>
+                <a:ea typeface="HY궁서B" pitchFamily="18" charset="-127"/>
+              </a:rPr>
+              <a:t>[worspace]/target </a:t>
+            </a:r>
+            <a:r>
+              <a:rPr lang="ko-KR" altLang="en-US" sz="1100" smtClean="0">
+                <a:latin typeface="HY궁서B" pitchFamily="18" charset="-127"/>
+                <a:ea typeface="HY궁서B" pitchFamily="18" charset="-127"/>
+              </a:rPr>
+              <a:t>파일동기화</a:t>
+            </a:r>
+            <a:endParaRPr lang="en-US" altLang="ko-KR" sz="1100" smtClean="0">
+              <a:latin typeface="HY궁서B" pitchFamily="18" charset="-127"/>
+              <a:ea typeface="HY궁서B" pitchFamily="18" charset="-127"/>
+            </a:endParaRPr>
+          </a:p>
+        </p:txBody>
+      </p:sp>
+      <p:sp>
+        <p:nvSpPr>
+          <p:cNvPr id="41" name="직사각형 40"/>
+          <p:cNvSpPr/>
+          <p:nvPr/>
+        </p:nvSpPr>
+        <p:spPr>
+          <a:xfrm>
+            <a:off x="3371829" y="2843355"/>
+            <a:ext cx="4357718" cy="299917"/>
+          </a:xfrm>
+          <a:prstGeom prst="rect">
+            <a:avLst/>
+          </a:prstGeom>
+          <a:solidFill>
+            <a:schemeClr val="bg1"/>
+          </a:solidFill>
+          <a:ln>
+            <a:noFill/>
+          </a:ln>
+          <a:effectLst>
+            <a:outerShdw blurRad="50800" dist="38100" dir="2700000" algn="tl" rotWithShape="0">
+              <a:prstClr val="black">
+                <a:alpha val="40000"/>
+              </a:prstClr>
+            </a:outerShdw>
+          </a:effectLst>
+        </p:spPr>
+        <p:txBody>
+          <a:bodyPr wrap="square" lIns="68415" tIns="34208" rIns="68415" bIns="34208">
+            <a:spAutoFit/>
+          </a:bodyPr>
+          <a:lstStyle/>
+          <a:p>
+            <a:r>
+              <a:rPr lang="en-US" sz="1500" smtClean="0">
+                <a:solidFill>
+                  <a:srgbClr val="FF00FF"/>
+                </a:solidFill>
+                <a:latin typeface="LG Smart UI Regular" pitchFamily="50" charset="-127"/>
+                <a:ea typeface="LG Smart UI Regular" pitchFamily="50" charset="-127"/>
+              </a:rPr>
+              <a:t>clean &gt; compile &gt; test &gt; war &gt; “</a:t>
+            </a:r>
+            <a:r>
+              <a:rPr lang="en-US" sz="1500" smtClean="0">
+                <a:solidFill>
+                  <a:srgbClr val="FF00FF"/>
+                </a:solidFill>
+                <a:latin typeface="LG Smart UI Regular" pitchFamily="50" charset="-127"/>
+                <a:ea typeface="LG Smart UI Regular" pitchFamily="50" charset="-127"/>
+              </a:rPr>
+              <a:t>ant </a:t>
+            </a:r>
+            <a:r>
+              <a:rPr lang="en-US" sz="1500" smtClean="0">
+                <a:solidFill>
+                  <a:srgbClr val="FF00FF"/>
+                </a:solidFill>
+                <a:latin typeface="LG Smart UI Regular" pitchFamily="50" charset="-127"/>
+                <a:ea typeface="LG Smart UI Regular" pitchFamily="50" charset="-127"/>
+              </a:rPr>
+              <a:t>plugin(</a:t>
+            </a:r>
+            <a:r>
+              <a:rPr lang="ko-KR" altLang="en-US" sz="1500" smtClean="0">
+                <a:solidFill>
+                  <a:srgbClr val="FF00FF"/>
+                </a:solidFill>
+                <a:latin typeface="LG Smart UI Regular" pitchFamily="50" charset="-127"/>
+                <a:ea typeface="LG Smart UI Regular" pitchFamily="50" charset="-127"/>
+              </a:rPr>
+              <a:t>배포</a:t>
+            </a:r>
+            <a:r>
+              <a:rPr lang="en-US" altLang="ko-KR" sz="1500" smtClean="0">
+                <a:solidFill>
+                  <a:srgbClr val="FF00FF"/>
+                </a:solidFill>
+                <a:latin typeface="LG Smart UI Regular" pitchFamily="50" charset="-127"/>
+                <a:ea typeface="LG Smart UI Regular" pitchFamily="50" charset="-127"/>
+              </a:rPr>
+              <a:t>)”</a:t>
+            </a:r>
+            <a:endParaRPr lang="en-US" sz="1500">
+              <a:solidFill>
+                <a:srgbClr val="FF00FF"/>
+              </a:solidFill>
+              <a:latin typeface="LG Smart UI Regular" pitchFamily="50" charset="-127"/>
+              <a:ea typeface="LG Smart UI Regular" pitchFamily="50" charset="-127"/>
+            </a:endParaRPr>
+          </a:p>
+        </p:txBody>
+      </p:sp>
+      <p:sp>
+        <p:nvSpPr>
+          <p:cNvPr id="33" name="직사각형 32"/>
+          <p:cNvSpPr/>
+          <p:nvPr/>
+        </p:nvSpPr>
+        <p:spPr>
+          <a:xfrm>
+            <a:off x="6372225" y="3823583"/>
+            <a:ext cx="2928958" cy="499971"/>
+          </a:xfrm>
+          <a:prstGeom prst="rect">
+            <a:avLst/>
+          </a:prstGeom>
+          <a:solidFill>
+            <a:schemeClr val="bg1">
+              <a:lumMod val="85000"/>
+            </a:schemeClr>
+          </a:solidFill>
+          <a:effectLst>
+            <a:outerShdw blurRad="50800" dist="38100" dir="2700000" algn="tl" rotWithShape="0">
+              <a:prstClr val="black">
+                <a:alpha val="40000"/>
+              </a:prstClr>
+            </a:outerShdw>
+          </a:effectLst>
+        </p:spPr>
+        <p:txBody>
+          <a:bodyPr wrap="square" lIns="68415" tIns="34208" rIns="68415" bIns="34208">
+            <a:spAutoFit/>
+          </a:bodyPr>
+          <a:lstStyle/>
+          <a:p>
+            <a:pPr algn="ctr"/>
+            <a:r>
+              <a:rPr lang="en-US" sz="1500" smtClean="0">
+                <a:latin typeface="LG Smart UI Regular" pitchFamily="50" charset="-127"/>
+                <a:ea typeface="LG Smart UI Regular" pitchFamily="50" charset="-127"/>
+              </a:rPr>
+              <a:t>[</a:t>
+            </a:r>
+            <a:r>
+              <a:rPr lang="ko-KR" altLang="en-US" sz="1500" smtClean="0">
+                <a:latin typeface="LG Smart UI Regular" pitchFamily="50" charset="-127"/>
+                <a:ea typeface="LG Smart UI Regular" pitchFamily="50" charset="-127"/>
+              </a:rPr>
+              <a:t>로컬</a:t>
+            </a:r>
+            <a:r>
+              <a:rPr lang="en-US" altLang="ko-KR" sz="1500" smtClean="0">
+                <a:latin typeface="LG Smart UI Regular" pitchFamily="50" charset="-127"/>
+                <a:ea typeface="LG Smart UI Regular" pitchFamily="50" charset="-127"/>
+              </a:rPr>
+              <a:t> </a:t>
+            </a:r>
+            <a:r>
+              <a:rPr lang="ko-KR" altLang="en-US" sz="1500" smtClean="0">
+                <a:latin typeface="LG Smart UI Regular" pitchFamily="50" charset="-127"/>
+                <a:ea typeface="LG Smart UI Regular" pitchFamily="50" charset="-127"/>
+              </a:rPr>
+              <a:t>디렉토리</a:t>
+            </a:r>
+            <a:r>
+              <a:rPr lang="en-US" altLang="ko-KR" sz="1500" smtClean="0">
+                <a:latin typeface="LG Smart UI Regular" pitchFamily="50" charset="-127"/>
+                <a:ea typeface="LG Smart UI Regular" pitchFamily="50" charset="-127"/>
+              </a:rPr>
+              <a:t>]</a:t>
+            </a:r>
+            <a:endParaRPr lang="en-US" sz="1500" smtClean="0">
+              <a:latin typeface="LG Smart UI Regular" pitchFamily="50" charset="-127"/>
+              <a:ea typeface="LG Smart UI Regular" pitchFamily="50" charset="-127"/>
+            </a:endParaRPr>
+          </a:p>
+          <a:p>
+            <a:pPr algn="ctr"/>
+            <a:r>
+              <a:rPr lang="en-US" sz="1300" smtClean="0">
+                <a:latin typeface="LG Smart UI Regular" pitchFamily="50" charset="-127"/>
+                <a:ea typeface="LG Smart UI Regular" pitchFamily="50" charset="-127"/>
+              </a:rPr>
+              <a:t>/</a:t>
+            </a:r>
+            <a:r>
+              <a:rPr lang="en-US" sz="1300" smtClean="0">
+                <a:latin typeface="LG Smart UI Regular" pitchFamily="50" charset="-127"/>
+                <a:ea typeface="LG Smart UI Regular" pitchFamily="50" charset="-127"/>
+              </a:rPr>
+              <a:t>sorc001/appadm/stage/gaai</a:t>
+            </a:r>
+            <a:endParaRPr lang="en-US" sz="1300">
+              <a:latin typeface="LG Smart UI Regular" pitchFamily="50" charset="-127"/>
+              <a:ea typeface="LG Smart UI Regular" pitchFamily="50" charset="-127"/>
+            </a:endParaRPr>
+          </a:p>
+        </p:txBody>
+      </p:sp>
+      <p:grpSp>
+        <p:nvGrpSpPr>
+          <p:cNvPr id="8" name="그룹 70"/>
+          <p:cNvGrpSpPr/>
+          <p:nvPr/>
+        </p:nvGrpSpPr>
+        <p:grpSpPr>
+          <a:xfrm>
+            <a:off x="8515365" y="323026"/>
+            <a:ext cx="4000528" cy="2231380"/>
+            <a:chOff x="8729679" y="3894926"/>
+            <a:chExt cx="3500462" cy="2231380"/>
+          </a:xfrm>
+        </p:grpSpPr>
+        <p:sp>
+          <p:nvSpPr>
+            <p:cNvPr id="72" name="직사각형 71"/>
+            <p:cNvSpPr/>
+            <p:nvPr/>
+          </p:nvSpPr>
+          <p:spPr>
+            <a:xfrm>
+              <a:off x="8729679" y="3894926"/>
+              <a:ext cx="3500462" cy="2231380"/>
+            </a:xfrm>
+            <a:prstGeom prst="rect">
+              <a:avLst/>
+            </a:prstGeom>
+            <a:solidFill>
+              <a:schemeClr val="bg1">
+                <a:lumMod val="95000"/>
+              </a:schemeClr>
+            </a:solidFill>
+            <a:effectLst>
+              <a:outerShdw blurRad="50800" dist="38100" dir="2700000" algn="tl" rotWithShape="0">
+                <a:prstClr val="black">
+                  <a:alpha val="40000"/>
+                </a:prstClr>
+              </a:outerShdw>
+            </a:effectLst>
+          </p:spPr>
+          <p:txBody>
+            <a:bodyPr wrap="square">
+              <a:spAutoFit/>
+            </a:bodyPr>
+            <a:lstStyle/>
+            <a:p>
+              <a:endParaRPr lang="en-US" sz="1000" smtClean="0">
+                <a:latin typeface="HY궁서B" pitchFamily="18" charset="-127"/>
+                <a:ea typeface="HY궁서B" pitchFamily="18" charset="-127"/>
+              </a:endParaRPr>
+            </a:p>
+            <a:p>
+              <a:endParaRPr lang="en-US" sz="1000" smtClean="0">
+                <a:latin typeface="HY궁서B" pitchFamily="18" charset="-127"/>
+                <a:ea typeface="HY궁서B" pitchFamily="18" charset="-127"/>
+              </a:endParaRPr>
+            </a:p>
+            <a:p>
+              <a:endParaRPr lang="en-US" sz="1000" smtClean="0">
+                <a:latin typeface="HY궁서B" pitchFamily="18" charset="-127"/>
+                <a:ea typeface="HY궁서B" pitchFamily="18" charset="-127"/>
+              </a:endParaRPr>
+            </a:p>
+            <a:p>
+              <a:pPr>
+                <a:buFont typeface="Arial" pitchFamily="34" charset="0"/>
+                <a:buChar char="•"/>
+              </a:pPr>
+              <a:r>
+                <a:rPr lang="en-US" altLang="ko-KR" sz="1300" smtClean="0">
+                  <a:latin typeface="HY궁서B" pitchFamily="18" charset="-127"/>
+                  <a:ea typeface="HY궁서B" pitchFamily="18" charset="-127"/>
+                  <a:cs typeface="맑은 고딕 Semilight" pitchFamily="50" charset="-127"/>
+                </a:rPr>
+                <a:t> branch</a:t>
+              </a:r>
+            </a:p>
+            <a:p>
+              <a:pPr>
+                <a:buFont typeface="Arial" pitchFamily="34" charset="0"/>
+                <a:buChar char="•"/>
+              </a:pPr>
+              <a:r>
+                <a:rPr lang="en-US" altLang="ko-KR" sz="1300" smtClean="0">
+                  <a:latin typeface="HY궁서B" pitchFamily="18" charset="-127"/>
+                  <a:ea typeface="HY궁서B" pitchFamily="18" charset="-127"/>
+                  <a:cs typeface="맑은 고딕 Semilight" pitchFamily="50" charset="-127"/>
+                </a:rPr>
+                <a:t> tag</a:t>
+              </a:r>
+            </a:p>
+            <a:p>
+              <a:pPr>
+                <a:buFont typeface="Arial" pitchFamily="34" charset="0"/>
+                <a:buChar char="•"/>
+              </a:pPr>
+              <a:r>
+                <a:rPr lang="en-US" altLang="ko-KR" sz="1300" u="sng" smtClean="0">
+                  <a:latin typeface="HY궁서B" pitchFamily="18" charset="-127"/>
+                  <a:ea typeface="HY궁서B" pitchFamily="18" charset="-127"/>
+                  <a:cs typeface="맑은 고딕 Semilight" pitchFamily="50" charset="-127"/>
+                </a:rPr>
+                <a:t> trunk</a:t>
+              </a:r>
+            </a:p>
+            <a:p>
+              <a:r>
+                <a:rPr lang="en-US" sz="1000" smtClean="0">
+                  <a:solidFill>
+                    <a:schemeClr val="tx1">
+                      <a:lumMod val="50000"/>
+                      <a:lumOff val="50000"/>
+                    </a:schemeClr>
+                  </a:solidFill>
+                  <a:latin typeface="HY궁서B" pitchFamily="18" charset="-127"/>
+                  <a:ea typeface="HY궁서B" pitchFamily="18" charset="-127"/>
+                </a:rPr>
+                <a:t>    │</a:t>
+              </a:r>
+            </a:p>
+            <a:p>
+              <a:r>
+                <a:rPr lang="en-US" altLang="ko-KR" sz="1000" smtClean="0">
+                  <a:solidFill>
+                    <a:schemeClr val="tx1">
+                      <a:lumMod val="50000"/>
+                      <a:lumOff val="50000"/>
+                    </a:schemeClr>
+                  </a:solidFill>
+                  <a:latin typeface="HY궁서B" pitchFamily="18" charset="-127"/>
+                  <a:ea typeface="HY궁서B" pitchFamily="18" charset="-127"/>
+                </a:rPr>
+                <a:t> </a:t>
+              </a:r>
+              <a:r>
+                <a:rPr lang="en-US" altLang="ko-KR" sz="1000" smtClean="0">
+                  <a:solidFill>
+                    <a:schemeClr val="tx1">
+                      <a:lumMod val="50000"/>
+                      <a:lumOff val="50000"/>
+                    </a:schemeClr>
+                  </a:solidFill>
+                  <a:latin typeface="HY궁서B" pitchFamily="18" charset="-127"/>
+                  <a:ea typeface="HY궁서B" pitchFamily="18" charset="-127"/>
+                </a:rPr>
+                <a:t>  GAAI/</a:t>
+              </a:r>
+            </a:p>
+            <a:p>
+              <a:r>
+                <a:rPr lang="en-US" sz="1000" smtClean="0">
+                  <a:solidFill>
+                    <a:schemeClr val="tx1">
+                      <a:lumMod val="50000"/>
+                      <a:lumOff val="50000"/>
+                    </a:schemeClr>
+                  </a:solidFill>
+                  <a:latin typeface="HY궁서B" pitchFamily="18" charset="-127"/>
+                  <a:ea typeface="HY궁서B" pitchFamily="18" charset="-127"/>
+                </a:rPr>
+                <a:t> </a:t>
+              </a:r>
+              <a:r>
+                <a:rPr lang="en-US" sz="1000" smtClean="0">
+                  <a:solidFill>
+                    <a:schemeClr val="tx1">
+                      <a:lumMod val="50000"/>
+                      <a:lumOff val="50000"/>
+                    </a:schemeClr>
+                  </a:solidFill>
+                  <a:latin typeface="HY궁서B" pitchFamily="18" charset="-127"/>
+                  <a:ea typeface="HY궁서B" pitchFamily="18" charset="-127"/>
+                </a:rPr>
+                <a:t>      │</a:t>
+              </a:r>
+              <a:endParaRPr lang="ko-KR" altLang="en-US" sz="1000" smtClean="0">
+                <a:solidFill>
+                  <a:schemeClr val="tx1">
+                    <a:lumMod val="50000"/>
+                    <a:lumOff val="50000"/>
+                  </a:schemeClr>
+                </a:solidFill>
+                <a:latin typeface="HY궁서B" pitchFamily="18" charset="-127"/>
+                <a:ea typeface="HY궁서B" pitchFamily="18" charset="-127"/>
+              </a:endParaRPr>
+            </a:p>
+            <a:p>
+              <a:r>
+                <a:rPr lang="ko-KR" altLang="en-US" sz="1000" smtClean="0">
+                  <a:solidFill>
+                    <a:schemeClr val="tx1">
+                      <a:lumMod val="50000"/>
+                      <a:lumOff val="50000"/>
+                    </a:schemeClr>
+                  </a:solidFill>
+                  <a:latin typeface="HY궁서B" pitchFamily="18" charset="-127"/>
+                  <a:ea typeface="HY궁서B" pitchFamily="18" charset="-127"/>
+                </a:rPr>
+                <a:t>       ├── </a:t>
+              </a:r>
+              <a:r>
+                <a:rPr lang="en-US" altLang="ko-KR" sz="1000" smtClean="0">
+                  <a:solidFill>
+                    <a:schemeClr val="tx1">
+                      <a:lumMod val="50000"/>
+                      <a:lumOff val="50000"/>
+                    </a:schemeClr>
+                  </a:solidFill>
+                  <a:latin typeface="HY궁서B" pitchFamily="18" charset="-127"/>
+                  <a:ea typeface="HY궁서B" pitchFamily="18" charset="-127"/>
+                </a:rPr>
+                <a:t>pom_dev.xml</a:t>
+              </a:r>
+              <a:r>
+                <a:rPr lang="ko-KR" altLang="en-US" sz="1000" smtClean="0">
+                  <a:solidFill>
+                    <a:schemeClr val="tx1">
+                      <a:lumMod val="50000"/>
+                      <a:lumOff val="50000"/>
+                    </a:schemeClr>
+                  </a:solidFill>
+                  <a:latin typeface="HY궁서B" pitchFamily="18" charset="-127"/>
+                  <a:ea typeface="HY궁서B" pitchFamily="18" charset="-127"/>
+                </a:rPr>
+                <a:t> </a:t>
+              </a:r>
+              <a:r>
+                <a:rPr lang="ko-KR" altLang="en-US" sz="1000" smtClean="0">
+                  <a:solidFill>
+                    <a:schemeClr val="tx1">
+                      <a:lumMod val="50000"/>
+                      <a:lumOff val="50000"/>
+                    </a:schemeClr>
+                  </a:solidFill>
+                  <a:latin typeface="HY궁서B" pitchFamily="18" charset="-127"/>
+                  <a:ea typeface="HY궁서B" pitchFamily="18" charset="-127"/>
+                </a:rPr>
+                <a:t>   </a:t>
+              </a:r>
+              <a:r>
+                <a:rPr lang="en-US" altLang="ko-KR" sz="1000" smtClean="0">
+                  <a:solidFill>
+                    <a:schemeClr val="tx1">
+                      <a:lumMod val="50000"/>
+                      <a:lumOff val="50000"/>
+                    </a:schemeClr>
+                  </a:solidFill>
+                  <a:latin typeface="HY궁서B" pitchFamily="18" charset="-127"/>
+                  <a:ea typeface="HY궁서B" pitchFamily="18" charset="-127"/>
+                </a:rPr>
+                <a:t>("maven </a:t>
+              </a:r>
+              <a:r>
+                <a:rPr lang="ko-KR" altLang="en-US" sz="1000" smtClean="0">
+                  <a:solidFill>
+                    <a:schemeClr val="tx1">
+                      <a:lumMod val="50000"/>
+                      <a:lumOff val="50000"/>
+                    </a:schemeClr>
+                  </a:solidFill>
+                  <a:latin typeface="HY궁서B" pitchFamily="18" charset="-127"/>
+                  <a:ea typeface="HY궁서B" pitchFamily="18" charset="-127"/>
+                </a:rPr>
+                <a:t>빌드파일</a:t>
+              </a:r>
+              <a:r>
+                <a:rPr lang="en-US" altLang="ko-KR" sz="1000" smtClean="0">
+                  <a:solidFill>
+                    <a:schemeClr val="tx1">
+                      <a:lumMod val="50000"/>
+                      <a:lumOff val="50000"/>
+                    </a:schemeClr>
+                  </a:solidFill>
+                  <a:latin typeface="HY궁서B" pitchFamily="18" charset="-127"/>
+                  <a:ea typeface="HY궁서B" pitchFamily="18" charset="-127"/>
+                </a:rPr>
+                <a:t>")</a:t>
+              </a:r>
+            </a:p>
+            <a:p>
+              <a:r>
+                <a:rPr lang="ko-KR" altLang="en-US" sz="1000" smtClean="0">
+                  <a:solidFill>
+                    <a:schemeClr val="tx1">
+                      <a:lumMod val="50000"/>
+                      <a:lumOff val="50000"/>
+                    </a:schemeClr>
+                  </a:solidFill>
+                  <a:latin typeface="HY궁서B" pitchFamily="18" charset="-127"/>
+                  <a:ea typeface="HY궁서B" pitchFamily="18" charset="-127"/>
+                </a:rPr>
+                <a:t>       ├── </a:t>
+              </a:r>
+              <a:r>
+                <a:rPr lang="en-US" altLang="ko-KR" sz="1000" smtClean="0">
+                  <a:solidFill>
+                    <a:schemeClr val="tx1">
+                      <a:lumMod val="50000"/>
+                      <a:lumOff val="50000"/>
+                    </a:schemeClr>
+                  </a:solidFill>
+                  <a:latin typeface="HY궁서B" pitchFamily="18" charset="-127"/>
+                  <a:ea typeface="HY궁서B" pitchFamily="18" charset="-127"/>
+                </a:rPr>
+                <a:t>build_dev.xml </a:t>
+              </a:r>
+              <a:r>
+                <a:rPr lang="en-US" sz="1000" smtClean="0">
+                  <a:solidFill>
+                    <a:schemeClr val="tx1">
+                      <a:lumMod val="50000"/>
+                      <a:lumOff val="50000"/>
+                    </a:schemeClr>
+                  </a:solidFill>
+                  <a:latin typeface="HY궁서B" pitchFamily="18" charset="-127"/>
+                  <a:ea typeface="HY궁서B" pitchFamily="18" charset="-127"/>
+                </a:rPr>
+                <a:t>(“ant </a:t>
+              </a:r>
+              <a:r>
+                <a:rPr lang="ko-KR" altLang="en-US" sz="1000" smtClean="0">
+                  <a:solidFill>
+                    <a:schemeClr val="tx1">
+                      <a:lumMod val="50000"/>
+                      <a:lumOff val="50000"/>
+                    </a:schemeClr>
+                  </a:solidFill>
+                  <a:latin typeface="HY궁서B" pitchFamily="18" charset="-127"/>
+                  <a:ea typeface="HY궁서B" pitchFamily="18" charset="-127"/>
+                </a:rPr>
+                <a:t>빌드파일</a:t>
+              </a:r>
+              <a:r>
+                <a:rPr lang="en-US" altLang="ko-KR" sz="1000" smtClean="0">
+                  <a:solidFill>
+                    <a:schemeClr val="tx1">
+                      <a:lumMod val="50000"/>
+                      <a:lumOff val="50000"/>
+                    </a:schemeClr>
+                  </a:solidFill>
+                  <a:latin typeface="HY궁서B" pitchFamily="18" charset="-127"/>
+                  <a:ea typeface="HY궁서B" pitchFamily="18" charset="-127"/>
+                </a:rPr>
+                <a:t>")</a:t>
+              </a:r>
+              <a:endParaRPr lang="en-US" altLang="ko-KR" sz="1000" smtClean="0">
+                <a:solidFill>
+                  <a:schemeClr val="tx1">
+                    <a:lumMod val="50000"/>
+                    <a:lumOff val="50000"/>
+                  </a:schemeClr>
+                </a:solidFill>
+                <a:latin typeface="HY궁서B" pitchFamily="18" charset="-127"/>
+                <a:ea typeface="HY궁서B" pitchFamily="18" charset="-127"/>
+              </a:endParaRPr>
+            </a:p>
+            <a:p>
+              <a:r>
+                <a:rPr lang="en-US" sz="1000" smtClean="0">
+                  <a:solidFill>
+                    <a:schemeClr val="tx1">
+                      <a:lumMod val="50000"/>
+                      <a:lumOff val="50000"/>
+                    </a:schemeClr>
+                  </a:solidFill>
+                  <a:latin typeface="HY궁서B" pitchFamily="18" charset="-127"/>
+                  <a:ea typeface="HY궁서B" pitchFamily="18" charset="-127"/>
+                </a:rPr>
+                <a:t>       │</a:t>
+              </a:r>
+            </a:p>
+            <a:p>
+              <a:r>
+                <a:rPr lang="en-US" sz="1000" smtClean="0">
+                  <a:solidFill>
+                    <a:schemeClr val="tx1">
+                      <a:lumMod val="50000"/>
+                      <a:lumOff val="50000"/>
+                    </a:schemeClr>
+                  </a:solidFill>
+                  <a:latin typeface="HY궁서B" pitchFamily="18" charset="-127"/>
+                  <a:ea typeface="HY궁서B" pitchFamily="18" charset="-127"/>
+                </a:rPr>
+                <a:t>       └── </a:t>
+              </a:r>
+              <a:r>
+                <a:rPr lang="ko-KR" altLang="en-US" sz="1000" smtClean="0">
+                  <a:solidFill>
+                    <a:schemeClr val="tx1">
+                      <a:lumMod val="50000"/>
+                      <a:lumOff val="50000"/>
+                    </a:schemeClr>
+                  </a:solidFill>
+                  <a:latin typeface="HY궁서B" pitchFamily="18" charset="-127"/>
+                  <a:ea typeface="HY궁서B" pitchFamily="18" charset="-127"/>
+                </a:rPr>
+                <a:t>소스파일</a:t>
+              </a:r>
+              <a:r>
+                <a:rPr lang="en-US" altLang="ko-KR" sz="1000" smtClean="0">
+                  <a:solidFill>
+                    <a:schemeClr val="tx1">
+                      <a:lumMod val="50000"/>
+                      <a:lumOff val="50000"/>
+                    </a:schemeClr>
+                  </a:solidFill>
+                  <a:latin typeface="HY궁서B" pitchFamily="18" charset="-127"/>
+                  <a:ea typeface="HY궁서B" pitchFamily="18" charset="-127"/>
+                </a:rPr>
+                <a:t>……</a:t>
+              </a:r>
+              <a:endParaRPr lang="ko-KR" altLang="en-US" sz="1000" smtClean="0">
+                <a:solidFill>
+                  <a:schemeClr val="tx1">
+                    <a:lumMod val="50000"/>
+                    <a:lumOff val="50000"/>
+                  </a:schemeClr>
+                </a:solidFill>
+                <a:latin typeface="HY궁서B" pitchFamily="18" charset="-127"/>
+                <a:ea typeface="HY궁서B" pitchFamily="18" charset="-127"/>
+              </a:endParaRPr>
+            </a:p>
+          </p:txBody>
+        </p:sp>
+        <p:pic>
+          <p:nvPicPr>
+            <p:cNvPr id="73" name="Picture 18" descr="Subversion&quot; Icon - Download for free – Iconduck"/>
+            <p:cNvPicPr>
+              <a:picLocks noChangeAspect="1" noChangeArrowheads="1"/>
+            </p:cNvPicPr>
+            <p:nvPr/>
+          </p:nvPicPr>
+          <p:blipFill>
+            <a:blip r:embed="rId5" cstate="print"/>
+            <a:srcRect/>
+            <a:stretch>
+              <a:fillRect/>
+            </a:stretch>
+          </p:blipFill>
+          <p:spPr bwMode="auto">
+            <a:xfrm>
+              <a:off x="8729679" y="3894926"/>
+              <a:ext cx="369177" cy="355010"/>
+            </a:xfrm>
+            <a:prstGeom prst="rect">
+              <a:avLst/>
+            </a:prstGeom>
+            <a:noFill/>
+          </p:spPr>
+        </p:pic>
+        <p:sp>
+          <p:nvSpPr>
+            <p:cNvPr id="74" name="직사각형 73"/>
+            <p:cNvSpPr/>
+            <p:nvPr/>
+          </p:nvSpPr>
+          <p:spPr>
+            <a:xfrm>
+              <a:off x="9086869" y="3894926"/>
+              <a:ext cx="1226618" cy="323165"/>
+            </a:xfrm>
+            <a:prstGeom prst="rect">
+              <a:avLst/>
+            </a:prstGeom>
+          </p:spPr>
+          <p:txBody>
+            <a:bodyPr wrap="none">
+              <a:spAutoFit/>
+            </a:bodyPr>
+            <a:lstStyle/>
+            <a:p>
+              <a:pPr algn="ctr"/>
+              <a:r>
+                <a:rPr lang="en-US" altLang="ko-KR" sz="1500" b="1" smtClean="0">
+                  <a:latin typeface="LG Smart UI Regular" pitchFamily="50" charset="-127"/>
+                  <a:ea typeface="LG Smart UI Regular" pitchFamily="50" charset="-127"/>
+                  <a:cs typeface="맑은 고딕 Semilight" pitchFamily="50" charset="-127"/>
+                </a:rPr>
+                <a:t>svn(</a:t>
+              </a:r>
+              <a:r>
+                <a:rPr lang="ko-KR" altLang="en-US" sz="1500" b="1" smtClean="0">
+                  <a:latin typeface="LG Smart UI Regular" pitchFamily="50" charset="-127"/>
+                  <a:ea typeface="LG Smart UI Regular" pitchFamily="50" charset="-127"/>
+                  <a:cs typeface="맑은 고딕 Semilight" pitchFamily="50" charset="-127"/>
+                </a:rPr>
+                <a:t>형상관리</a:t>
+              </a:r>
+              <a:r>
+                <a:rPr lang="en-US" altLang="ko-KR" sz="1500" b="1" smtClean="0">
+                  <a:latin typeface="LG Smart UI Regular" pitchFamily="50" charset="-127"/>
+                  <a:ea typeface="LG Smart UI Regular" pitchFamily="50" charset="-127"/>
+                  <a:cs typeface="맑은 고딕 Semilight" pitchFamily="50" charset="-127"/>
+                </a:rPr>
+                <a:t>)</a:t>
+              </a:r>
+              <a:endParaRPr lang="ko-KR" altLang="en-US" sz="1500" b="1">
+                <a:latin typeface="LG Smart UI Regular" pitchFamily="50" charset="-127"/>
+                <a:ea typeface="LG Smart UI Regular" pitchFamily="50" charset="-127"/>
+                <a:cs typeface="맑은 고딕 Semilight" pitchFamily="50" charset="-127"/>
+              </a:endParaRPr>
+            </a:p>
+          </p:txBody>
+        </p:sp>
+      </p:grpSp>
+      <p:sp>
+        <p:nvSpPr>
+          <p:cNvPr id="79" name="직사각형 78"/>
+          <p:cNvSpPr/>
+          <p:nvPr/>
+        </p:nvSpPr>
+        <p:spPr>
+          <a:xfrm>
+            <a:off x="9301183" y="818574"/>
+            <a:ext cx="3429024" cy="1015663"/>
+          </a:xfrm>
+          <a:prstGeom prst="rect">
+            <a:avLst/>
+          </a:prstGeom>
+        </p:spPr>
+        <p:txBody>
+          <a:bodyPr wrap="square">
+            <a:spAutoFit/>
+          </a:bodyPr>
+          <a:lstStyle/>
+          <a:p>
+            <a:pPr lvl="0"/>
+            <a:r>
+              <a:rPr lang="en-US" altLang="ko-KR" sz="1000" smtClean="0">
+                <a:solidFill>
+                  <a:srgbClr val="7030A0"/>
+                </a:solidFill>
+                <a:latin typeface="HY궁서B" pitchFamily="18" charset="-127"/>
+                <a:ea typeface="HY궁서B" pitchFamily="18" charset="-127"/>
+              </a:rPr>
+              <a:t>--GAAI/</a:t>
+            </a:r>
+          </a:p>
+          <a:p>
+            <a:pPr lvl="0"/>
+            <a:r>
+              <a:rPr lang="en-US" altLang="ko-KR" sz="1000" smtClean="0">
+                <a:solidFill>
+                  <a:srgbClr val="7030A0"/>
+                </a:solidFill>
+                <a:latin typeface="HY궁서B" pitchFamily="18" charset="-127"/>
+                <a:ea typeface="HY궁서B" pitchFamily="18" charset="-127"/>
+              </a:rPr>
+              <a:t>       </a:t>
+            </a:r>
+            <a:r>
+              <a:rPr lang="en-US" sz="1000" smtClean="0">
+                <a:solidFill>
+                  <a:srgbClr val="7030A0"/>
+                </a:solidFill>
+                <a:latin typeface="HY궁서B" pitchFamily="18" charset="-127"/>
+                <a:ea typeface="HY궁서B" pitchFamily="18" charset="-127"/>
+              </a:rPr>
+              <a:t>│</a:t>
+            </a:r>
+            <a:endParaRPr lang="ko-KR" altLang="en-US" sz="1000" smtClean="0">
+              <a:solidFill>
+                <a:srgbClr val="7030A0"/>
+              </a:solidFill>
+              <a:latin typeface="HY궁서B" pitchFamily="18" charset="-127"/>
+              <a:ea typeface="HY궁서B" pitchFamily="18" charset="-127"/>
+            </a:endParaRPr>
+          </a:p>
+          <a:p>
+            <a:pPr lvl="0"/>
+            <a:r>
+              <a:rPr lang="ko-KR" altLang="en-US" sz="1000" smtClean="0">
+                <a:solidFill>
+                  <a:srgbClr val="7030A0"/>
+                </a:solidFill>
+                <a:latin typeface="HY궁서B" pitchFamily="18" charset="-127"/>
+                <a:ea typeface="HY궁서B" pitchFamily="18" charset="-127"/>
+              </a:rPr>
+              <a:t>       ├── </a:t>
+            </a:r>
+            <a:r>
+              <a:rPr lang="en-US" altLang="ko-KR" sz="1000" smtClean="0">
+                <a:solidFill>
+                  <a:srgbClr val="7030A0"/>
+                </a:solidFill>
+                <a:latin typeface="HY궁서B" pitchFamily="18" charset="-127"/>
+                <a:ea typeface="HY궁서B" pitchFamily="18" charset="-127"/>
+              </a:rPr>
+              <a:t>pom_dev.xml</a:t>
+            </a:r>
+            <a:r>
+              <a:rPr lang="ko-KR" altLang="en-US" sz="1000" smtClean="0">
+                <a:solidFill>
+                  <a:srgbClr val="7030A0"/>
+                </a:solidFill>
+                <a:latin typeface="HY궁서B" pitchFamily="18" charset="-127"/>
+                <a:ea typeface="HY궁서B" pitchFamily="18" charset="-127"/>
+              </a:rPr>
+              <a:t>    </a:t>
+            </a:r>
+            <a:r>
+              <a:rPr lang="en-US" altLang="ko-KR" sz="1000" smtClean="0">
+                <a:solidFill>
+                  <a:srgbClr val="7030A0"/>
+                </a:solidFill>
+                <a:latin typeface="HY궁서B" pitchFamily="18" charset="-127"/>
+                <a:ea typeface="HY궁서B" pitchFamily="18" charset="-127"/>
+              </a:rPr>
+              <a:t>("maven </a:t>
+            </a:r>
+            <a:r>
+              <a:rPr lang="ko-KR" altLang="en-US" sz="1000" smtClean="0">
+                <a:solidFill>
+                  <a:srgbClr val="7030A0"/>
+                </a:solidFill>
+                <a:latin typeface="HY궁서B" pitchFamily="18" charset="-127"/>
+                <a:ea typeface="HY궁서B" pitchFamily="18" charset="-127"/>
+              </a:rPr>
+              <a:t>빌드파일</a:t>
+            </a:r>
+            <a:r>
+              <a:rPr lang="en-US" altLang="ko-KR" sz="1000" smtClean="0">
+                <a:solidFill>
+                  <a:srgbClr val="7030A0"/>
+                </a:solidFill>
+                <a:latin typeface="HY궁서B" pitchFamily="18" charset="-127"/>
+                <a:ea typeface="HY궁서B" pitchFamily="18" charset="-127"/>
+              </a:rPr>
+              <a:t>")</a:t>
+            </a:r>
+          </a:p>
+          <a:p>
+            <a:pPr lvl="0"/>
+            <a:r>
+              <a:rPr lang="ko-KR" altLang="en-US" sz="1000" smtClean="0">
+                <a:solidFill>
+                  <a:srgbClr val="7030A0"/>
+                </a:solidFill>
+                <a:latin typeface="HY궁서B" pitchFamily="18" charset="-127"/>
+                <a:ea typeface="HY궁서B" pitchFamily="18" charset="-127"/>
+              </a:rPr>
+              <a:t>       ├── </a:t>
+            </a:r>
+            <a:r>
+              <a:rPr lang="en-US" altLang="ko-KR" sz="1000" smtClean="0">
+                <a:solidFill>
+                  <a:srgbClr val="7030A0"/>
+                </a:solidFill>
+                <a:latin typeface="HY궁서B" pitchFamily="18" charset="-127"/>
+                <a:ea typeface="HY궁서B" pitchFamily="18" charset="-127"/>
+              </a:rPr>
+              <a:t>build_dev.xml </a:t>
+            </a:r>
+            <a:r>
+              <a:rPr lang="en-US" sz="1000" smtClean="0">
+                <a:solidFill>
+                  <a:srgbClr val="7030A0"/>
+                </a:solidFill>
+                <a:latin typeface="HY궁서B" pitchFamily="18" charset="-127"/>
+                <a:ea typeface="HY궁서B" pitchFamily="18" charset="-127"/>
+              </a:rPr>
+              <a:t>(“ant </a:t>
+            </a:r>
+            <a:r>
+              <a:rPr lang="ko-KR" altLang="en-US" sz="1000" smtClean="0">
+                <a:solidFill>
+                  <a:srgbClr val="7030A0"/>
+                </a:solidFill>
+                <a:latin typeface="HY궁서B" pitchFamily="18" charset="-127"/>
+                <a:ea typeface="HY궁서B" pitchFamily="18" charset="-127"/>
+              </a:rPr>
+              <a:t>빌드파일</a:t>
+            </a:r>
+            <a:r>
+              <a:rPr lang="en-US" altLang="ko-KR" sz="1000" smtClean="0">
+                <a:solidFill>
+                  <a:srgbClr val="7030A0"/>
+                </a:solidFill>
+                <a:latin typeface="HY궁서B" pitchFamily="18" charset="-127"/>
+                <a:ea typeface="HY궁서B" pitchFamily="18" charset="-127"/>
+              </a:rPr>
+              <a:t>")</a:t>
+            </a:r>
+          </a:p>
+          <a:p>
+            <a:pPr lvl="0"/>
+            <a:r>
+              <a:rPr lang="en-US" sz="1000" smtClean="0">
+                <a:solidFill>
+                  <a:srgbClr val="7030A0"/>
+                </a:solidFill>
+                <a:latin typeface="HY궁서B" pitchFamily="18" charset="-127"/>
+                <a:ea typeface="HY궁서B" pitchFamily="18" charset="-127"/>
+              </a:rPr>
+              <a:t>       │</a:t>
+            </a:r>
+          </a:p>
+          <a:p>
+            <a:pPr lvl="0"/>
+            <a:r>
+              <a:rPr lang="en-US" sz="1000" smtClean="0">
+                <a:solidFill>
+                  <a:srgbClr val="7030A0"/>
+                </a:solidFill>
+                <a:latin typeface="HY궁서B" pitchFamily="18" charset="-127"/>
+                <a:ea typeface="HY궁서B" pitchFamily="18" charset="-127"/>
+              </a:rPr>
+              <a:t>       └── </a:t>
+            </a:r>
+            <a:r>
+              <a:rPr lang="ko-KR" altLang="en-US" sz="1000" smtClean="0">
+                <a:solidFill>
+                  <a:srgbClr val="7030A0"/>
+                </a:solidFill>
+                <a:latin typeface="HY궁서B" pitchFamily="18" charset="-127"/>
+                <a:ea typeface="HY궁서B" pitchFamily="18" charset="-127"/>
+              </a:rPr>
+              <a:t>소스파일</a:t>
+            </a:r>
+            <a:r>
+              <a:rPr lang="en-US" altLang="ko-KR" sz="1000" smtClean="0">
+                <a:solidFill>
+                  <a:srgbClr val="7030A0"/>
+                </a:solidFill>
+                <a:latin typeface="HY궁서B" pitchFamily="18" charset="-127"/>
+                <a:ea typeface="HY궁서B" pitchFamily="18" charset="-127"/>
+              </a:rPr>
+              <a:t>……</a:t>
+            </a:r>
+            <a:endParaRPr lang="ko-KR" altLang="en-US" sz="1000" smtClean="0">
+              <a:solidFill>
+                <a:srgbClr val="7030A0"/>
+              </a:solidFill>
+              <a:latin typeface="HY궁서B" pitchFamily="18" charset="-127"/>
+              <a:ea typeface="HY궁서B" pitchFamily="18" charset="-127"/>
+            </a:endParaRPr>
+          </a:p>
+        </p:txBody>
+      </p:sp>
+      <p:cxnSp>
+        <p:nvCxnSpPr>
+          <p:cNvPr id="80" name="Shape 79"/>
+          <p:cNvCxnSpPr>
+            <a:endCxn id="5" idx="3"/>
+          </p:cNvCxnSpPr>
+          <p:nvPr/>
+        </p:nvCxnSpPr>
+        <p:spPr>
+          <a:xfrm rot="10800000" flipV="1">
+            <a:off x="5372093" y="1323157"/>
+            <a:ext cx="3286148" cy="684189"/>
+          </a:xfrm>
+          <a:prstGeom prst="bentConnector3">
+            <a:avLst>
+              <a:gd name="adj1" fmla="val 50000"/>
+            </a:avLst>
+          </a:prstGeom>
+          <a:ln>
+            <a:solidFill>
+              <a:schemeClr val="bg2">
+                <a:lumMod val="25000"/>
+              </a:schemeClr>
+            </a:solidFill>
+            <a:tailEnd type="arrow"/>
+          </a:ln>
+        </p:spPr>
+        <p:style>
+          <a:lnRef idx="1">
+            <a:schemeClr val="accent1"/>
+          </a:lnRef>
+          <a:fillRef idx="0">
+            <a:schemeClr val="accent1"/>
+          </a:fillRef>
+          <a:effectRef idx="0">
+            <a:schemeClr val="accent1"/>
+          </a:effectRef>
+          <a:fontRef idx="minor">
+            <a:schemeClr val="tx1"/>
+          </a:fontRef>
+        </p:style>
+      </p:cxnSp>
+      <p:pic>
+        <p:nvPicPr>
+          <p:cNvPr id="84" name="Picture 109" descr="Picture30"/>
+          <p:cNvPicPr>
+            <a:picLocks noChangeAspect="1" noChangeArrowheads="1"/>
+          </p:cNvPicPr>
+          <p:nvPr/>
+        </p:nvPicPr>
+        <p:blipFill>
+          <a:blip r:embed="rId3">
+            <a:duotone>
+              <a:schemeClr val="accent2">
+                <a:shade val="45000"/>
+                <a:satMod val="135000"/>
+              </a:schemeClr>
+              <a:prstClr val="white"/>
+            </a:duotone>
+            <a:extLst>
+              <a:ext uri="{28A0092B-C50C-407E-A947-70E740481C1C}">
+                <a14:useLocalDpi xmlns:a14="http://schemas.microsoft.com/office/drawing/2010/main" xmlns="" val="0"/>
+              </a:ext>
+            </a:extLst>
+          </a:blip>
+          <a:srcRect/>
+          <a:stretch>
+            <a:fillRect/>
+          </a:stretch>
+        </p:blipFill>
+        <p:spPr bwMode="auto">
+          <a:xfrm>
+            <a:off x="8229613" y="2251852"/>
+            <a:ext cx="631219" cy="571505"/>
+          </a:xfrm>
+          <a:prstGeom prst="rect">
+            <a:avLst/>
+          </a:prstGeom>
+          <a:noFill/>
+          <a:extLst>
+            <a:ext uri="{909E8E84-426E-40DD-AFC4-6F175D3DCCD1}">
+              <a14:hiddenFill xmlns:a14="http://schemas.microsoft.com/office/drawing/2010/main" xmlns="">
+                <a:solidFill>
+                  <a:srgbClr val="FFFFFF"/>
+                </a:solidFill>
+              </a14:hiddenFill>
+            </a:ext>
+          </a:extLst>
+        </p:spPr>
+      </p:pic>
+      <p:sp>
+        <p:nvSpPr>
+          <p:cNvPr id="86" name="직사각형 85"/>
+          <p:cNvSpPr/>
+          <p:nvPr/>
+        </p:nvSpPr>
+        <p:spPr>
+          <a:xfrm>
+            <a:off x="6800853" y="1466034"/>
+            <a:ext cx="785818" cy="261610"/>
+          </a:xfrm>
+          <a:prstGeom prst="rect">
+            <a:avLst/>
+          </a:prstGeom>
+          <a:solidFill>
+            <a:schemeClr val="bg1">
+              <a:lumMod val="95000"/>
+            </a:schemeClr>
+          </a:solidFill>
+        </p:spPr>
+        <p:txBody>
+          <a:bodyPr wrap="square">
+            <a:spAutoFit/>
+          </a:bodyPr>
+          <a:lstStyle/>
+          <a:p>
+            <a:r>
+              <a:rPr lang="en-US" altLang="ko-KR" sz="1100" smtClean="0">
+                <a:latin typeface="HY궁서B" pitchFamily="18" charset="-127"/>
+                <a:ea typeface="HY궁서B" pitchFamily="18" charset="-127"/>
+              </a:rPr>
+              <a:t>svn co</a:t>
+            </a:r>
+            <a:endParaRPr lang="en-US" altLang="ko-KR" sz="1100" smtClean="0">
+              <a:latin typeface="HY궁서B" pitchFamily="18" charset="-127"/>
+              <a:ea typeface="HY궁서B" pitchFamily="18" charset="-127"/>
+            </a:endParaRPr>
+          </a:p>
+        </p:txBody>
+      </p:sp>
+      <p:grpSp>
+        <p:nvGrpSpPr>
+          <p:cNvPr id="47" name="그룹 46"/>
+          <p:cNvGrpSpPr/>
+          <p:nvPr/>
+        </p:nvGrpSpPr>
+        <p:grpSpPr>
+          <a:xfrm>
+            <a:off x="7586671" y="3323422"/>
+            <a:ext cx="1643074" cy="299917"/>
+            <a:chOff x="7586671" y="3323422"/>
+            <a:chExt cx="1643074" cy="299917"/>
+          </a:xfrm>
+        </p:grpSpPr>
+        <p:sp>
+          <p:nvSpPr>
+            <p:cNvPr id="14" name="직사각형 13"/>
+            <p:cNvSpPr/>
+            <p:nvPr/>
+          </p:nvSpPr>
+          <p:spPr>
+            <a:xfrm>
+              <a:off x="7586671" y="3323422"/>
+              <a:ext cx="1500198" cy="299917"/>
+            </a:xfrm>
+            <a:prstGeom prst="rect">
+              <a:avLst/>
+            </a:prstGeom>
+            <a:solidFill>
+              <a:schemeClr val="bg1"/>
+            </a:solidFill>
+            <a:ln>
+              <a:noFill/>
+            </a:ln>
+            <a:effectLst>
+              <a:outerShdw blurRad="50800" dist="38100" dir="2700000" algn="tl" rotWithShape="0">
+                <a:prstClr val="black">
+                  <a:alpha val="40000"/>
+                </a:prstClr>
+              </a:outerShdw>
+            </a:effectLst>
+          </p:spPr>
+          <p:txBody>
+            <a:bodyPr wrap="square" lIns="68415" tIns="34208" rIns="68415" bIns="34208">
+              <a:spAutoFit/>
+            </a:bodyPr>
+            <a:lstStyle/>
+            <a:p>
+              <a:r>
+                <a:rPr lang="en-US" sz="1500" smtClean="0">
+                  <a:solidFill>
+                    <a:srgbClr val="3C10F6"/>
+                  </a:solidFill>
+                  <a:latin typeface="LG Smart UI Regular" pitchFamily="50" charset="-127"/>
+                  <a:ea typeface="LG Smart UI Regular" pitchFamily="50" charset="-127"/>
+                </a:rPr>
+                <a:t>ant (sync,move)</a:t>
+              </a:r>
+              <a:endParaRPr lang="en-US" sz="1500">
+                <a:solidFill>
+                  <a:srgbClr val="3C10F6"/>
+                </a:solidFill>
+                <a:latin typeface="LG Smart UI Regular" pitchFamily="50" charset="-127"/>
+                <a:ea typeface="LG Smart UI Regular" pitchFamily="50" charset="-127"/>
+              </a:endParaRPr>
+            </a:p>
+          </p:txBody>
+        </p:sp>
+        <p:sp>
+          <p:nvSpPr>
+            <p:cNvPr id="46" name="타원 45"/>
+            <p:cNvSpPr/>
+            <p:nvPr/>
+          </p:nvSpPr>
+          <p:spPr>
+            <a:xfrm>
+              <a:off x="8943993" y="3323422"/>
+              <a:ext cx="285752" cy="285752"/>
+            </a:xfrm>
+            <a:prstGeom prst="ellipse">
+              <a:avLst/>
+            </a:prstGeom>
+          </p:spPr>
+          <p:style>
+            <a:lnRef idx="2">
+              <a:schemeClr val="accent1">
+                <a:shade val="50000"/>
+              </a:schemeClr>
+            </a:lnRef>
+            <a:fillRef idx="1">
+              <a:schemeClr val="accent1"/>
+            </a:fillRef>
+            <a:effectRef idx="0">
+              <a:schemeClr val="accent1"/>
+            </a:effectRef>
+            <a:fontRef idx="minor">
+              <a:schemeClr val="lt1"/>
+            </a:fontRef>
+          </p:style>
+          <p:txBody>
+            <a:bodyPr rtlCol="0" anchor="ctr"/>
+            <a:lstStyle/>
+            <a:p>
+              <a:pPr algn="ctr"/>
+              <a:r>
+                <a:rPr lang="en-US" altLang="ko-KR" sz="2000" smtClean="0">
+                  <a:latin typeface="LG Smart UI Regular" pitchFamily="50" charset="-127"/>
+                  <a:ea typeface="LG Smart UI Regular" pitchFamily="50" charset="-127"/>
+                </a:rPr>
+                <a:t>1</a:t>
+              </a:r>
+              <a:endParaRPr lang="ko-KR" altLang="en-US" sz="2000">
+                <a:latin typeface="LG Smart UI Regular" pitchFamily="50" charset="-127"/>
+                <a:ea typeface="LG Smart UI Regular" pitchFamily="50" charset="-127"/>
+              </a:endParaRPr>
+            </a:p>
+          </p:txBody>
+        </p:sp>
+      </p:grpSp>
+      <p:sp>
+        <p:nvSpPr>
+          <p:cNvPr id="48" name="직사각형 47"/>
+          <p:cNvSpPr/>
+          <p:nvPr/>
+        </p:nvSpPr>
+        <p:spPr>
+          <a:xfrm>
+            <a:off x="6372225" y="4823620"/>
+            <a:ext cx="3929090" cy="700026"/>
+          </a:xfrm>
+          <a:prstGeom prst="rect">
+            <a:avLst/>
+          </a:prstGeom>
+          <a:solidFill>
+            <a:schemeClr val="bg1">
+              <a:lumMod val="85000"/>
+            </a:schemeClr>
+          </a:solidFill>
+          <a:effectLst>
+            <a:outerShdw blurRad="50800" dist="38100" dir="2700000" algn="tl" rotWithShape="0">
+              <a:prstClr val="black">
+                <a:alpha val="40000"/>
+              </a:prstClr>
+            </a:outerShdw>
+          </a:effectLst>
+        </p:spPr>
+        <p:txBody>
+          <a:bodyPr wrap="square" lIns="68415" tIns="34208" rIns="68415" bIns="34208">
+            <a:spAutoFit/>
+          </a:bodyPr>
+          <a:lstStyle/>
+          <a:p>
+            <a:pPr algn="ctr"/>
+            <a:r>
+              <a:rPr lang="en-US" sz="1500" smtClean="0">
+                <a:latin typeface="LG Smart UI Regular" pitchFamily="50" charset="-127"/>
+                <a:ea typeface="LG Smart UI Regular" pitchFamily="50" charset="-127"/>
+              </a:rPr>
+              <a:t>[</a:t>
+            </a:r>
+            <a:r>
+              <a:rPr lang="ko-KR" altLang="en-US" sz="1500" smtClean="0">
+                <a:latin typeface="LG Smart UI Regular" pitchFamily="50" charset="-127"/>
+                <a:ea typeface="LG Smart UI Regular" pitchFamily="50" charset="-127"/>
+              </a:rPr>
+              <a:t>로컬</a:t>
+            </a:r>
+            <a:r>
+              <a:rPr lang="en-US" altLang="ko-KR" sz="1500" smtClean="0">
+                <a:latin typeface="LG Smart UI Regular" pitchFamily="50" charset="-127"/>
+                <a:ea typeface="LG Smart UI Regular" pitchFamily="50" charset="-127"/>
+              </a:rPr>
+              <a:t> </a:t>
+            </a:r>
+            <a:r>
+              <a:rPr lang="ko-KR" altLang="en-US" sz="1500" smtClean="0">
+                <a:latin typeface="LG Smart UI Regular" pitchFamily="50" charset="-127"/>
+                <a:ea typeface="LG Smart UI Regular" pitchFamily="50" charset="-127"/>
+              </a:rPr>
+              <a:t>디렉토리</a:t>
+            </a:r>
+            <a:r>
+              <a:rPr lang="en-US" altLang="ko-KR" sz="1500" smtClean="0">
+                <a:latin typeface="LG Smart UI Regular" pitchFamily="50" charset="-127"/>
+                <a:ea typeface="LG Smart UI Regular" pitchFamily="50" charset="-127"/>
+              </a:rPr>
+              <a:t>]</a:t>
+            </a:r>
+          </a:p>
+          <a:p>
+            <a:r>
+              <a:rPr lang="en-US" sz="1300" smtClean="0">
+                <a:latin typeface="LG Smart UI Regular" pitchFamily="50" charset="-127"/>
+                <a:ea typeface="LG Smart UI Regular" pitchFamily="50" charset="-127"/>
+              </a:rPr>
+              <a:t>WEB : </a:t>
+            </a:r>
+            <a:r>
+              <a:rPr lang="en-US" sz="1300" smtClean="0"/>
+              <a:t>/</a:t>
+            </a:r>
+            <a:r>
+              <a:rPr lang="en-US" sz="1300" smtClean="0"/>
+              <a:t>sorc001/appadm/applications/htdocs</a:t>
+            </a:r>
+            <a:endParaRPr lang="en-US" sz="1300" smtClean="0">
+              <a:latin typeface="LG Smart UI Regular" pitchFamily="50" charset="-127"/>
+              <a:ea typeface="LG Smart UI Regular" pitchFamily="50" charset="-127"/>
+            </a:endParaRPr>
+          </a:p>
+          <a:p>
+            <a:r>
+              <a:rPr lang="en-US" sz="1300" smtClean="0">
+                <a:latin typeface="LG Smart UI Regular" pitchFamily="50" charset="-127"/>
+                <a:ea typeface="LG Smart UI Regular" pitchFamily="50" charset="-127"/>
+              </a:rPr>
+              <a:t>WAS : /sorc001/appadm/applicatoins/bizactor/GAAI</a:t>
+            </a:r>
+            <a:endParaRPr lang="en-US" sz="1300">
+              <a:latin typeface="LG Smart UI Regular" pitchFamily="50" charset="-127"/>
+              <a:ea typeface="LG Smart UI Regular" pitchFamily="50" charset="-127"/>
+            </a:endParaRPr>
+          </a:p>
+        </p:txBody>
+      </p:sp>
+      <p:cxnSp>
+        <p:nvCxnSpPr>
+          <p:cNvPr id="50" name="직선 화살표 연결선 49"/>
+          <p:cNvCxnSpPr/>
+          <p:nvPr/>
+        </p:nvCxnSpPr>
+        <p:spPr>
+          <a:xfrm rot="5400000">
+            <a:off x="7623184" y="4572793"/>
+            <a:ext cx="500066" cy="1588"/>
+          </a:xfrm>
+          <a:prstGeom prst="straightConnector1">
+            <a:avLst/>
+          </a:prstGeom>
+          <a:ln>
+            <a:solidFill>
+              <a:srgbClr val="3C10F6"/>
+            </a:solidFill>
+            <a:tailEnd type="arrow"/>
+          </a:ln>
+        </p:spPr>
+        <p:style>
+          <a:lnRef idx="1">
+            <a:schemeClr val="accent1"/>
+          </a:lnRef>
+          <a:fillRef idx="0">
+            <a:schemeClr val="accent1"/>
+          </a:fillRef>
+          <a:effectRef idx="0">
+            <a:schemeClr val="accent1"/>
+          </a:effectRef>
+          <a:fontRef idx="minor">
+            <a:schemeClr val="tx1"/>
+          </a:fontRef>
+        </p:style>
+      </p:cxnSp>
+      <p:grpSp>
+        <p:nvGrpSpPr>
+          <p:cNvPr id="61" name="그룹 60"/>
+          <p:cNvGrpSpPr/>
+          <p:nvPr/>
+        </p:nvGrpSpPr>
+        <p:grpSpPr>
+          <a:xfrm>
+            <a:off x="7586671" y="4394992"/>
+            <a:ext cx="1643074" cy="299917"/>
+            <a:chOff x="7586671" y="3323422"/>
+            <a:chExt cx="1643074" cy="299917"/>
+          </a:xfrm>
+        </p:grpSpPr>
+        <p:sp>
+          <p:nvSpPr>
+            <p:cNvPr id="63" name="직사각형 62"/>
+            <p:cNvSpPr/>
+            <p:nvPr/>
+          </p:nvSpPr>
+          <p:spPr>
+            <a:xfrm>
+              <a:off x="7586671" y="3323422"/>
+              <a:ext cx="1500198" cy="299917"/>
+            </a:xfrm>
+            <a:prstGeom prst="rect">
+              <a:avLst/>
+            </a:prstGeom>
+            <a:solidFill>
+              <a:schemeClr val="bg1"/>
+            </a:solidFill>
+            <a:ln>
+              <a:noFill/>
+            </a:ln>
+            <a:effectLst>
+              <a:outerShdw blurRad="50800" dist="38100" dir="2700000" algn="tl" rotWithShape="0">
+                <a:prstClr val="black">
+                  <a:alpha val="40000"/>
+                </a:prstClr>
+              </a:outerShdw>
+            </a:effectLst>
+          </p:spPr>
+          <p:txBody>
+            <a:bodyPr wrap="square" lIns="68415" tIns="34208" rIns="68415" bIns="34208">
+              <a:spAutoFit/>
+            </a:bodyPr>
+            <a:lstStyle/>
+            <a:p>
+              <a:r>
+                <a:rPr lang="en-US" sz="1500" smtClean="0">
+                  <a:solidFill>
+                    <a:srgbClr val="3C10F6"/>
+                  </a:solidFill>
+                  <a:latin typeface="LG Smart UI Regular" pitchFamily="50" charset="-127"/>
+                  <a:ea typeface="LG Smart UI Regular" pitchFamily="50" charset="-127"/>
+                </a:rPr>
+                <a:t>ant (sync)</a:t>
+              </a:r>
+              <a:endParaRPr lang="en-US" sz="1500">
+                <a:solidFill>
+                  <a:srgbClr val="3C10F6"/>
+                </a:solidFill>
+                <a:latin typeface="LG Smart UI Regular" pitchFamily="50" charset="-127"/>
+                <a:ea typeface="LG Smart UI Regular" pitchFamily="50" charset="-127"/>
+              </a:endParaRPr>
+            </a:p>
+          </p:txBody>
+        </p:sp>
+        <p:sp>
+          <p:nvSpPr>
+            <p:cNvPr id="64" name="타원 63"/>
+            <p:cNvSpPr/>
+            <p:nvPr/>
+          </p:nvSpPr>
+          <p:spPr>
+            <a:xfrm>
+              <a:off x="8943993" y="3323422"/>
+              <a:ext cx="285752" cy="285752"/>
+            </a:xfrm>
+            <a:prstGeom prst="ellipse">
+              <a:avLst/>
+            </a:prstGeom>
+          </p:spPr>
+          <p:style>
+            <a:lnRef idx="2">
+              <a:schemeClr val="accent1">
+                <a:shade val="50000"/>
+              </a:schemeClr>
+            </a:lnRef>
+            <a:fillRef idx="1">
+              <a:schemeClr val="accent1"/>
+            </a:fillRef>
+            <a:effectRef idx="0">
+              <a:schemeClr val="accent1"/>
+            </a:effectRef>
+            <a:fontRef idx="minor">
+              <a:schemeClr val="lt1"/>
+            </a:fontRef>
+          </p:style>
+          <p:txBody>
+            <a:bodyPr rtlCol="0" anchor="ctr"/>
+            <a:lstStyle/>
+            <a:p>
+              <a:pPr algn="ctr"/>
+              <a:r>
+                <a:rPr lang="en-US" altLang="ko-KR" sz="2000" smtClean="0">
+                  <a:latin typeface="LG Smart UI Regular" pitchFamily="50" charset="-127"/>
+                  <a:ea typeface="LG Smart UI Regular" pitchFamily="50" charset="-127"/>
+                </a:rPr>
+                <a:t>2</a:t>
+              </a:r>
+              <a:endParaRPr lang="ko-KR" altLang="en-US" sz="2000">
+                <a:latin typeface="LG Smart UI Regular" pitchFamily="50" charset="-127"/>
+                <a:ea typeface="LG Smart UI Regular" pitchFamily="50" charset="-127"/>
+              </a:endParaRPr>
+            </a:p>
+          </p:txBody>
+        </p:sp>
+      </p:grpSp>
+    </p:spTree>
+  </p:cSld>
+  <p:clrMapOvr>
+    <a:masterClrMapping/>
+  </p:clrMapOvr>
+</p:sld>
+</file>
+
+<file path=ppt/slides/slide5.xml><?xml version="1.0" encoding="utf-8"?>
 <p:sld xmlns:a="http://schemas.openxmlformats.org/drawingml/2006/main" xmlns:r="http://schemas.openxmlformats.org/officeDocument/2006/relationships" xmlns:p="http://schemas.openxmlformats.org/presentationml/2006/main">
   <p:cSld>
     <p:spTree>
@@ -9982,7 +15316,7 @@
 </p:sld>
 </file>
 
-<file path=ppt/slides/slide5.xml><?xml version="1.0" encoding="utf-8"?>
+<file path=ppt/slides/slide6.xml><?xml version="1.0" encoding="utf-8"?>
 <p:sld xmlns:a="http://schemas.openxmlformats.org/drawingml/2006/main" xmlns:r="http://schemas.openxmlformats.org/officeDocument/2006/relationships" xmlns:p="http://schemas.openxmlformats.org/presentationml/2006/main">
   <p:cSld>
     <p:spTree>
@@ -12891,7 +18225,7 @@
 </p:sld>
 </file>
 
-<file path=ppt/slides/slide6.xml><?xml version="1.0" encoding="utf-8"?>
+<file path=ppt/slides/slide7.xml><?xml version="1.0" encoding="utf-8"?>
 <p:sld xmlns:a="http://schemas.openxmlformats.org/drawingml/2006/main" xmlns:r="http://schemas.openxmlformats.org/officeDocument/2006/relationships" xmlns:p="http://schemas.openxmlformats.org/presentationml/2006/main">
   <p:cSld>
     <p:spTree>
@@ -17960,7 +23294,7 @@
 </p:sld>
 </file>
 
-<file path=ppt/slides/slide7.xml><?xml version="1.0" encoding="utf-8"?>
+<file path=ppt/slides/slide8.xml><?xml version="1.0" encoding="utf-8"?>
 <p:sld xmlns:a="http://schemas.openxmlformats.org/drawingml/2006/main" xmlns:r="http://schemas.openxmlformats.org/officeDocument/2006/relationships" xmlns:p="http://schemas.openxmlformats.org/presentationml/2006/main">
   <p:cSld>
     <p:spTree>
@@ -18159,7 +23493,7 @@
 </p:sld>
 </file>
 
-<file path=ppt/slides/slide8.xml><?xml version="1.0" encoding="utf-8"?>
+<file path=ppt/slides/slide9.xml><?xml version="1.0" encoding="utf-8"?>
 <p:sld xmlns:a="http://schemas.openxmlformats.org/drawingml/2006/main" xmlns:r="http://schemas.openxmlformats.org/officeDocument/2006/relationships" xmlns:p="http://schemas.openxmlformats.org/presentationml/2006/main">
   <p:cSld>
     <p:spTree>
@@ -19083,252 +24417,6 @@
               </a:rPr>
               <a:t>포</a:t>
             </a:r>
-          </a:p>
-        </p:txBody>
-      </p:sp>
-    </p:spTree>
-  </p:cSld>
-  <p:clrMapOvr>
-    <a:masterClrMapping/>
-  </p:clrMapOvr>
-</p:sld>
-</file>
-
-<file path=ppt/slides/slide9.xml><?xml version="1.0" encoding="utf-8"?>
-<p:sld xmlns:a="http://schemas.openxmlformats.org/drawingml/2006/main" xmlns:r="http://schemas.openxmlformats.org/officeDocument/2006/relationships" xmlns:p="http://schemas.openxmlformats.org/presentationml/2006/main">
-  <p:cSld>
-    <p:spTree>
-      <p:nvGrpSpPr>
-        <p:cNvPr id="1" name=""/>
-        <p:cNvGrpSpPr/>
-        <p:nvPr/>
-      </p:nvGrpSpPr>
-      <p:grpSpPr>
-        <a:xfrm>
-          <a:off x="0" y="0"/>
-          <a:ext cx="0" cy="0"/>
-          <a:chOff x="0" y="0"/>
-          <a:chExt cx="0" cy="0"/>
-        </a:xfrm>
-      </p:grpSpPr>
-      <p:pic>
-        <p:nvPicPr>
-          <p:cNvPr id="2050" name="Picture 2"/>
-          <p:cNvPicPr>
-            <a:picLocks noChangeAspect="1" noChangeArrowheads="1"/>
-          </p:cNvPicPr>
-          <p:nvPr/>
-        </p:nvPicPr>
-        <p:blipFill>
-          <a:blip r:embed="rId2"/>
-          <a:srcRect/>
-          <a:stretch>
-            <a:fillRect/>
-          </a:stretch>
-        </p:blipFill>
-        <p:spPr bwMode="auto">
-          <a:xfrm>
-            <a:off x="167210" y="1136053"/>
-            <a:ext cx="9053171" cy="5398691"/>
-          </a:xfrm>
-          <a:prstGeom prst="rect">
-            <a:avLst/>
-          </a:prstGeom>
-          <a:noFill/>
-          <a:ln w="9525">
-            <a:noFill/>
-            <a:miter lim="800000"/>
-            <a:headEnd/>
-            <a:tailEnd/>
-          </a:ln>
-          <a:effectLst/>
-        </p:spPr>
-      </p:pic>
-      <p:sp>
-        <p:nvSpPr>
-          <p:cNvPr id="5" name="TextBox 4"/>
-          <p:cNvSpPr txBox="1"/>
-          <p:nvPr/>
-        </p:nvSpPr>
-        <p:spPr>
-          <a:xfrm>
-            <a:off x="167210" y="655386"/>
-            <a:ext cx="3117007" cy="369332"/>
-          </a:xfrm>
-          <a:prstGeom prst="rect">
-            <a:avLst/>
-          </a:prstGeom>
-          <a:noFill/>
-        </p:spPr>
-        <p:txBody>
-          <a:bodyPr wrap="none" rtlCol="0">
-            <a:spAutoFit/>
-          </a:bodyPr>
-          <a:lstStyle/>
-          <a:p>
-            <a:r>
-              <a:rPr lang="ko-KR" altLang="en-US" sz="1800" smtClean="0">
-                <a:latin typeface="LG Smart UI Regular" pitchFamily="50" charset="-127"/>
-                <a:ea typeface="LG Smart UI Regular" pitchFamily="50" charset="-127"/>
-              </a:rPr>
-              <a:t>◆ </a:t>
-            </a:r>
-            <a:r>
-              <a:rPr lang="en-US" altLang="ko-KR" sz="1800" smtClean="0">
-                <a:latin typeface="LG Smart UI Regular" pitchFamily="50" charset="-127"/>
-                <a:ea typeface="LG Smart UI Regular" pitchFamily="50" charset="-127"/>
-              </a:rPr>
-              <a:t>gradle</a:t>
-            </a:r>
-            <a:r>
-              <a:rPr lang="ko-KR" altLang="en-US" sz="1800" smtClean="0">
-                <a:latin typeface="LG Smart UI Regular" pitchFamily="50" charset="-127"/>
-                <a:ea typeface="LG Smart UI Regular" pitchFamily="50" charset="-127"/>
-              </a:rPr>
-              <a:t>프로젝트 디렉토리 구조 </a:t>
-            </a:r>
-            <a:endParaRPr lang="ko-KR" altLang="en-US" sz="1800">
-              <a:latin typeface="LG Smart UI Regular" pitchFamily="50" charset="-127"/>
-              <a:ea typeface="LG Smart UI Regular" pitchFamily="50" charset="-127"/>
-            </a:endParaRPr>
-          </a:p>
-        </p:txBody>
-      </p:sp>
-      <p:sp>
-        <p:nvSpPr>
-          <p:cNvPr id="6" name="직사각형 5"/>
-          <p:cNvSpPr/>
-          <p:nvPr/>
-        </p:nvSpPr>
-        <p:spPr>
-          <a:xfrm>
-            <a:off x="1135353" y="2620744"/>
-            <a:ext cx="3518484" cy="480667"/>
-          </a:xfrm>
-          <a:prstGeom prst="rect">
-            <a:avLst/>
-          </a:prstGeom>
-          <a:noFill/>
-          <a:ln>
-            <a:solidFill>
-              <a:srgbClr val="FF0000"/>
-            </a:solidFill>
-          </a:ln>
-        </p:spPr>
-        <p:style>
-          <a:lnRef idx="2">
-            <a:schemeClr val="accent1">
-              <a:shade val="50000"/>
-            </a:schemeClr>
-          </a:lnRef>
-          <a:fillRef idx="1">
-            <a:schemeClr val="accent1"/>
-          </a:fillRef>
-          <a:effectRef idx="0">
-            <a:schemeClr val="accent1"/>
-          </a:effectRef>
-          <a:fontRef idx="minor">
-            <a:schemeClr val="lt1"/>
-          </a:fontRef>
-        </p:style>
-        <p:txBody>
-          <a:bodyPr rtlCol="0" anchor="ctr"/>
-          <a:lstStyle/>
-          <a:p>
-            <a:pPr algn="ctr"/>
-            <a:endParaRPr lang="ko-KR" altLang="en-US"/>
-          </a:p>
-        </p:txBody>
-      </p:sp>
-      <p:sp>
-        <p:nvSpPr>
-          <p:cNvPr id="7" name="직사각형 6"/>
-          <p:cNvSpPr/>
-          <p:nvPr/>
-        </p:nvSpPr>
-        <p:spPr>
-          <a:xfrm>
-            <a:off x="1135353" y="3238744"/>
-            <a:ext cx="3518484" cy="274666"/>
-          </a:xfrm>
-          <a:prstGeom prst="rect">
-            <a:avLst/>
-          </a:prstGeom>
-          <a:noFill/>
-          <a:ln>
-            <a:solidFill>
-              <a:srgbClr val="00B0F0"/>
-            </a:solidFill>
-          </a:ln>
-        </p:spPr>
-        <p:style>
-          <a:lnRef idx="2">
-            <a:schemeClr val="accent1">
-              <a:shade val="50000"/>
-            </a:schemeClr>
-          </a:lnRef>
-          <a:fillRef idx="1">
-            <a:schemeClr val="accent1"/>
-          </a:fillRef>
-          <a:effectRef idx="0">
-            <a:schemeClr val="accent1"/>
-          </a:effectRef>
-          <a:fontRef idx="minor">
-            <a:schemeClr val="lt1"/>
-          </a:fontRef>
-        </p:style>
-        <p:txBody>
-          <a:bodyPr rtlCol="0" anchor="ctr"/>
-          <a:lstStyle/>
-          <a:p>
-            <a:pPr algn="ctr"/>
-            <a:endParaRPr lang="ko-KR" altLang="en-US"/>
-          </a:p>
-        </p:txBody>
-      </p:sp>
-      <p:sp>
-        <p:nvSpPr>
-          <p:cNvPr id="8" name="직사각형 7"/>
-          <p:cNvSpPr/>
-          <p:nvPr/>
-        </p:nvSpPr>
-        <p:spPr>
-          <a:xfrm>
-            <a:off x="1135353" y="3513411"/>
-            <a:ext cx="3518484" cy="1030000"/>
-          </a:xfrm>
-          <a:prstGeom prst="rect">
-            <a:avLst/>
-          </a:prstGeom>
-          <a:noFill/>
-          <a:ln>
-            <a:solidFill>
-              <a:srgbClr val="FFFF00"/>
-            </a:solidFill>
-          </a:ln>
-        </p:spPr>
-        <p:style>
-          <a:lnRef idx="2">
-            <a:schemeClr val="accent1">
-              <a:shade val="50000"/>
-            </a:schemeClr>
-          </a:lnRef>
-          <a:fillRef idx="1">
-            <a:schemeClr val="accent1"/>
-          </a:fillRef>
-          <a:effectRef idx="0">
-            <a:schemeClr val="accent1"/>
-          </a:effectRef>
-          <a:fontRef idx="minor">
-            <a:schemeClr val="lt1"/>
-          </a:fontRef>
-        </p:style>
-        <p:txBody>
-          <a:bodyPr rtlCol="0" anchor="ctr"/>
-          <a:lstStyle/>
-          <a:p>
-            <a:pPr algn="ctr"/>
-            <a:endParaRPr lang="ko-KR" altLang="en-US"/>
           </a:p>
         </p:txBody>
       </p:sp>
